--- a/Materi/Morphological Image Proccessing.pptx
+++ b/Materi/Morphological Image Proccessing.pptx
@@ -8041,6 +8041,75 @@
               <a:t>TERIMAH KASIH</a:t>
             </a:r>
             <a:endParaRPr lang="en-US" b="1" dirty="0"/>
+          </a:p>
+        </p:txBody>
+      </p:sp>
+      <p:sp>
+        <p:nvSpPr>
+          <p:cNvPr id="3" name="Rectangle 2"/>
+          <p:cNvSpPr/>
+          <p:nvPr/>
+        </p:nvSpPr>
+        <p:spPr>
+          <a:xfrm>
+            <a:off x="621670" y="5879854"/>
+            <a:ext cx="7372539" cy="646331"/>
+          </a:xfrm>
+          <a:prstGeom prst="rect">
+            <a:avLst/>
+          </a:prstGeom>
+        </p:spPr>
+        <p:txBody>
+          <a:bodyPr wrap="square">
+            <a:spAutoFit/>
+          </a:bodyPr>
+          <a:lstStyle/>
+          <a:p>
+            <a:r>
+              <a:rPr lang="en-US" dirty="0">
+                <a:hlinkClick r:id="rId2"/>
+              </a:rPr>
+              <a:t>https://github.com/rizalarfani/Pengolahan-Citra-Digital-PCD-/blob/master/Latihan/Morphological%20Image%20Proccessing.ipynb</a:t>
+            </a:r>
+            <a:endParaRPr lang="en-US" dirty="0"/>
+          </a:p>
+        </p:txBody>
+      </p:sp>
+      <p:sp>
+        <p:nvSpPr>
+          <p:cNvPr id="4" name="TextBox 3"/>
+          <p:cNvSpPr txBox="1"/>
+          <p:nvPr/>
+        </p:nvSpPr>
+        <p:spPr>
+          <a:xfrm>
+            <a:off x="621670" y="5223849"/>
+            <a:ext cx="3603279" cy="461665"/>
+          </a:xfrm>
+          <a:prstGeom prst="rect">
+            <a:avLst/>
+          </a:prstGeom>
+          <a:noFill/>
+        </p:spPr>
+        <p:txBody>
+          <a:bodyPr wrap="square" rtlCol="0">
+            <a:spAutoFit/>
+          </a:bodyPr>
+          <a:lstStyle/>
+          <a:p>
+            <a:r>
+              <a:rPr lang="en-US" sz="2400" dirty="0" smtClean="0"/>
+              <a:t>Link </a:t>
+            </a:r>
+            <a:r>
+              <a:rPr lang="en-US" sz="2400" dirty="0" err="1" smtClean="0"/>
+              <a:t>Latihan</a:t>
+            </a:r>
+            <a:r>
+              <a:rPr lang="en-US" sz="2400" smtClean="0"/>
+              <a:t> code</a:t>
+            </a:r>
+            <a:endParaRPr lang="en-US" sz="2400" dirty="0"/>
           </a:p>
         </p:txBody>
       </p:sp>

--- a/Materi/Morphological Image Proccessing.pptx
+++ b/Materi/Morphological Image Proccessing.pptx
@@ -5,7 +5,7 @@
     <p:sldMasterId id="2147483660" r:id="rId4"/>
   </p:sldMasterIdLst>
   <p:notesMasterIdLst>
-    <p:notesMasterId r:id="rId20"/>
+    <p:notesMasterId r:id="rId18"/>
   </p:notesMasterIdLst>
   <p:sldIdLst>
     <p:sldId id="256" r:id="rId5"/>
@@ -16,13 +16,11 @@
     <p:sldId id="277" r:id="rId10"/>
     <p:sldId id="278" r:id="rId11"/>
     <p:sldId id="279" r:id="rId12"/>
-    <p:sldId id="280" r:id="rId13"/>
-    <p:sldId id="281" r:id="rId14"/>
-    <p:sldId id="282" r:id="rId15"/>
-    <p:sldId id="283" r:id="rId16"/>
-    <p:sldId id="284" r:id="rId17"/>
-    <p:sldId id="285" r:id="rId18"/>
-    <p:sldId id="272" r:id="rId19"/>
+    <p:sldId id="283" r:id="rId13"/>
+    <p:sldId id="280" r:id="rId14"/>
+    <p:sldId id="281" r:id="rId15"/>
+    <p:sldId id="282" r:id="rId16"/>
+    <p:sldId id="272" r:id="rId17"/>
   </p:sldIdLst>
   <p:sldSz cx="12192000" cy="6858000"/>
   <p:notesSz cx="6858000" cy="9144000"/>
@@ -134,12 +132,10 @@
             <p14:sldId id="277"/>
             <p14:sldId id="278"/>
             <p14:sldId id="279"/>
+            <p14:sldId id="283"/>
             <p14:sldId id="280"/>
             <p14:sldId id="281"/>
             <p14:sldId id="282"/>
-            <p14:sldId id="283"/>
-            <p14:sldId id="284"/>
-            <p14:sldId id="285"/>
             <p14:sldId id="272"/>
           </p14:sldIdLst>
         </p14:section>
@@ -251,7 +247,7 @@
           <a:p>
             <a:fld id="{EC13577B-6902-467D-A26C-08A0DD5E4E03}" type="datetimeFigureOut">
               <a:rPr lang="en-US" smtClean="0"/>
-              <a:t>3/31/2022</a:t>
+              <a:t>5/17/2022</a:t>
             </a:fld>
             <a:endParaRPr lang="en-US"/>
           </a:p>
@@ -804,7 +800,7 @@
           <a:p>
             <a:fld id="{8BEEBAAA-29B5-4AF5-BC5F-7E580C29002D}" type="datetimeFigureOut">
               <a:rPr lang="en-US" smtClean="0"/>
-              <a:t>3/31/2022</a:t>
+              <a:t>5/17/2022</a:t>
             </a:fld>
             <a:endParaRPr lang="en-US"/>
           </a:p>
@@ -1081,7 +1077,7 @@
           <a:p>
             <a:fld id="{8BEEBAAA-29B5-4AF5-BC5F-7E580C29002D}" type="datetimeFigureOut">
               <a:rPr lang="en-US" smtClean="0"/>
-              <a:t>3/31/2022</a:t>
+              <a:t>5/17/2022</a:t>
             </a:fld>
             <a:endParaRPr lang="en-US"/>
           </a:p>
@@ -1363,7 +1359,7 @@
           <a:p>
             <a:fld id="{8BEEBAAA-29B5-4AF5-BC5F-7E580C29002D}" type="datetimeFigureOut">
               <a:rPr lang="en-US" smtClean="0"/>
-              <a:t>3/31/2022</a:t>
+              <a:t>5/17/2022</a:t>
             </a:fld>
             <a:endParaRPr lang="en-US"/>
           </a:p>
@@ -1724,7 +1720,7 @@
           <a:p>
             <a:fld id="{8BEEBAAA-29B5-4AF5-BC5F-7E580C29002D}" type="datetimeFigureOut">
               <a:rPr lang="en-US" smtClean="0"/>
-              <a:t>3/31/2022</a:t>
+              <a:t>5/17/2022</a:t>
             </a:fld>
             <a:endParaRPr lang="en-US"/>
           </a:p>
@@ -2024,7 +2020,7 @@
           <a:p>
             <a:fld id="{8BEEBAAA-29B5-4AF5-BC5F-7E580C29002D}" type="datetimeFigureOut">
               <a:rPr lang="en-US" smtClean="0"/>
-              <a:t>3/31/2022</a:t>
+              <a:t>5/17/2022</a:t>
             </a:fld>
             <a:endParaRPr lang="en-US"/>
           </a:p>
@@ -2539,7 +2535,7 @@
           <a:p>
             <a:fld id="{8BEEBAAA-29B5-4AF5-BC5F-7E580C29002D}" type="datetimeFigureOut">
               <a:rPr lang="en-US" smtClean="0"/>
-              <a:t>3/31/2022</a:t>
+              <a:t>5/17/2022</a:t>
             </a:fld>
             <a:endParaRPr lang="en-US"/>
           </a:p>
@@ -3184,7 +3180,7 @@
           <a:p>
             <a:fld id="{8BEEBAAA-29B5-4AF5-BC5F-7E580C29002D}" type="datetimeFigureOut">
               <a:rPr lang="en-US" smtClean="0"/>
-              <a:t>3/31/2022</a:t>
+              <a:t>5/17/2022</a:t>
             </a:fld>
             <a:endParaRPr lang="en-US"/>
           </a:p>
@@ -3409,7 +3405,7 @@
           <a:p>
             <a:fld id="{8BEEBAAA-29B5-4AF5-BC5F-7E580C29002D}" type="datetimeFigureOut">
               <a:rPr lang="en-US" smtClean="0"/>
-              <a:t>3/31/2022</a:t>
+              <a:t>5/17/2022</a:t>
             </a:fld>
             <a:endParaRPr lang="en-US"/>
           </a:p>
@@ -3550,7 +3546,7 @@
           <a:p>
             <a:fld id="{8BEEBAAA-29B5-4AF5-BC5F-7E580C29002D}" type="datetimeFigureOut">
               <a:rPr lang="en-US" smtClean="0"/>
-              <a:t>3/31/2022</a:t>
+              <a:t>5/17/2022</a:t>
             </a:fld>
             <a:endParaRPr lang="en-US"/>
           </a:p>
@@ -3887,7 +3883,7 @@
           <a:p>
             <a:fld id="{8BEEBAAA-29B5-4AF5-BC5F-7E580C29002D}" type="datetimeFigureOut">
               <a:rPr lang="en-US" smtClean="0"/>
-              <a:t>3/31/2022</a:t>
+              <a:t>5/17/2022</a:t>
             </a:fld>
             <a:endParaRPr lang="en-US"/>
           </a:p>
@@ -4144,7 +4140,7 @@
           <a:p>
             <a:fld id="{8BEEBAAA-29B5-4AF5-BC5F-7E580C29002D}" type="datetimeFigureOut">
               <a:rPr lang="en-US" smtClean="0"/>
-              <a:t>3/31/2022</a:t>
+              <a:t>5/17/2022</a:t>
             </a:fld>
             <a:endParaRPr lang="en-US"/>
           </a:p>
@@ -4357,7 +4353,7 @@
           <a:p>
             <a:fld id="{8BEEBAAA-29B5-4AF5-BC5F-7E580C29002D}" type="datetimeFigureOut">
               <a:rPr lang="en-US" smtClean="0"/>
-              <a:t>3/31/2022</a:t>
+              <a:t>5/17/2022</a:t>
             </a:fld>
             <a:endParaRPr lang="en-US"/>
           </a:p>
@@ -4860,7 +4856,7 @@
         <p:spPr>
           <a:xfrm>
             <a:off x="964952" y="3857452"/>
-            <a:ext cx="5359651" cy="461665"/>
+            <a:ext cx="5359651" cy="830997"/>
           </a:xfrm>
           <a:prstGeom prst="rect">
             <a:avLst/>
@@ -4874,30 +4870,78 @@
           <a:lstStyle/>
           <a:p>
             <a:r>
+              <a:rPr lang="en-US" sz="2400" dirty="0" err="1" smtClean="0">
+                <a:solidFill>
+                  <a:schemeClr val="bg1"/>
+                </a:solidFill>
+              </a:rPr>
+              <a:t>Pengambilan</a:t>
+            </a:r>
+            <a:r>
               <a:rPr lang="en-US" sz="2400" dirty="0" smtClean="0">
                 <a:solidFill>
                   <a:schemeClr val="bg1"/>
                 </a:solidFill>
               </a:rPr>
-              <a:t>Morphological </a:t>
-            </a:r>
-            <a:r>
-              <a:rPr lang="en-US" sz="2400" dirty="0">
+              <a:t> </a:t>
+            </a:r>
+            <a:r>
+              <a:rPr lang="en-US" sz="2400" dirty="0" err="1" smtClean="0">
                 <a:solidFill>
                   <a:schemeClr val="bg1"/>
                 </a:solidFill>
               </a:rPr>
-              <a:t>Image </a:t>
-            </a:r>
-            <a:r>
-              <a:rPr lang="en-US" sz="2400" dirty="0" err="1">
+              <a:t>sampel</a:t>
+            </a:r>
+            <a:r>
+              <a:rPr lang="en-US" sz="2400" dirty="0" smtClean="0">
                 <a:solidFill>
                   <a:schemeClr val="bg1"/>
                 </a:solidFill>
               </a:rPr>
-              <a:t>Proccessing</a:t>
-            </a:r>
-            <a:endParaRPr lang="en-US" sz="2400" b="1" i="1" dirty="0">
+              <a:t> </a:t>
+            </a:r>
+            <a:r>
+              <a:rPr lang="en-US" sz="2400" i="1" dirty="0" err="1" smtClean="0">
+                <a:solidFill>
+                  <a:schemeClr val="bg1"/>
+                </a:solidFill>
+              </a:rPr>
+              <a:t>citra</a:t>
+            </a:r>
+            <a:r>
+              <a:rPr lang="en-US" sz="2400" dirty="0" smtClean="0">
+                <a:solidFill>
+                  <a:schemeClr val="bg1"/>
+                </a:solidFill>
+              </a:rPr>
+              <a:t> </a:t>
+            </a:r>
+            <a:r>
+              <a:rPr lang="en-US" sz="2400" dirty="0" err="1" smtClean="0">
+                <a:solidFill>
+                  <a:schemeClr val="bg1"/>
+                </a:solidFill>
+              </a:rPr>
+              <a:t>untuk</a:t>
+            </a:r>
+            <a:r>
+              <a:rPr lang="en-US" sz="2400" dirty="0" smtClean="0">
+                <a:solidFill>
+                  <a:schemeClr val="bg1"/>
+                </a:solidFill>
+              </a:rPr>
+              <a:t> </a:t>
+            </a:r>
+            <a:r>
+              <a:rPr lang="en-US" sz="2400" i="1" dirty="0" err="1" smtClean="0">
+                <a:solidFill>
+                  <a:schemeClr val="bg1"/>
+                </a:solidFill>
+              </a:rPr>
+              <a:t>Preprosessing</a:t>
+            </a:r>
+            <a:endParaRPr lang="en-US" sz="2400" i="1" dirty="0">
               <a:solidFill>
                 <a:schemeClr val="bg1"/>
               </a:solidFill>
@@ -4952,35 +4996,38 @@
             <p:ph type="title"/>
           </p:nvPr>
         </p:nvSpPr>
-        <p:spPr>
-          <a:xfrm>
-            <a:off x="609600" y="-18106"/>
-            <a:ext cx="10744200" cy="1228436"/>
-          </a:xfrm>
-        </p:spPr>
+        <p:spPr/>
         <p:txBody>
           <a:bodyPr/>
           <a:lstStyle/>
           <a:p>
             <a:r>
-              <a:rPr lang="en-US" b="1" dirty="0" err="1" smtClean="0"/>
-              <a:t>Operasi</a:t>
-            </a:r>
-            <a:r>
-              <a:rPr lang="en-US" b="1" dirty="0" smtClean="0"/>
+              <a:rPr lang="en-US" dirty="0" smtClean="0"/>
+              <a:t>Splitting video </a:t>
+            </a:r>
+            <a:r>
+              <a:rPr lang="en-US" dirty="0" err="1" smtClean="0"/>
+              <a:t>ke</a:t>
+            </a:r>
+            <a:r>
+              <a:rPr lang="en-US" dirty="0" smtClean="0"/>
               <a:t> </a:t>
             </a:r>
             <a:r>
-              <a:rPr lang="en-US" b="1" dirty="0" err="1" smtClean="0"/>
-              <a:t>Erosi</a:t>
-            </a:r>
-            <a:endParaRPr lang="en-US" b="1" dirty="0"/>
+              <a:rPr lang="en-US" dirty="0" err="1" smtClean="0"/>
+              <a:t>gambar</a:t>
+            </a:r>
+            <a:r>
+              <a:rPr lang="en-US" dirty="0" smtClean="0"/>
+              <a:t> per frame</a:t>
+            </a:r>
+            <a:endParaRPr lang="en-US" dirty="0"/>
           </a:p>
         </p:txBody>
       </p:sp>
       <p:pic>
         <p:nvPicPr>
-          <p:cNvPr id="3" name="Picture 2"/>
+          <p:cNvPr id="4" name="Picture 3"/>
           <p:cNvPicPr>
             <a:picLocks noChangeAspect="1"/>
           </p:cNvPicPr>
@@ -4994,481 +5041,18 @@
         </p:blipFill>
         <p:spPr>
           <a:xfrm>
-            <a:off x="609599" y="2317481"/>
-            <a:ext cx="8612845" cy="1267691"/>
+            <a:off x="609600" y="2426078"/>
+            <a:ext cx="9412586" cy="2836451"/>
           </a:xfrm>
           <a:prstGeom prst="rect">
             <a:avLst/>
           </a:prstGeom>
         </p:spPr>
       </p:pic>
-      <p:sp>
-        <p:nvSpPr>
-          <p:cNvPr id="4" name="TextBox 3"/>
-          <p:cNvSpPr txBox="1"/>
-          <p:nvPr/>
-        </p:nvSpPr>
-        <p:spPr>
-          <a:xfrm>
-            <a:off x="609599" y="1692998"/>
-            <a:ext cx="10607645" cy="461665"/>
-          </a:xfrm>
-          <a:prstGeom prst="rect">
-            <a:avLst/>
-          </a:prstGeom>
-          <a:noFill/>
-        </p:spPr>
-        <p:txBody>
-          <a:bodyPr wrap="square" rtlCol="0">
-            <a:spAutoFit/>
-          </a:bodyPr>
-          <a:lstStyle/>
-          <a:p>
-            <a:r>
-              <a:rPr lang="en-US" sz="2400" dirty="0" err="1" smtClean="0"/>
-              <a:t>Lakukan</a:t>
-            </a:r>
-            <a:r>
-              <a:rPr lang="en-US" sz="2400" dirty="0" smtClean="0"/>
-              <a:t> </a:t>
-            </a:r>
-            <a:r>
-              <a:rPr lang="en-US" sz="2400" dirty="0" err="1" smtClean="0"/>
-              <a:t>operasi</a:t>
-            </a:r>
-            <a:r>
-              <a:rPr lang="en-US" sz="2400" dirty="0" smtClean="0"/>
-              <a:t> </a:t>
-            </a:r>
-            <a:r>
-              <a:rPr lang="en-US" sz="2400" dirty="0" err="1" smtClean="0"/>
-              <a:t>Erosi</a:t>
-            </a:r>
-            <a:r>
-              <a:rPr lang="en-US" sz="2400" dirty="0" smtClean="0"/>
-              <a:t> </a:t>
-            </a:r>
-            <a:r>
-              <a:rPr lang="en-US" sz="2400" dirty="0" err="1" smtClean="0"/>
-              <a:t>dengan</a:t>
-            </a:r>
-            <a:r>
-              <a:rPr lang="en-US" sz="2400" dirty="0" smtClean="0"/>
-              <a:t> </a:t>
-            </a:r>
-            <a:r>
-              <a:rPr lang="en-US" sz="2400" dirty="0" err="1" smtClean="0"/>
-              <a:t>fungsi</a:t>
-            </a:r>
-            <a:r>
-              <a:rPr lang="en-US" sz="2400" dirty="0" smtClean="0"/>
-              <a:t> </a:t>
-            </a:r>
-            <a:r>
-              <a:rPr lang="en-US" sz="2400" b="1" dirty="0" smtClean="0"/>
-              <a:t>cv2.erode(</a:t>
-            </a:r>
-            <a:r>
-              <a:rPr lang="en-US" sz="2400" b="1" dirty="0" err="1" smtClean="0"/>
-              <a:t>image,kernel,iterations</a:t>
-            </a:r>
-            <a:r>
-              <a:rPr lang="en-US" sz="2400" b="1" dirty="0" smtClean="0"/>
-              <a:t>)</a:t>
-            </a:r>
-            <a:endParaRPr lang="en-US" sz="2400" b="1" dirty="0"/>
-          </a:p>
-        </p:txBody>
-      </p:sp>
-      <p:sp>
-        <p:nvSpPr>
-          <p:cNvPr id="14" name="Rectangle 13"/>
-          <p:cNvSpPr/>
-          <p:nvPr/>
-        </p:nvSpPr>
-        <p:spPr>
-          <a:xfrm>
-            <a:off x="4242553" y="2906161"/>
-            <a:ext cx="605579" cy="420344"/>
-          </a:xfrm>
-          <a:prstGeom prst="rect">
-            <a:avLst/>
-          </a:prstGeom>
-          <a:noFill/>
-          <a:ln>
-            <a:solidFill>
-              <a:schemeClr val="tx1"/>
-            </a:solidFill>
-          </a:ln>
-        </p:spPr>
-        <p:style>
-          <a:lnRef idx="2">
-            <a:schemeClr val="accent1">
-              <a:shade val="50000"/>
-            </a:schemeClr>
-          </a:lnRef>
-          <a:fillRef idx="1">
-            <a:schemeClr val="accent1"/>
-          </a:fillRef>
-          <a:effectRef idx="0">
-            <a:schemeClr val="accent1"/>
-          </a:effectRef>
-          <a:fontRef idx="minor">
-            <a:schemeClr val="lt1"/>
-          </a:fontRef>
-        </p:style>
-        <p:txBody>
-          <a:bodyPr rtlCol="0" anchor="ctr"/>
-          <a:lstStyle/>
-          <a:p>
-            <a:pPr algn="ctr"/>
-            <a:endParaRPr lang="en-US"/>
-          </a:p>
-        </p:txBody>
-      </p:sp>
-      <p:cxnSp>
-        <p:nvCxnSpPr>
-          <p:cNvPr id="15" name="Straight Arrow Connector 14"/>
-          <p:cNvCxnSpPr>
-            <a:stCxn id="14" idx="2"/>
-            <a:endCxn id="16" idx="0"/>
-          </p:cNvCxnSpPr>
-          <p:nvPr/>
-        </p:nvCxnSpPr>
-        <p:spPr>
-          <a:xfrm>
-            <a:off x="4545343" y="3326505"/>
-            <a:ext cx="18105" cy="568041"/>
-          </a:xfrm>
-          <a:prstGeom prst="straightConnector1">
-            <a:avLst/>
-          </a:prstGeom>
-          <a:ln w="28575">
-            <a:solidFill>
-              <a:schemeClr val="tx1"/>
-            </a:solidFill>
-            <a:tailEnd type="triangle"/>
-          </a:ln>
-        </p:spPr>
-        <p:style>
-          <a:lnRef idx="1">
-            <a:schemeClr val="accent1"/>
-          </a:lnRef>
-          <a:fillRef idx="0">
-            <a:schemeClr val="accent1"/>
-          </a:fillRef>
-          <a:effectRef idx="0">
-            <a:schemeClr val="accent1"/>
-          </a:effectRef>
-          <a:fontRef idx="minor">
-            <a:schemeClr val="tx1"/>
-          </a:fontRef>
-        </p:style>
-      </p:cxnSp>
-      <p:sp>
-        <p:nvSpPr>
-          <p:cNvPr id="16" name="TextBox 15"/>
-          <p:cNvSpPr txBox="1"/>
-          <p:nvPr/>
-        </p:nvSpPr>
-        <p:spPr>
-          <a:xfrm>
-            <a:off x="4095340" y="3894546"/>
-            <a:ext cx="936216" cy="383045"/>
-          </a:xfrm>
-          <a:prstGeom prst="rect">
-            <a:avLst/>
-          </a:prstGeom>
-          <a:noFill/>
-        </p:spPr>
-        <p:txBody>
-          <a:bodyPr wrap="square" rtlCol="0">
-            <a:spAutoFit/>
-          </a:bodyPr>
-          <a:lstStyle/>
-          <a:p>
-            <a:r>
-              <a:rPr lang="en-US" dirty="0" smtClean="0"/>
-              <a:t>Image</a:t>
-            </a:r>
-            <a:endParaRPr lang="en-US" dirty="0"/>
-          </a:p>
-        </p:txBody>
-      </p:sp>
-      <p:sp>
-        <p:nvSpPr>
-          <p:cNvPr id="17" name="Rectangle 16"/>
-          <p:cNvSpPr/>
-          <p:nvPr/>
-        </p:nvSpPr>
-        <p:spPr>
-          <a:xfrm>
-            <a:off x="4943192" y="2965141"/>
-            <a:ext cx="923455" cy="285053"/>
-          </a:xfrm>
-          <a:prstGeom prst="rect">
-            <a:avLst/>
-          </a:prstGeom>
-          <a:noFill/>
-          <a:ln>
-            <a:solidFill>
-              <a:schemeClr val="tx1"/>
-            </a:solidFill>
-          </a:ln>
-        </p:spPr>
-        <p:style>
-          <a:lnRef idx="2">
-            <a:schemeClr val="accent1">
-              <a:shade val="50000"/>
-            </a:schemeClr>
-          </a:lnRef>
-          <a:fillRef idx="1">
-            <a:schemeClr val="accent1"/>
-          </a:fillRef>
-          <a:effectRef idx="0">
-            <a:schemeClr val="accent1"/>
-          </a:effectRef>
-          <a:fontRef idx="minor">
-            <a:schemeClr val="lt1"/>
-          </a:fontRef>
-        </p:style>
-        <p:txBody>
-          <a:bodyPr rtlCol="0" anchor="ctr"/>
-          <a:lstStyle/>
-          <a:p>
-            <a:pPr algn="ctr"/>
-            <a:endParaRPr lang="en-US"/>
-          </a:p>
-        </p:txBody>
-      </p:sp>
-      <p:cxnSp>
-        <p:nvCxnSpPr>
-          <p:cNvPr id="18" name="Straight Arrow Connector 17"/>
-          <p:cNvCxnSpPr>
-            <a:stCxn id="17" idx="2"/>
-            <a:endCxn id="19" idx="0"/>
-          </p:cNvCxnSpPr>
-          <p:nvPr/>
-        </p:nvCxnSpPr>
-        <p:spPr>
-          <a:xfrm>
-            <a:off x="5404920" y="3250194"/>
-            <a:ext cx="174360" cy="704233"/>
-          </a:xfrm>
-          <a:prstGeom prst="straightConnector1">
-            <a:avLst/>
-          </a:prstGeom>
-          <a:ln w="28575">
-            <a:solidFill>
-              <a:schemeClr val="tx1"/>
-            </a:solidFill>
-            <a:tailEnd type="triangle"/>
-          </a:ln>
-        </p:spPr>
-        <p:style>
-          <a:lnRef idx="1">
-            <a:schemeClr val="accent1"/>
-          </a:lnRef>
-          <a:fillRef idx="0">
-            <a:schemeClr val="accent1"/>
-          </a:fillRef>
-          <a:effectRef idx="0">
-            <a:schemeClr val="accent1"/>
-          </a:effectRef>
-          <a:fontRef idx="minor">
-            <a:schemeClr val="tx1"/>
-          </a:fontRef>
-        </p:style>
-      </p:cxnSp>
-      <p:sp>
-        <p:nvSpPr>
-          <p:cNvPr id="19" name="Rectangle 18"/>
-          <p:cNvSpPr/>
-          <p:nvPr/>
-        </p:nvSpPr>
-        <p:spPr>
-          <a:xfrm>
-            <a:off x="4916021" y="3954427"/>
-            <a:ext cx="1326517" cy="646331"/>
-          </a:xfrm>
-          <a:prstGeom prst="rect">
-            <a:avLst/>
-          </a:prstGeom>
-        </p:spPr>
-        <p:txBody>
-          <a:bodyPr wrap="none">
-            <a:spAutoFit/>
-          </a:bodyPr>
-          <a:lstStyle/>
-          <a:p>
-            <a:pPr algn="ctr"/>
-            <a:r>
-              <a:rPr lang="en-US" i="1" dirty="0"/>
-              <a:t>structuring </a:t>
-            </a:r>
-            <a:endParaRPr lang="en-US" i="1" dirty="0" smtClean="0"/>
-          </a:p>
-          <a:p>
-            <a:pPr algn="ctr"/>
-            <a:r>
-              <a:rPr lang="en-US" i="1" dirty="0" smtClean="0"/>
-              <a:t>element</a:t>
-            </a:r>
-            <a:endParaRPr lang="en-US" dirty="0"/>
-          </a:p>
-        </p:txBody>
-      </p:sp>
-      <p:sp>
-        <p:nvSpPr>
-          <p:cNvPr id="20" name="Rectangle 19"/>
-          <p:cNvSpPr/>
-          <p:nvPr/>
-        </p:nvSpPr>
-        <p:spPr>
-          <a:xfrm>
-            <a:off x="5957182" y="2906161"/>
-            <a:ext cx="1548142" cy="425513"/>
-          </a:xfrm>
-          <a:prstGeom prst="rect">
-            <a:avLst/>
-          </a:prstGeom>
-          <a:noFill/>
-          <a:ln>
-            <a:solidFill>
-              <a:schemeClr val="tx1"/>
-            </a:solidFill>
-          </a:ln>
-        </p:spPr>
-        <p:style>
-          <a:lnRef idx="2">
-            <a:schemeClr val="accent1">
-              <a:shade val="50000"/>
-            </a:schemeClr>
-          </a:lnRef>
-          <a:fillRef idx="1">
-            <a:schemeClr val="accent1"/>
-          </a:fillRef>
-          <a:effectRef idx="0">
-            <a:schemeClr val="accent1"/>
-          </a:effectRef>
-          <a:fontRef idx="minor">
-            <a:schemeClr val="lt1"/>
-          </a:fontRef>
-        </p:style>
-        <p:txBody>
-          <a:bodyPr rtlCol="0" anchor="ctr"/>
-          <a:lstStyle/>
-          <a:p>
-            <a:pPr algn="ctr"/>
-            <a:endParaRPr lang="en-US"/>
-          </a:p>
-        </p:txBody>
-      </p:sp>
-      <p:cxnSp>
-        <p:nvCxnSpPr>
-          <p:cNvPr id="21" name="Elbow Connector 20"/>
-          <p:cNvCxnSpPr/>
-          <p:nvPr/>
-        </p:nvCxnSpPr>
-        <p:spPr>
-          <a:xfrm rot="16200000" flipH="1">
-            <a:off x="6673373" y="3375973"/>
-            <a:ext cx="622752" cy="534155"/>
-          </a:xfrm>
-          <a:prstGeom prst="bentConnector3">
-            <a:avLst/>
-          </a:prstGeom>
-          <a:ln w="28575">
-            <a:solidFill>
-              <a:schemeClr val="tx1"/>
-            </a:solidFill>
-            <a:tailEnd type="triangle"/>
-          </a:ln>
-        </p:spPr>
-        <p:style>
-          <a:lnRef idx="1">
-            <a:schemeClr val="accent1"/>
-          </a:lnRef>
-          <a:fillRef idx="0">
-            <a:schemeClr val="accent1"/>
-          </a:fillRef>
-          <a:effectRef idx="0">
-            <a:schemeClr val="accent1"/>
-          </a:effectRef>
-          <a:fontRef idx="minor">
-            <a:schemeClr val="tx1"/>
-          </a:fontRef>
-        </p:style>
-      </p:cxnSp>
-      <p:sp>
-        <p:nvSpPr>
-          <p:cNvPr id="22" name="Rectangle 21"/>
-          <p:cNvSpPr/>
-          <p:nvPr/>
-        </p:nvSpPr>
-        <p:spPr>
-          <a:xfrm>
-            <a:off x="6407847" y="4015596"/>
-            <a:ext cx="2569934" cy="646331"/>
-          </a:xfrm>
-          <a:prstGeom prst="rect">
-            <a:avLst/>
-          </a:prstGeom>
-        </p:spPr>
-        <p:txBody>
-          <a:bodyPr wrap="none">
-            <a:spAutoFit/>
-          </a:bodyPr>
-          <a:lstStyle/>
-          <a:p>
-            <a:pPr algn="ctr"/>
-            <a:r>
-              <a:rPr lang="en-US" dirty="0" err="1" smtClean="0"/>
-              <a:t>Melakukan</a:t>
-            </a:r>
-            <a:r>
-              <a:rPr lang="en-US" dirty="0" smtClean="0"/>
-              <a:t> </a:t>
-            </a:r>
-            <a:r>
-              <a:rPr lang="en-US" dirty="0" err="1" smtClean="0"/>
-              <a:t>perulangan</a:t>
-            </a:r>
-            <a:r>
-              <a:rPr lang="en-US" dirty="0" smtClean="0"/>
-              <a:t> </a:t>
-            </a:r>
-          </a:p>
-          <a:p>
-            <a:pPr algn="ctr"/>
-            <a:r>
-              <a:rPr lang="en-US" dirty="0" err="1" smtClean="0"/>
-              <a:t>Literasi</a:t>
-            </a:r>
-            <a:r>
-              <a:rPr lang="en-US" dirty="0" smtClean="0"/>
-              <a:t> </a:t>
-            </a:r>
-            <a:r>
-              <a:rPr lang="en-US" dirty="0" err="1" smtClean="0"/>
-              <a:t>hanya</a:t>
-            </a:r>
-            <a:r>
-              <a:rPr lang="en-US" dirty="0" smtClean="0"/>
-              <a:t> </a:t>
-            </a:r>
-            <a:r>
-              <a:rPr lang="en-US" dirty="0" err="1" smtClean="0"/>
-              <a:t>sekali</a:t>
-            </a:r>
-            <a:endParaRPr lang="en-US" dirty="0"/>
-          </a:p>
-        </p:txBody>
-      </p:sp>
     </p:spTree>
     <p:extLst>
       <p:ext uri="{BB962C8B-B14F-4D97-AF65-F5344CB8AC3E}">
-        <p14:creationId xmlns:p14="http://schemas.microsoft.com/office/powerpoint/2010/main" val="2063370421"/>
+        <p14:creationId xmlns:p14="http://schemas.microsoft.com/office/powerpoint/2010/main" val="1401428069"/>
       </p:ext>
     </p:extLst>
   </p:cSld>
@@ -5511,24 +5095,32 @@
           <a:lstStyle/>
           <a:p>
             <a:r>
-              <a:rPr lang="en-US" b="1" dirty="0" err="1" smtClean="0"/>
-              <a:t>Operasi</a:t>
-            </a:r>
-            <a:r>
-              <a:rPr lang="en-US" b="1" dirty="0" smtClean="0"/>
+              <a:rPr lang="en-US" dirty="0" smtClean="0"/>
+              <a:t>Splitting video </a:t>
+            </a:r>
+            <a:r>
+              <a:rPr lang="en-US" dirty="0" err="1" smtClean="0"/>
+              <a:t>ke</a:t>
+            </a:r>
+            <a:r>
+              <a:rPr lang="en-US" dirty="0" smtClean="0"/>
               <a:t> </a:t>
             </a:r>
             <a:r>
-              <a:rPr lang="en-US" b="1" dirty="0" err="1" smtClean="0"/>
-              <a:t>Erosi</a:t>
-            </a:r>
-            <a:endParaRPr lang="en-US" b="1" dirty="0"/>
+              <a:rPr lang="en-US" dirty="0" err="1" smtClean="0"/>
+              <a:t>gambar</a:t>
+            </a:r>
+            <a:r>
+              <a:rPr lang="en-US" dirty="0" smtClean="0"/>
+              <a:t> per frame</a:t>
+            </a:r>
+            <a:endParaRPr lang="en-US" dirty="0"/>
           </a:p>
         </p:txBody>
       </p:sp>
       <p:pic>
         <p:nvPicPr>
-          <p:cNvPr id="3" name="Picture 2"/>
+          <p:cNvPr id="5" name="Picture 4"/>
           <p:cNvPicPr>
             <a:picLocks noChangeAspect="1"/>
           </p:cNvPicPr>
@@ -5542,112 +5134,18 @@
         </p:blipFill>
         <p:spPr>
           <a:xfrm>
-            <a:off x="1773387" y="1998956"/>
-            <a:ext cx="2971719" cy="3259095"/>
+            <a:off x="609600" y="2484520"/>
+            <a:ext cx="9428067" cy="2468230"/>
           </a:xfrm>
           <a:prstGeom prst="rect">
             <a:avLst/>
           </a:prstGeom>
         </p:spPr>
       </p:pic>
-      <p:sp>
-        <p:nvSpPr>
-          <p:cNvPr id="4" name="TextBox 3"/>
-          <p:cNvSpPr txBox="1"/>
-          <p:nvPr/>
-        </p:nvSpPr>
-        <p:spPr>
-          <a:xfrm>
-            <a:off x="2199992" y="1629624"/>
-            <a:ext cx="2118510" cy="369332"/>
-          </a:xfrm>
-          <a:prstGeom prst="rect">
-            <a:avLst/>
-          </a:prstGeom>
-          <a:noFill/>
-        </p:spPr>
-        <p:txBody>
-          <a:bodyPr wrap="square" rtlCol="0">
-            <a:spAutoFit/>
-          </a:bodyPr>
-          <a:lstStyle/>
-          <a:p>
-            <a:pPr algn="ctr"/>
-            <a:r>
-              <a:rPr lang="en-US" dirty="0" smtClean="0"/>
-              <a:t>Citra </a:t>
-            </a:r>
-            <a:r>
-              <a:rPr lang="en-US" dirty="0" err="1" smtClean="0"/>
-              <a:t>Asli</a:t>
-            </a:r>
-            <a:endParaRPr lang="en-US" dirty="0"/>
-          </a:p>
-        </p:txBody>
-      </p:sp>
-      <p:pic>
-        <p:nvPicPr>
-          <p:cNvPr id="5" name="Picture 4"/>
-          <p:cNvPicPr>
-            <a:picLocks noChangeAspect="1"/>
-          </p:cNvPicPr>
-          <p:nvPr/>
-        </p:nvPicPr>
-        <p:blipFill>
-          <a:blip r:embed="rId3"/>
-          <a:stretch>
-            <a:fillRect/>
-          </a:stretch>
-        </p:blipFill>
-        <p:spPr>
-          <a:xfrm>
-            <a:off x="7014256" y="1998956"/>
-            <a:ext cx="2889398" cy="3187864"/>
-          </a:xfrm>
-          <a:prstGeom prst="rect">
-            <a:avLst/>
-          </a:prstGeom>
-        </p:spPr>
-      </p:pic>
-      <p:sp>
-        <p:nvSpPr>
-          <p:cNvPr id="6" name="TextBox 5"/>
-          <p:cNvSpPr txBox="1"/>
-          <p:nvPr/>
-        </p:nvSpPr>
-        <p:spPr>
-          <a:xfrm>
-            <a:off x="7399700" y="1629624"/>
-            <a:ext cx="2118510" cy="369332"/>
-          </a:xfrm>
-          <a:prstGeom prst="rect">
-            <a:avLst/>
-          </a:prstGeom>
-          <a:noFill/>
-        </p:spPr>
-        <p:txBody>
-          <a:bodyPr wrap="square" rtlCol="0">
-            <a:spAutoFit/>
-          </a:bodyPr>
-          <a:lstStyle/>
-          <a:p>
-            <a:pPr algn="ctr"/>
-            <a:r>
-              <a:rPr lang="en-US" dirty="0" smtClean="0"/>
-              <a:t>Citra </a:t>
-            </a:r>
-            <a:r>
-              <a:rPr lang="en-US" dirty="0" err="1" smtClean="0"/>
-              <a:t>Erosi</a:t>
-            </a:r>
-            <a:endParaRPr lang="en-US" dirty="0"/>
-          </a:p>
-        </p:txBody>
-      </p:sp>
     </p:spTree>
     <p:extLst>
       <p:ext uri="{BB962C8B-B14F-4D97-AF65-F5344CB8AC3E}">
-        <p14:creationId xmlns:p14="http://schemas.microsoft.com/office/powerpoint/2010/main" val="2372371820"/>
+        <p14:creationId xmlns:p14="http://schemas.microsoft.com/office/powerpoint/2010/main" val="518780678"/>
       </p:ext>
     </p:extLst>
   </p:cSld>
@@ -5690,1107 +5188,57 @@
           <a:lstStyle/>
           <a:p>
             <a:r>
-              <a:rPr lang="en-US" b="1" dirty="0" err="1" smtClean="0"/>
-              <a:t>Operasi</a:t>
-            </a:r>
-            <a:r>
-              <a:rPr lang="en-US" b="1" dirty="0" smtClean="0"/>
-              <a:t> Opening </a:t>
-            </a:r>
-            <a:r>
-              <a:rPr lang="en-US" b="1" dirty="0" err="1" smtClean="0"/>
-              <a:t>dan</a:t>
-            </a:r>
-            <a:r>
-              <a:rPr lang="en-US" b="1" dirty="0" smtClean="0"/>
-              <a:t> Closing</a:t>
-            </a:r>
-            <a:endParaRPr lang="en-US" b="1" dirty="0"/>
-          </a:p>
-        </p:txBody>
-      </p:sp>
-      <p:sp>
-        <p:nvSpPr>
-          <p:cNvPr id="3" name="Title 1"/>
-          <p:cNvSpPr txBox="1">
-            <a:spLocks/>
-          </p:cNvSpPr>
+              <a:rPr lang="en-US" dirty="0" smtClean="0"/>
+              <a:t>Splitting video </a:t>
+            </a:r>
+            <a:r>
+              <a:rPr lang="en-US" dirty="0" err="1" smtClean="0"/>
+              <a:t>ke</a:t>
+            </a:r>
+            <a:r>
+              <a:rPr lang="en-US" dirty="0" smtClean="0"/>
+              <a:t> </a:t>
+            </a:r>
+            <a:r>
+              <a:rPr lang="en-US" dirty="0" err="1" smtClean="0"/>
+              <a:t>gambar</a:t>
+            </a:r>
+            <a:r>
+              <a:rPr lang="en-US" dirty="0" smtClean="0"/>
+              <a:t> per frame</a:t>
+            </a:r>
+            <a:endParaRPr lang="en-US" dirty="0"/>
+          </a:p>
+        </p:txBody>
+      </p:sp>
+      <p:pic>
+        <p:nvPicPr>
+          <p:cNvPr id="3" name="Picture 2"/>
+          <p:cNvPicPr>
+            <a:picLocks noChangeAspect="1"/>
+          </p:cNvPicPr>
           <p:nvPr/>
-        </p:nvSpPr>
+        </p:nvPicPr>
+        <p:blipFill>
+          <a:blip r:embed="rId2"/>
+          <a:stretch>
+            <a:fillRect/>
+          </a:stretch>
+        </p:blipFill>
         <p:spPr>
           <a:xfrm>
-            <a:off x="609600" y="-18105"/>
-            <a:ext cx="10744200" cy="1228436"/>
+            <a:off x="906162" y="2013777"/>
+            <a:ext cx="7323438" cy="3891282"/>
           </a:xfrm>
           <a:prstGeom prst="rect">
             <a:avLst/>
           </a:prstGeom>
         </p:spPr>
-        <p:txBody>
-          <a:bodyPr vert="horz" lIns="91440" tIns="45720" rIns="91440" bIns="45720" rtlCol="0" anchor="b">
-            <a:normAutofit/>
-          </a:bodyPr>
-          <a:lstStyle>
-            <a:lvl1pPr algn="l" defTabSz="914400" rtl="0" eaLnBrk="1" latinLnBrk="0" hangingPunct="1">
-              <a:spcBef>
-                <a:spcPct val="0"/>
-              </a:spcBef>
-              <a:buNone/>
-              <a:defRPr sz="3600" kern="1200">
-                <a:solidFill>
-                  <a:schemeClr val="bg1"/>
-                </a:solidFill>
-                <a:latin typeface="+mj-lt"/>
-                <a:ea typeface="+mj-ea"/>
-                <a:cs typeface="+mj-cs"/>
-              </a:defRPr>
-            </a:lvl1pPr>
-          </a:lstStyle>
-          <a:p>
-            <a:endParaRPr lang="en-US" b="1" dirty="0"/>
-          </a:p>
-        </p:txBody>
-      </p:sp>
-      <p:sp>
-        <p:nvSpPr>
-          <p:cNvPr id="4" name="Rectangle 3"/>
-          <p:cNvSpPr/>
-          <p:nvPr/>
-        </p:nvSpPr>
-        <p:spPr>
-          <a:xfrm>
-            <a:off x="540189" y="1655544"/>
-            <a:ext cx="10287755" cy="1938992"/>
-          </a:xfrm>
-          <a:prstGeom prst="rect">
-            <a:avLst/>
-          </a:prstGeom>
-        </p:spPr>
-        <p:txBody>
-          <a:bodyPr wrap="square">
-            <a:spAutoFit/>
-          </a:bodyPr>
-          <a:lstStyle/>
-          <a:p>
-            <a:pPr marL="285750" indent="-285750" algn="just" fontAlgn="base">
-              <a:buFont typeface="Arial" panose="020B0604020202020204" pitchFamily="34" charset="0"/>
-              <a:buChar char="•"/>
-            </a:pPr>
-            <a:r>
-              <a:rPr lang="en-US" sz="2400" dirty="0" err="1">
-                <a:solidFill>
-                  <a:srgbClr val="000000"/>
-                </a:solidFill>
-                <a:latin typeface="Verdana" panose="020B0604030504040204" pitchFamily="34" charset="0"/>
-              </a:rPr>
-              <a:t>Operasi</a:t>
-            </a:r>
-            <a:r>
-              <a:rPr lang="en-US" sz="2400" dirty="0">
-                <a:solidFill>
-                  <a:srgbClr val="000000"/>
-                </a:solidFill>
-                <a:latin typeface="Verdana" panose="020B0604030504040204" pitchFamily="34" charset="0"/>
-              </a:rPr>
-              <a:t> </a:t>
-            </a:r>
-            <a:r>
-              <a:rPr lang="en-US" sz="2400" b="1" dirty="0">
-                <a:latin typeface="Verdana" panose="020B0604030504040204" pitchFamily="34" charset="0"/>
-              </a:rPr>
-              <a:t>opening</a:t>
-            </a:r>
-            <a:r>
-              <a:rPr lang="en-US" sz="2400" dirty="0">
-                <a:solidFill>
-                  <a:srgbClr val="000000"/>
-                </a:solidFill>
-                <a:latin typeface="Verdana" panose="020B0604030504040204" pitchFamily="34" charset="0"/>
-              </a:rPr>
-              <a:t> </a:t>
-            </a:r>
-            <a:r>
-              <a:rPr lang="en-US" sz="2400" dirty="0" err="1">
-                <a:solidFill>
-                  <a:srgbClr val="000000"/>
-                </a:solidFill>
-                <a:latin typeface="Verdana" panose="020B0604030504040204" pitchFamily="34" charset="0"/>
-              </a:rPr>
-              <a:t>adalah</a:t>
-            </a:r>
-            <a:r>
-              <a:rPr lang="en-US" sz="2400" dirty="0">
-                <a:solidFill>
-                  <a:srgbClr val="000000"/>
-                </a:solidFill>
-                <a:latin typeface="Verdana" panose="020B0604030504040204" pitchFamily="34" charset="0"/>
-              </a:rPr>
-              <a:t> </a:t>
-            </a:r>
-            <a:r>
-              <a:rPr lang="en-US" sz="2400" dirty="0" err="1">
-                <a:solidFill>
-                  <a:srgbClr val="000000"/>
-                </a:solidFill>
-                <a:latin typeface="Verdana" panose="020B0604030504040204" pitchFamily="34" charset="0"/>
-              </a:rPr>
-              <a:t>operasi</a:t>
-            </a:r>
-            <a:r>
-              <a:rPr lang="en-US" sz="2400" dirty="0">
-                <a:solidFill>
-                  <a:srgbClr val="000000"/>
-                </a:solidFill>
-                <a:latin typeface="Verdana" panose="020B0604030504040204" pitchFamily="34" charset="0"/>
-              </a:rPr>
-              <a:t> </a:t>
-            </a:r>
-            <a:r>
-              <a:rPr lang="en-US" sz="2400" b="1" dirty="0" err="1">
-                <a:latin typeface="Verdana" panose="020B0604030504040204" pitchFamily="34" charset="0"/>
-              </a:rPr>
-              <a:t>erosi</a:t>
-            </a:r>
-            <a:r>
-              <a:rPr lang="en-US" sz="2400" dirty="0">
-                <a:solidFill>
-                  <a:srgbClr val="000000"/>
-                </a:solidFill>
-                <a:latin typeface="Verdana" panose="020B0604030504040204" pitchFamily="34" charset="0"/>
-              </a:rPr>
-              <a:t> yang </a:t>
-            </a:r>
-            <a:r>
-              <a:rPr lang="en-US" sz="2400" dirty="0" err="1">
-                <a:solidFill>
-                  <a:srgbClr val="000000"/>
-                </a:solidFill>
-                <a:latin typeface="Verdana" panose="020B0604030504040204" pitchFamily="34" charset="0"/>
-              </a:rPr>
-              <a:t>diikuti</a:t>
-            </a:r>
-            <a:r>
-              <a:rPr lang="en-US" sz="2400" dirty="0">
-                <a:solidFill>
-                  <a:srgbClr val="000000"/>
-                </a:solidFill>
-                <a:latin typeface="Verdana" panose="020B0604030504040204" pitchFamily="34" charset="0"/>
-              </a:rPr>
-              <a:t> </a:t>
-            </a:r>
-            <a:r>
-              <a:rPr lang="en-US" sz="2400" dirty="0" err="1">
-                <a:solidFill>
-                  <a:srgbClr val="000000"/>
-                </a:solidFill>
-                <a:latin typeface="Verdana" panose="020B0604030504040204" pitchFamily="34" charset="0"/>
-              </a:rPr>
-              <a:t>dengan</a:t>
-            </a:r>
-            <a:r>
-              <a:rPr lang="en-US" sz="2400" dirty="0">
-                <a:solidFill>
-                  <a:srgbClr val="000000"/>
-                </a:solidFill>
-                <a:latin typeface="Verdana" panose="020B0604030504040204" pitchFamily="34" charset="0"/>
-              </a:rPr>
-              <a:t> </a:t>
-            </a:r>
-            <a:r>
-              <a:rPr lang="en-US" sz="2400" b="1" dirty="0" err="1">
-                <a:latin typeface="Verdana" panose="020B0604030504040204" pitchFamily="34" charset="0"/>
-              </a:rPr>
-              <a:t>dilasi</a:t>
-            </a:r>
-            <a:r>
-              <a:rPr lang="en-US" sz="2400" dirty="0">
-                <a:solidFill>
-                  <a:srgbClr val="000000"/>
-                </a:solidFill>
-                <a:latin typeface="Verdana" panose="020B0604030504040204" pitchFamily="34" charset="0"/>
-              </a:rPr>
-              <a:t> </a:t>
-            </a:r>
-            <a:r>
-              <a:rPr lang="en-US" sz="2400" dirty="0" err="1">
-                <a:solidFill>
-                  <a:srgbClr val="000000"/>
-                </a:solidFill>
-                <a:latin typeface="Verdana" panose="020B0604030504040204" pitchFamily="34" charset="0"/>
-              </a:rPr>
-              <a:t>dengan</a:t>
-            </a:r>
-            <a:r>
-              <a:rPr lang="en-US" sz="2400" dirty="0">
-                <a:solidFill>
-                  <a:srgbClr val="000000"/>
-                </a:solidFill>
-                <a:latin typeface="Verdana" panose="020B0604030504040204" pitchFamily="34" charset="0"/>
-              </a:rPr>
-              <a:t> </a:t>
-            </a:r>
-            <a:r>
-              <a:rPr lang="en-US" sz="2400" dirty="0" err="1">
-                <a:solidFill>
-                  <a:srgbClr val="000000"/>
-                </a:solidFill>
-                <a:latin typeface="Verdana" panose="020B0604030504040204" pitchFamily="34" charset="0"/>
-              </a:rPr>
-              <a:t>menggunakan</a:t>
-            </a:r>
-            <a:r>
-              <a:rPr lang="en-US" sz="2400" dirty="0">
-                <a:solidFill>
-                  <a:srgbClr val="000000"/>
-                </a:solidFill>
-                <a:latin typeface="Verdana" panose="020B0604030504040204" pitchFamily="34" charset="0"/>
-              </a:rPr>
-              <a:t> </a:t>
-            </a:r>
-            <a:r>
-              <a:rPr lang="en-US" sz="2400" dirty="0" err="1">
-                <a:solidFill>
-                  <a:srgbClr val="000000"/>
-                </a:solidFill>
-                <a:latin typeface="Verdana" panose="020B0604030504040204" pitchFamily="34" charset="0"/>
-              </a:rPr>
-              <a:t>elemen</a:t>
-            </a:r>
-            <a:r>
-              <a:rPr lang="en-US" sz="2400" dirty="0">
-                <a:solidFill>
-                  <a:srgbClr val="000000"/>
-                </a:solidFill>
-                <a:latin typeface="Verdana" panose="020B0604030504040204" pitchFamily="34" charset="0"/>
-              </a:rPr>
-              <a:t> </a:t>
-            </a:r>
-            <a:r>
-              <a:rPr lang="en-US" sz="2400" dirty="0" err="1">
-                <a:solidFill>
-                  <a:srgbClr val="000000"/>
-                </a:solidFill>
-                <a:latin typeface="Verdana" panose="020B0604030504040204" pitchFamily="34" charset="0"/>
-              </a:rPr>
-              <a:t>penstruktur</a:t>
-            </a:r>
-            <a:r>
-              <a:rPr lang="en-US" sz="2400" dirty="0">
-                <a:solidFill>
-                  <a:srgbClr val="000000"/>
-                </a:solidFill>
-                <a:latin typeface="Verdana" panose="020B0604030504040204" pitchFamily="34" charset="0"/>
-              </a:rPr>
-              <a:t> yang </a:t>
-            </a:r>
-            <a:r>
-              <a:rPr lang="en-US" sz="2400" dirty="0" err="1">
-                <a:solidFill>
-                  <a:srgbClr val="000000"/>
-                </a:solidFill>
-                <a:latin typeface="Verdana" panose="020B0604030504040204" pitchFamily="34" charset="0"/>
-              </a:rPr>
-              <a:t>sama</a:t>
-            </a:r>
-            <a:r>
-              <a:rPr lang="en-US" sz="2400" dirty="0">
-                <a:solidFill>
-                  <a:srgbClr val="000000"/>
-                </a:solidFill>
-                <a:latin typeface="Verdana" panose="020B0604030504040204" pitchFamily="34" charset="0"/>
-              </a:rPr>
-              <a:t>. </a:t>
-            </a:r>
-            <a:r>
-              <a:rPr lang="en-US" sz="2400" dirty="0" err="1">
-                <a:solidFill>
-                  <a:srgbClr val="000000"/>
-                </a:solidFill>
-                <a:latin typeface="Verdana" panose="020B0604030504040204" pitchFamily="34" charset="0"/>
-              </a:rPr>
-              <a:t>Operasi</a:t>
-            </a:r>
-            <a:r>
-              <a:rPr lang="en-US" sz="2400" dirty="0">
-                <a:solidFill>
-                  <a:srgbClr val="000000"/>
-                </a:solidFill>
-                <a:latin typeface="Verdana" panose="020B0604030504040204" pitchFamily="34" charset="0"/>
-              </a:rPr>
-              <a:t> </a:t>
-            </a:r>
-            <a:r>
-              <a:rPr lang="en-US" sz="2400" dirty="0" err="1">
-                <a:solidFill>
-                  <a:srgbClr val="000000"/>
-                </a:solidFill>
-                <a:latin typeface="Verdana" panose="020B0604030504040204" pitchFamily="34" charset="0"/>
-              </a:rPr>
-              <a:t>ini</a:t>
-            </a:r>
-            <a:r>
-              <a:rPr lang="en-US" sz="2400" dirty="0">
-                <a:solidFill>
-                  <a:srgbClr val="000000"/>
-                </a:solidFill>
-                <a:latin typeface="Verdana" panose="020B0604030504040204" pitchFamily="34" charset="0"/>
-              </a:rPr>
-              <a:t> </a:t>
-            </a:r>
-            <a:r>
-              <a:rPr lang="en-US" sz="2400" dirty="0" err="1">
-                <a:solidFill>
-                  <a:srgbClr val="000000"/>
-                </a:solidFill>
-                <a:latin typeface="Verdana" panose="020B0604030504040204" pitchFamily="34" charset="0"/>
-              </a:rPr>
-              <a:t>berguna</a:t>
-            </a:r>
-            <a:r>
-              <a:rPr lang="en-US" sz="2400" dirty="0">
-                <a:solidFill>
-                  <a:srgbClr val="000000"/>
-                </a:solidFill>
-                <a:latin typeface="Verdana" panose="020B0604030504040204" pitchFamily="34" charset="0"/>
-              </a:rPr>
-              <a:t> </a:t>
-            </a:r>
-            <a:r>
-              <a:rPr lang="en-US" sz="2400" dirty="0" err="1">
-                <a:solidFill>
-                  <a:srgbClr val="000000"/>
-                </a:solidFill>
-                <a:latin typeface="Verdana" panose="020B0604030504040204" pitchFamily="34" charset="0"/>
-              </a:rPr>
-              <a:t>untuk</a:t>
-            </a:r>
-            <a:r>
-              <a:rPr lang="en-US" sz="2400" dirty="0">
-                <a:solidFill>
-                  <a:srgbClr val="000000"/>
-                </a:solidFill>
-                <a:latin typeface="Verdana" panose="020B0604030504040204" pitchFamily="34" charset="0"/>
-              </a:rPr>
-              <a:t> </a:t>
-            </a:r>
-            <a:r>
-              <a:rPr lang="en-US" sz="2400" dirty="0" err="1">
-                <a:solidFill>
-                  <a:srgbClr val="000000"/>
-                </a:solidFill>
-                <a:latin typeface="Verdana" panose="020B0604030504040204" pitchFamily="34" charset="0"/>
-              </a:rPr>
-              <a:t>menghaluskan</a:t>
-            </a:r>
-            <a:r>
-              <a:rPr lang="en-US" sz="2400" dirty="0">
-                <a:solidFill>
-                  <a:srgbClr val="000000"/>
-                </a:solidFill>
-                <a:latin typeface="Verdana" panose="020B0604030504040204" pitchFamily="34" charset="0"/>
-              </a:rPr>
-              <a:t> </a:t>
-            </a:r>
-            <a:r>
-              <a:rPr lang="en-US" sz="2400" dirty="0" err="1">
-                <a:solidFill>
-                  <a:srgbClr val="000000"/>
-                </a:solidFill>
-                <a:latin typeface="Verdana" panose="020B0604030504040204" pitchFamily="34" charset="0"/>
-              </a:rPr>
-              <a:t>kontur</a:t>
-            </a:r>
-            <a:r>
-              <a:rPr lang="en-US" sz="2400" dirty="0">
-                <a:solidFill>
-                  <a:srgbClr val="000000"/>
-                </a:solidFill>
-                <a:latin typeface="Verdana" panose="020B0604030504040204" pitchFamily="34" charset="0"/>
-              </a:rPr>
-              <a:t> </a:t>
-            </a:r>
-            <a:r>
-              <a:rPr lang="en-US" sz="2400" dirty="0" err="1">
-                <a:solidFill>
-                  <a:srgbClr val="000000"/>
-                </a:solidFill>
-                <a:latin typeface="Verdana" panose="020B0604030504040204" pitchFamily="34" charset="0"/>
-              </a:rPr>
-              <a:t>objek</a:t>
-            </a:r>
-            <a:r>
-              <a:rPr lang="en-US" sz="2400" dirty="0">
-                <a:solidFill>
-                  <a:srgbClr val="000000"/>
-                </a:solidFill>
-                <a:latin typeface="Verdana" panose="020B0604030504040204" pitchFamily="34" charset="0"/>
-              </a:rPr>
-              <a:t> </a:t>
-            </a:r>
-            <a:r>
-              <a:rPr lang="en-US" sz="2400" dirty="0" err="1">
-                <a:solidFill>
-                  <a:srgbClr val="000000"/>
-                </a:solidFill>
-                <a:latin typeface="Verdana" panose="020B0604030504040204" pitchFamily="34" charset="0"/>
-              </a:rPr>
-              <a:t>dan</a:t>
-            </a:r>
-            <a:r>
-              <a:rPr lang="en-US" sz="2400" dirty="0">
-                <a:solidFill>
-                  <a:srgbClr val="000000"/>
-                </a:solidFill>
-                <a:latin typeface="Verdana" panose="020B0604030504040204" pitchFamily="34" charset="0"/>
-              </a:rPr>
-              <a:t> </a:t>
-            </a:r>
-            <a:r>
-              <a:rPr lang="en-US" sz="2400" dirty="0" err="1">
-                <a:solidFill>
-                  <a:srgbClr val="000000"/>
-                </a:solidFill>
-                <a:latin typeface="Verdana" panose="020B0604030504040204" pitchFamily="34" charset="0"/>
-              </a:rPr>
-              <a:t>menghilangkan</a:t>
-            </a:r>
-            <a:r>
-              <a:rPr lang="en-US" sz="2400" dirty="0">
-                <a:solidFill>
-                  <a:srgbClr val="000000"/>
-                </a:solidFill>
-                <a:latin typeface="Verdana" panose="020B0604030504040204" pitchFamily="34" charset="0"/>
-              </a:rPr>
-              <a:t> </a:t>
-            </a:r>
-            <a:r>
-              <a:rPr lang="en-US" sz="2400" dirty="0" err="1">
-                <a:solidFill>
-                  <a:srgbClr val="000000"/>
-                </a:solidFill>
-                <a:latin typeface="Verdana" panose="020B0604030504040204" pitchFamily="34" charset="0"/>
-              </a:rPr>
-              <a:t>seluruh</a:t>
-            </a:r>
-            <a:r>
-              <a:rPr lang="en-US" sz="2400" dirty="0">
-                <a:solidFill>
-                  <a:srgbClr val="000000"/>
-                </a:solidFill>
-                <a:latin typeface="Verdana" panose="020B0604030504040204" pitchFamily="34" charset="0"/>
-              </a:rPr>
-              <a:t> </a:t>
-            </a:r>
-            <a:r>
-              <a:rPr lang="en-US" sz="2400" dirty="0" err="1">
-                <a:solidFill>
-                  <a:srgbClr val="000000"/>
-                </a:solidFill>
-                <a:latin typeface="Verdana" panose="020B0604030504040204" pitchFamily="34" charset="0"/>
-              </a:rPr>
-              <a:t>piksel</a:t>
-            </a:r>
-            <a:r>
-              <a:rPr lang="en-US" sz="2400" dirty="0">
-                <a:solidFill>
-                  <a:srgbClr val="000000"/>
-                </a:solidFill>
-                <a:latin typeface="Verdana" panose="020B0604030504040204" pitchFamily="34" charset="0"/>
-              </a:rPr>
-              <a:t> di area yang </a:t>
-            </a:r>
-            <a:r>
-              <a:rPr lang="en-US" sz="2400" dirty="0" err="1">
-                <a:solidFill>
-                  <a:srgbClr val="000000"/>
-                </a:solidFill>
-                <a:latin typeface="Verdana" panose="020B0604030504040204" pitchFamily="34" charset="0"/>
-              </a:rPr>
-              <a:t>terlalu</a:t>
-            </a:r>
-            <a:r>
-              <a:rPr lang="en-US" sz="2400" dirty="0">
-                <a:solidFill>
-                  <a:srgbClr val="000000"/>
-                </a:solidFill>
-                <a:latin typeface="Verdana" panose="020B0604030504040204" pitchFamily="34" charset="0"/>
-              </a:rPr>
-              <a:t> </a:t>
-            </a:r>
-            <a:r>
-              <a:rPr lang="en-US" sz="2400" dirty="0" err="1">
-                <a:solidFill>
-                  <a:srgbClr val="000000"/>
-                </a:solidFill>
-                <a:latin typeface="Verdana" panose="020B0604030504040204" pitchFamily="34" charset="0"/>
-              </a:rPr>
-              <a:t>kecil</a:t>
-            </a:r>
-            <a:r>
-              <a:rPr lang="en-US" sz="2400" dirty="0">
-                <a:solidFill>
-                  <a:srgbClr val="000000"/>
-                </a:solidFill>
-                <a:latin typeface="Verdana" panose="020B0604030504040204" pitchFamily="34" charset="0"/>
-              </a:rPr>
-              <a:t> </a:t>
-            </a:r>
-            <a:r>
-              <a:rPr lang="en-US" sz="2400" dirty="0" err="1">
-                <a:solidFill>
-                  <a:srgbClr val="000000"/>
-                </a:solidFill>
-                <a:latin typeface="Verdana" panose="020B0604030504040204" pitchFamily="34" charset="0"/>
-              </a:rPr>
-              <a:t>untuk</a:t>
-            </a:r>
-            <a:r>
-              <a:rPr lang="en-US" sz="2400" dirty="0">
-                <a:solidFill>
-                  <a:srgbClr val="000000"/>
-                </a:solidFill>
-                <a:latin typeface="Verdana" panose="020B0604030504040204" pitchFamily="34" charset="0"/>
-              </a:rPr>
-              <a:t> </a:t>
-            </a:r>
-            <a:r>
-              <a:rPr lang="en-US" sz="2400" dirty="0" err="1">
-                <a:solidFill>
-                  <a:srgbClr val="000000"/>
-                </a:solidFill>
-                <a:latin typeface="Verdana" panose="020B0604030504040204" pitchFamily="34" charset="0"/>
-              </a:rPr>
-              <a:t>ditempati</a:t>
-            </a:r>
-            <a:r>
-              <a:rPr lang="en-US" sz="2400" dirty="0">
-                <a:solidFill>
-                  <a:srgbClr val="000000"/>
-                </a:solidFill>
-                <a:latin typeface="Verdana" panose="020B0604030504040204" pitchFamily="34" charset="0"/>
-              </a:rPr>
-              <a:t> </a:t>
-            </a:r>
-            <a:r>
-              <a:rPr lang="en-US" sz="2400" dirty="0" err="1">
-                <a:solidFill>
-                  <a:srgbClr val="000000"/>
-                </a:solidFill>
-                <a:latin typeface="Verdana" panose="020B0604030504040204" pitchFamily="34" charset="0"/>
-              </a:rPr>
-              <a:t>oleh</a:t>
-            </a:r>
-            <a:r>
-              <a:rPr lang="en-US" sz="2400" dirty="0">
-                <a:solidFill>
-                  <a:srgbClr val="000000"/>
-                </a:solidFill>
-                <a:latin typeface="Verdana" panose="020B0604030504040204" pitchFamily="34" charset="0"/>
-              </a:rPr>
-              <a:t> </a:t>
-            </a:r>
-            <a:r>
-              <a:rPr lang="en-US" sz="2400" dirty="0" err="1">
-                <a:solidFill>
-                  <a:srgbClr val="000000"/>
-                </a:solidFill>
-                <a:latin typeface="Verdana" panose="020B0604030504040204" pitchFamily="34" charset="0"/>
-              </a:rPr>
-              <a:t>elemen</a:t>
-            </a:r>
-            <a:r>
-              <a:rPr lang="en-US" sz="2400" dirty="0">
-                <a:solidFill>
-                  <a:srgbClr val="000000"/>
-                </a:solidFill>
-                <a:latin typeface="Verdana" panose="020B0604030504040204" pitchFamily="34" charset="0"/>
-              </a:rPr>
-              <a:t> </a:t>
-            </a:r>
-            <a:r>
-              <a:rPr lang="en-US" sz="2400" dirty="0" err="1">
-                <a:solidFill>
-                  <a:srgbClr val="000000"/>
-                </a:solidFill>
-                <a:latin typeface="Verdana" panose="020B0604030504040204" pitchFamily="34" charset="0"/>
-              </a:rPr>
-              <a:t>penstruktur</a:t>
-            </a:r>
-            <a:r>
-              <a:rPr lang="en-US" sz="2400" dirty="0">
-                <a:solidFill>
-                  <a:srgbClr val="000000"/>
-                </a:solidFill>
-                <a:latin typeface="Verdana" panose="020B0604030504040204" pitchFamily="34" charset="0"/>
-              </a:rPr>
-              <a:t>. </a:t>
-            </a:r>
-            <a:endParaRPr lang="en-US" sz="2400" b="0" i="0" u="none" strike="noStrike" dirty="0">
-              <a:solidFill>
-                <a:srgbClr val="002060"/>
-              </a:solidFill>
-              <a:effectLst/>
-              <a:latin typeface="Noto Sans Symbols"/>
-            </a:endParaRPr>
-          </a:p>
-        </p:txBody>
-      </p:sp>
-      <p:sp>
-        <p:nvSpPr>
-          <p:cNvPr id="5" name="Rectangle 4"/>
-          <p:cNvSpPr/>
-          <p:nvPr/>
-        </p:nvSpPr>
-        <p:spPr>
-          <a:xfrm>
-            <a:off x="540188" y="3659057"/>
-            <a:ext cx="10287755" cy="1569660"/>
-          </a:xfrm>
-          <a:prstGeom prst="rect">
-            <a:avLst/>
-          </a:prstGeom>
-        </p:spPr>
-        <p:txBody>
-          <a:bodyPr wrap="square">
-            <a:spAutoFit/>
-          </a:bodyPr>
-          <a:lstStyle/>
-          <a:p>
-            <a:pPr marL="285750" indent="-285750">
-              <a:buFont typeface="Arial" panose="020B0604020202020204" pitchFamily="34" charset="0"/>
-              <a:buChar char="•"/>
-            </a:pPr>
-            <a:r>
-              <a:rPr lang="en-US" sz="2400" dirty="0" err="1">
-                <a:solidFill>
-                  <a:srgbClr val="000000"/>
-                </a:solidFill>
-                <a:latin typeface="Verdana" panose="020B0604030504040204" pitchFamily="34" charset="0"/>
-              </a:rPr>
-              <a:t>Operasi</a:t>
-            </a:r>
-            <a:r>
-              <a:rPr lang="en-US" sz="2400" dirty="0">
-                <a:solidFill>
-                  <a:srgbClr val="000000"/>
-                </a:solidFill>
-                <a:latin typeface="Verdana" panose="020B0604030504040204" pitchFamily="34" charset="0"/>
-              </a:rPr>
-              <a:t> </a:t>
-            </a:r>
-            <a:r>
-              <a:rPr lang="en-US" sz="2400" b="1" dirty="0">
-                <a:latin typeface="Verdana" panose="020B0604030504040204" pitchFamily="34" charset="0"/>
-              </a:rPr>
-              <a:t>closing</a:t>
-            </a:r>
-            <a:r>
-              <a:rPr lang="en-US" sz="2400" dirty="0">
-                <a:solidFill>
-                  <a:srgbClr val="000000"/>
-                </a:solidFill>
-                <a:latin typeface="Verdana" panose="020B0604030504040204" pitchFamily="34" charset="0"/>
-              </a:rPr>
-              <a:t> </a:t>
-            </a:r>
-            <a:r>
-              <a:rPr lang="en-US" sz="2400" dirty="0" err="1">
-                <a:solidFill>
-                  <a:srgbClr val="000000"/>
-                </a:solidFill>
-                <a:latin typeface="Verdana" panose="020B0604030504040204" pitchFamily="34" charset="0"/>
-              </a:rPr>
-              <a:t>berguna</a:t>
-            </a:r>
-            <a:r>
-              <a:rPr lang="en-US" sz="2400" dirty="0">
-                <a:solidFill>
-                  <a:srgbClr val="000000"/>
-                </a:solidFill>
-                <a:latin typeface="Verdana" panose="020B0604030504040204" pitchFamily="34" charset="0"/>
-              </a:rPr>
-              <a:t> </a:t>
-            </a:r>
-            <a:r>
-              <a:rPr lang="en-US" sz="2400" dirty="0" err="1">
-                <a:solidFill>
-                  <a:srgbClr val="000000"/>
-                </a:solidFill>
-                <a:latin typeface="Verdana" panose="020B0604030504040204" pitchFamily="34" charset="0"/>
-              </a:rPr>
-              <a:t>untuk</a:t>
-            </a:r>
-            <a:r>
-              <a:rPr lang="en-US" sz="2400" dirty="0">
-                <a:solidFill>
-                  <a:srgbClr val="000000"/>
-                </a:solidFill>
-                <a:latin typeface="Verdana" panose="020B0604030504040204" pitchFamily="34" charset="0"/>
-              </a:rPr>
-              <a:t> </a:t>
-            </a:r>
-            <a:r>
-              <a:rPr lang="en-US" sz="2400" dirty="0" err="1">
-                <a:solidFill>
-                  <a:srgbClr val="000000"/>
-                </a:solidFill>
-                <a:latin typeface="Verdana" panose="020B0604030504040204" pitchFamily="34" charset="0"/>
-              </a:rPr>
-              <a:t>menghaluskan</a:t>
-            </a:r>
-            <a:r>
-              <a:rPr lang="en-US" sz="2400" dirty="0">
-                <a:solidFill>
-                  <a:srgbClr val="000000"/>
-                </a:solidFill>
-                <a:latin typeface="Verdana" panose="020B0604030504040204" pitchFamily="34" charset="0"/>
-              </a:rPr>
-              <a:t> </a:t>
-            </a:r>
-            <a:r>
-              <a:rPr lang="en-US" sz="2400" dirty="0" err="1">
-                <a:solidFill>
-                  <a:srgbClr val="000000"/>
-                </a:solidFill>
-                <a:latin typeface="Verdana" panose="020B0604030504040204" pitchFamily="34" charset="0"/>
-              </a:rPr>
-              <a:t>kontur</a:t>
-            </a:r>
-            <a:r>
-              <a:rPr lang="en-US" sz="2400" dirty="0">
-                <a:solidFill>
-                  <a:srgbClr val="000000"/>
-                </a:solidFill>
-                <a:latin typeface="Verdana" panose="020B0604030504040204" pitchFamily="34" charset="0"/>
-              </a:rPr>
-              <a:t> </a:t>
-            </a:r>
-            <a:r>
-              <a:rPr lang="en-US" sz="2400" dirty="0" err="1">
-                <a:solidFill>
-                  <a:srgbClr val="000000"/>
-                </a:solidFill>
-                <a:latin typeface="Verdana" panose="020B0604030504040204" pitchFamily="34" charset="0"/>
-              </a:rPr>
-              <a:t>dan</a:t>
-            </a:r>
-            <a:r>
-              <a:rPr lang="en-US" sz="2400" dirty="0">
-                <a:solidFill>
-                  <a:srgbClr val="000000"/>
-                </a:solidFill>
-                <a:latin typeface="Verdana" panose="020B0604030504040204" pitchFamily="34" charset="0"/>
-              </a:rPr>
-              <a:t> </a:t>
-            </a:r>
-            <a:r>
-              <a:rPr lang="en-US" sz="2400" dirty="0" err="1">
-                <a:solidFill>
-                  <a:srgbClr val="000000"/>
-                </a:solidFill>
-                <a:latin typeface="Verdana" panose="020B0604030504040204" pitchFamily="34" charset="0"/>
-              </a:rPr>
-              <a:t>menghilangkan</a:t>
-            </a:r>
-            <a:r>
-              <a:rPr lang="en-US" sz="2400" dirty="0">
-                <a:solidFill>
-                  <a:srgbClr val="000000"/>
-                </a:solidFill>
-                <a:latin typeface="Verdana" panose="020B0604030504040204" pitchFamily="34" charset="0"/>
-              </a:rPr>
-              <a:t> </a:t>
-            </a:r>
-            <a:r>
-              <a:rPr lang="en-US" sz="2400" dirty="0" err="1">
-                <a:solidFill>
-                  <a:srgbClr val="000000"/>
-                </a:solidFill>
-                <a:latin typeface="Verdana" panose="020B0604030504040204" pitchFamily="34" charset="0"/>
-              </a:rPr>
-              <a:t>lubang-lubang</a:t>
-            </a:r>
-            <a:r>
-              <a:rPr lang="en-US" sz="2400" dirty="0">
-                <a:solidFill>
-                  <a:srgbClr val="000000"/>
-                </a:solidFill>
-                <a:latin typeface="Verdana" panose="020B0604030504040204" pitchFamily="34" charset="0"/>
-              </a:rPr>
-              <a:t> </a:t>
-            </a:r>
-            <a:r>
-              <a:rPr lang="en-US" sz="2400" dirty="0" err="1">
-                <a:solidFill>
-                  <a:srgbClr val="000000"/>
-                </a:solidFill>
-                <a:latin typeface="Verdana" panose="020B0604030504040204" pitchFamily="34" charset="0"/>
-              </a:rPr>
-              <a:t>kecil</a:t>
-            </a:r>
-            <a:r>
-              <a:rPr lang="en-US" sz="2400" dirty="0">
-                <a:solidFill>
-                  <a:srgbClr val="000000"/>
-                </a:solidFill>
-                <a:latin typeface="Verdana" panose="020B0604030504040204" pitchFamily="34" charset="0"/>
-              </a:rPr>
-              <a:t>. </a:t>
-            </a:r>
-            <a:r>
-              <a:rPr lang="en-US" sz="2400" dirty="0" err="1">
-                <a:solidFill>
-                  <a:srgbClr val="000000"/>
-                </a:solidFill>
-                <a:latin typeface="Verdana" panose="020B0604030504040204" pitchFamily="34" charset="0"/>
-              </a:rPr>
-              <a:t>Operasi</a:t>
-            </a:r>
-            <a:r>
-              <a:rPr lang="en-US" sz="2400" dirty="0">
-                <a:solidFill>
-                  <a:srgbClr val="000000"/>
-                </a:solidFill>
-                <a:latin typeface="Verdana" panose="020B0604030504040204" pitchFamily="34" charset="0"/>
-              </a:rPr>
-              <a:t> closing </a:t>
-            </a:r>
-            <a:r>
-              <a:rPr lang="en-US" sz="2400" dirty="0" err="1">
-                <a:solidFill>
-                  <a:srgbClr val="000000"/>
-                </a:solidFill>
-                <a:latin typeface="Verdana" panose="020B0604030504040204" pitchFamily="34" charset="0"/>
-              </a:rPr>
-              <a:t>dilaksanakan</a:t>
-            </a:r>
-            <a:r>
-              <a:rPr lang="en-US" sz="2400" dirty="0">
-                <a:solidFill>
-                  <a:srgbClr val="000000"/>
-                </a:solidFill>
-                <a:latin typeface="Verdana" panose="020B0604030504040204" pitchFamily="34" charset="0"/>
-              </a:rPr>
-              <a:t> </a:t>
-            </a:r>
-            <a:r>
-              <a:rPr lang="en-US" sz="2400" dirty="0" err="1">
-                <a:solidFill>
-                  <a:srgbClr val="000000"/>
-                </a:solidFill>
-                <a:latin typeface="Verdana" panose="020B0604030504040204" pitchFamily="34" charset="0"/>
-              </a:rPr>
-              <a:t>dengan</a:t>
-            </a:r>
-            <a:r>
-              <a:rPr lang="en-US" sz="2400" dirty="0">
-                <a:solidFill>
-                  <a:srgbClr val="000000"/>
-                </a:solidFill>
-                <a:latin typeface="Verdana" panose="020B0604030504040204" pitchFamily="34" charset="0"/>
-              </a:rPr>
-              <a:t> </a:t>
-            </a:r>
-            <a:r>
-              <a:rPr lang="en-US" sz="2400" dirty="0" err="1">
-                <a:solidFill>
-                  <a:srgbClr val="000000"/>
-                </a:solidFill>
-                <a:latin typeface="Verdana" panose="020B0604030504040204" pitchFamily="34" charset="0"/>
-              </a:rPr>
-              <a:t>melakukan</a:t>
-            </a:r>
-            <a:r>
-              <a:rPr lang="en-US" sz="2400" dirty="0">
-                <a:solidFill>
-                  <a:srgbClr val="000000"/>
-                </a:solidFill>
-                <a:latin typeface="Verdana" panose="020B0604030504040204" pitchFamily="34" charset="0"/>
-              </a:rPr>
-              <a:t> </a:t>
-            </a:r>
-            <a:r>
-              <a:rPr lang="en-US" sz="2400" dirty="0" err="1">
-                <a:solidFill>
-                  <a:srgbClr val="000000"/>
-                </a:solidFill>
-                <a:latin typeface="Verdana" panose="020B0604030504040204" pitchFamily="34" charset="0"/>
-              </a:rPr>
-              <a:t>operasi</a:t>
-            </a:r>
-            <a:r>
-              <a:rPr lang="en-US" sz="2400" dirty="0">
-                <a:solidFill>
-                  <a:srgbClr val="000000"/>
-                </a:solidFill>
-                <a:latin typeface="Verdana" panose="020B0604030504040204" pitchFamily="34" charset="0"/>
-              </a:rPr>
-              <a:t> </a:t>
-            </a:r>
-            <a:r>
-              <a:rPr lang="en-US" sz="2400" b="1" dirty="0" err="1">
-                <a:latin typeface="Verdana" panose="020B0604030504040204" pitchFamily="34" charset="0"/>
-              </a:rPr>
-              <a:t>dilasi</a:t>
-            </a:r>
-            <a:r>
-              <a:rPr lang="en-US" sz="2400" dirty="0">
-                <a:solidFill>
-                  <a:srgbClr val="000000"/>
-                </a:solidFill>
-                <a:latin typeface="Verdana" panose="020B0604030504040204" pitchFamily="34" charset="0"/>
-              </a:rPr>
-              <a:t> </a:t>
-            </a:r>
-            <a:r>
-              <a:rPr lang="en-US" sz="2400" dirty="0" err="1">
-                <a:solidFill>
-                  <a:srgbClr val="000000"/>
-                </a:solidFill>
-                <a:latin typeface="Verdana" panose="020B0604030504040204" pitchFamily="34" charset="0"/>
-              </a:rPr>
-              <a:t>terlebih</a:t>
-            </a:r>
-            <a:r>
-              <a:rPr lang="en-US" sz="2400" dirty="0">
-                <a:solidFill>
-                  <a:srgbClr val="000000"/>
-                </a:solidFill>
-                <a:latin typeface="Verdana" panose="020B0604030504040204" pitchFamily="34" charset="0"/>
-              </a:rPr>
-              <a:t> </a:t>
-            </a:r>
-            <a:r>
-              <a:rPr lang="en-US" sz="2400" dirty="0" err="1">
-                <a:solidFill>
-                  <a:srgbClr val="000000"/>
-                </a:solidFill>
-                <a:latin typeface="Verdana" panose="020B0604030504040204" pitchFamily="34" charset="0"/>
-              </a:rPr>
-              <a:t>dahulu</a:t>
-            </a:r>
-            <a:r>
-              <a:rPr lang="en-US" sz="2400" dirty="0">
-                <a:solidFill>
-                  <a:srgbClr val="000000"/>
-                </a:solidFill>
-                <a:latin typeface="Verdana" panose="020B0604030504040204" pitchFamily="34" charset="0"/>
-              </a:rPr>
-              <a:t> </a:t>
-            </a:r>
-            <a:r>
-              <a:rPr lang="en-US" sz="2400" dirty="0" err="1">
-                <a:solidFill>
-                  <a:srgbClr val="000000"/>
-                </a:solidFill>
-                <a:latin typeface="Verdana" panose="020B0604030504040204" pitchFamily="34" charset="0"/>
-              </a:rPr>
-              <a:t>dan</a:t>
-            </a:r>
-            <a:r>
-              <a:rPr lang="en-US" sz="2400" dirty="0">
-                <a:solidFill>
-                  <a:srgbClr val="000000"/>
-                </a:solidFill>
-                <a:latin typeface="Verdana" panose="020B0604030504040204" pitchFamily="34" charset="0"/>
-              </a:rPr>
-              <a:t> </a:t>
-            </a:r>
-            <a:r>
-              <a:rPr lang="en-US" sz="2400" dirty="0" err="1">
-                <a:solidFill>
-                  <a:srgbClr val="000000"/>
-                </a:solidFill>
-                <a:latin typeface="Verdana" panose="020B0604030504040204" pitchFamily="34" charset="0"/>
-              </a:rPr>
-              <a:t>kemudian</a:t>
-            </a:r>
-            <a:r>
-              <a:rPr lang="en-US" sz="2400" dirty="0">
-                <a:solidFill>
-                  <a:srgbClr val="000000"/>
-                </a:solidFill>
-                <a:latin typeface="Verdana" panose="020B0604030504040204" pitchFamily="34" charset="0"/>
-              </a:rPr>
-              <a:t> </a:t>
-            </a:r>
-            <a:r>
-              <a:rPr lang="en-US" sz="2400" dirty="0" err="1">
-                <a:solidFill>
-                  <a:srgbClr val="000000"/>
-                </a:solidFill>
-                <a:latin typeface="Verdana" panose="020B0604030504040204" pitchFamily="34" charset="0"/>
-              </a:rPr>
-              <a:t>diikuti</a:t>
-            </a:r>
-            <a:r>
-              <a:rPr lang="en-US" sz="2400" dirty="0">
-                <a:solidFill>
-                  <a:srgbClr val="000000"/>
-                </a:solidFill>
-                <a:latin typeface="Verdana" panose="020B0604030504040204" pitchFamily="34" charset="0"/>
-              </a:rPr>
-              <a:t> </a:t>
-            </a:r>
-            <a:r>
-              <a:rPr lang="en-US" sz="2400" dirty="0" err="1">
-                <a:solidFill>
-                  <a:srgbClr val="000000"/>
-                </a:solidFill>
-                <a:latin typeface="Verdana" panose="020B0604030504040204" pitchFamily="34" charset="0"/>
-              </a:rPr>
-              <a:t>dengan</a:t>
-            </a:r>
-            <a:r>
-              <a:rPr lang="en-US" sz="2400" dirty="0">
-                <a:solidFill>
-                  <a:srgbClr val="000000"/>
-                </a:solidFill>
-                <a:latin typeface="Verdana" panose="020B0604030504040204" pitchFamily="34" charset="0"/>
-              </a:rPr>
-              <a:t> </a:t>
-            </a:r>
-            <a:r>
-              <a:rPr lang="en-US" sz="2400" dirty="0" err="1">
-                <a:solidFill>
-                  <a:srgbClr val="000000"/>
-                </a:solidFill>
-                <a:latin typeface="Verdana" panose="020B0604030504040204" pitchFamily="34" charset="0"/>
-              </a:rPr>
-              <a:t>operasi</a:t>
-            </a:r>
-            <a:r>
-              <a:rPr lang="en-US" sz="2400" dirty="0">
-                <a:solidFill>
-                  <a:srgbClr val="000000"/>
-                </a:solidFill>
-                <a:latin typeface="Verdana" panose="020B0604030504040204" pitchFamily="34" charset="0"/>
-              </a:rPr>
-              <a:t> </a:t>
-            </a:r>
-            <a:r>
-              <a:rPr lang="en-US" sz="2400" b="1" dirty="0" err="1">
-                <a:latin typeface="Verdana" panose="020B0604030504040204" pitchFamily="34" charset="0"/>
-              </a:rPr>
-              <a:t>erosi</a:t>
-            </a:r>
-            <a:r>
-              <a:rPr lang="en-US" sz="2400" dirty="0">
-                <a:solidFill>
-                  <a:srgbClr val="000000"/>
-                </a:solidFill>
-                <a:latin typeface="Verdana" panose="020B0604030504040204" pitchFamily="34" charset="0"/>
-              </a:rPr>
-              <a:t>.</a:t>
-            </a:r>
-            <a:endParaRPr lang="en-US" sz="2400" dirty="0"/>
-          </a:p>
-        </p:txBody>
-      </p:sp>
+      </p:pic>
     </p:spTree>
     <p:extLst>
       <p:ext uri="{BB962C8B-B14F-4D97-AF65-F5344CB8AC3E}">
-        <p14:creationId xmlns:p14="http://schemas.microsoft.com/office/powerpoint/2010/main" val="3904854133"/>
+        <p14:creationId xmlns:p14="http://schemas.microsoft.com/office/powerpoint/2010/main" val="1570059890"/>
       </p:ext>
     </p:extLst>
   </p:cSld>
@@ -6824,1210 +5272,6 @@
             <a:spLocks noGrp="1"/>
           </p:cNvSpPr>
           <p:nvPr>
-            <p:ph type="title"/>
-          </p:nvPr>
-        </p:nvSpPr>
-        <p:spPr/>
-        <p:txBody>
-          <a:bodyPr/>
-          <a:lstStyle/>
-          <a:p>
-            <a:r>
-              <a:rPr lang="en-US" b="1" dirty="0" err="1"/>
-              <a:t>Operasi</a:t>
-            </a:r>
-            <a:r>
-              <a:rPr lang="en-US" b="1" dirty="0"/>
-              <a:t> Opening </a:t>
-            </a:r>
-            <a:r>
-              <a:rPr lang="en-US" b="1" dirty="0" err="1"/>
-              <a:t>dan</a:t>
-            </a:r>
-            <a:r>
-              <a:rPr lang="en-US" b="1" dirty="0"/>
-              <a:t> Closing</a:t>
-            </a:r>
-            <a:endParaRPr lang="en-US" dirty="0"/>
-          </a:p>
-        </p:txBody>
-      </p:sp>
-      <p:pic>
-        <p:nvPicPr>
-          <p:cNvPr id="3" name="Picture 2"/>
-          <p:cNvPicPr>
-            <a:picLocks noChangeAspect="1"/>
-          </p:cNvPicPr>
-          <p:nvPr/>
-        </p:nvPicPr>
-        <p:blipFill>
-          <a:blip r:embed="rId2"/>
-          <a:stretch>
-            <a:fillRect/>
-          </a:stretch>
-        </p:blipFill>
-        <p:spPr>
-          <a:xfrm>
-            <a:off x="609600" y="1699913"/>
-            <a:ext cx="5797285" cy="1568387"/>
-          </a:xfrm>
-          <a:prstGeom prst="rect">
-            <a:avLst/>
-          </a:prstGeom>
-        </p:spPr>
-      </p:pic>
-      <p:cxnSp>
-        <p:nvCxnSpPr>
-          <p:cNvPr id="4" name="Straight Arrow Connector 3"/>
-          <p:cNvCxnSpPr>
-            <a:stCxn id="3" idx="3"/>
-            <a:endCxn id="5" idx="1"/>
-          </p:cNvCxnSpPr>
-          <p:nvPr/>
-        </p:nvCxnSpPr>
-        <p:spPr>
-          <a:xfrm flipV="1">
-            <a:off x="6406885" y="2414516"/>
-            <a:ext cx="1044872" cy="69591"/>
-          </a:xfrm>
-          <a:prstGeom prst="straightConnector1">
-            <a:avLst/>
-          </a:prstGeom>
-          <a:ln w="38100">
-            <a:solidFill>
-              <a:schemeClr val="tx1"/>
-            </a:solidFill>
-            <a:tailEnd type="triangle"/>
-          </a:ln>
-        </p:spPr>
-        <p:style>
-          <a:lnRef idx="1">
-            <a:schemeClr val="accent1"/>
-          </a:lnRef>
-          <a:fillRef idx="0">
-            <a:schemeClr val="accent1"/>
-          </a:fillRef>
-          <a:effectRef idx="0">
-            <a:schemeClr val="accent1"/>
-          </a:effectRef>
-          <a:fontRef idx="minor">
-            <a:schemeClr val="tx1"/>
-          </a:fontRef>
-        </p:style>
-      </p:cxnSp>
-      <p:sp>
-        <p:nvSpPr>
-          <p:cNvPr id="5" name="TextBox 4"/>
-          <p:cNvSpPr txBox="1"/>
-          <p:nvPr/>
-        </p:nvSpPr>
-        <p:spPr>
-          <a:xfrm>
-            <a:off x="7451757" y="2091350"/>
-            <a:ext cx="3902043" cy="646331"/>
-          </a:xfrm>
-          <a:prstGeom prst="rect">
-            <a:avLst/>
-          </a:prstGeom>
-          <a:noFill/>
-        </p:spPr>
-        <p:txBody>
-          <a:bodyPr wrap="square" rtlCol="0">
-            <a:spAutoFit/>
-          </a:bodyPr>
-          <a:lstStyle/>
-          <a:p>
-            <a:r>
-              <a:rPr lang="en-US" dirty="0" smtClean="0"/>
-              <a:t>Import </a:t>
-            </a:r>
-            <a:r>
-              <a:rPr lang="en-US" dirty="0" err="1" smtClean="0"/>
-              <a:t>pustakan</a:t>
-            </a:r>
-            <a:r>
-              <a:rPr lang="en-US" dirty="0" smtClean="0"/>
-              <a:t> yang </a:t>
-            </a:r>
-            <a:r>
-              <a:rPr lang="en-US" dirty="0" err="1" smtClean="0"/>
-              <a:t>diinginkan</a:t>
-            </a:r>
-            <a:r>
-              <a:rPr lang="en-US" dirty="0" smtClean="0"/>
-              <a:t>,</a:t>
-            </a:r>
-          </a:p>
-          <a:p>
-            <a:r>
-              <a:rPr lang="en-US" dirty="0" smtClean="0"/>
-              <a:t>Dan </a:t>
-            </a:r>
-            <a:r>
-              <a:rPr lang="en-US" dirty="0" err="1" smtClean="0"/>
-              <a:t>membaca</a:t>
-            </a:r>
-            <a:r>
-              <a:rPr lang="en-US" dirty="0" smtClean="0"/>
-              <a:t> </a:t>
-            </a:r>
-            <a:r>
-              <a:rPr lang="en-US" dirty="0" err="1" smtClean="0"/>
-              <a:t>gambar</a:t>
-            </a:r>
-            <a:endParaRPr lang="en-US" dirty="0"/>
-          </a:p>
-        </p:txBody>
-      </p:sp>
-      <p:cxnSp>
-        <p:nvCxnSpPr>
-          <p:cNvPr id="6" name="Straight Arrow Connector 5"/>
-          <p:cNvCxnSpPr>
-            <a:endCxn id="7" idx="1"/>
-          </p:cNvCxnSpPr>
-          <p:nvPr/>
-        </p:nvCxnSpPr>
-        <p:spPr>
-          <a:xfrm>
-            <a:off x="6806721" y="4359583"/>
-            <a:ext cx="399837" cy="75188"/>
-          </a:xfrm>
-          <a:prstGeom prst="straightConnector1">
-            <a:avLst/>
-          </a:prstGeom>
-          <a:ln w="38100">
-            <a:solidFill>
-              <a:schemeClr val="tx1"/>
-            </a:solidFill>
-            <a:tailEnd type="triangle"/>
-          </a:ln>
-        </p:spPr>
-        <p:style>
-          <a:lnRef idx="1">
-            <a:schemeClr val="accent1"/>
-          </a:lnRef>
-          <a:fillRef idx="0">
-            <a:schemeClr val="accent1"/>
-          </a:fillRef>
-          <a:effectRef idx="0">
-            <a:schemeClr val="accent1"/>
-          </a:effectRef>
-          <a:fontRef idx="minor">
-            <a:schemeClr val="tx1"/>
-          </a:fontRef>
-        </p:style>
-      </p:cxnSp>
-      <p:sp>
-        <p:nvSpPr>
-          <p:cNvPr id="7" name="TextBox 6"/>
-          <p:cNvSpPr txBox="1"/>
-          <p:nvPr/>
-        </p:nvSpPr>
-        <p:spPr>
-          <a:xfrm>
-            <a:off x="7206558" y="4111605"/>
-            <a:ext cx="3902043" cy="646331"/>
-          </a:xfrm>
-          <a:prstGeom prst="rect">
-            <a:avLst/>
-          </a:prstGeom>
-          <a:noFill/>
-        </p:spPr>
-        <p:txBody>
-          <a:bodyPr wrap="square" rtlCol="0">
-            <a:spAutoFit/>
-          </a:bodyPr>
-          <a:lstStyle/>
-          <a:p>
-            <a:r>
-              <a:rPr lang="en-US" dirty="0" err="1" smtClean="0"/>
-              <a:t>Ubah</a:t>
-            </a:r>
-            <a:r>
-              <a:rPr lang="en-US" dirty="0" smtClean="0"/>
-              <a:t> </a:t>
-            </a:r>
-            <a:r>
-              <a:rPr lang="en-US" dirty="0" err="1" smtClean="0"/>
-              <a:t>citra</a:t>
-            </a:r>
-            <a:r>
-              <a:rPr lang="en-US" dirty="0" smtClean="0"/>
-              <a:t> </a:t>
-            </a:r>
-            <a:r>
-              <a:rPr lang="en-US" dirty="0" err="1" smtClean="0"/>
-              <a:t>menjadi</a:t>
-            </a:r>
-            <a:r>
-              <a:rPr lang="en-US" dirty="0" smtClean="0"/>
-              <a:t> </a:t>
-            </a:r>
-            <a:r>
-              <a:rPr lang="en-US" dirty="0" err="1" smtClean="0"/>
-              <a:t>keabu</a:t>
-            </a:r>
-            <a:r>
-              <a:rPr lang="en-US" dirty="0" smtClean="0"/>
-              <a:t> –</a:t>
-            </a:r>
-            <a:r>
-              <a:rPr lang="en-US" dirty="0" err="1" smtClean="0"/>
-              <a:t>abu</a:t>
-            </a:r>
-            <a:r>
-              <a:rPr lang="en-US" dirty="0" smtClean="0"/>
-              <a:t> </a:t>
-            </a:r>
-            <a:r>
-              <a:rPr lang="en-US" dirty="0" err="1" smtClean="0"/>
-              <a:t>dan</a:t>
-            </a:r>
-            <a:r>
-              <a:rPr lang="en-US" dirty="0" smtClean="0"/>
-              <a:t> </a:t>
-            </a:r>
-            <a:r>
-              <a:rPr lang="en-US" dirty="0" err="1" smtClean="0"/>
-              <a:t>lihat</a:t>
-            </a:r>
-            <a:r>
-              <a:rPr lang="en-US" dirty="0" smtClean="0"/>
-              <a:t> </a:t>
-            </a:r>
-            <a:r>
-              <a:rPr lang="en-US" dirty="0" err="1" smtClean="0"/>
-              <a:t>ukuran</a:t>
-            </a:r>
-            <a:r>
-              <a:rPr lang="en-US" dirty="0" smtClean="0"/>
-              <a:t> </a:t>
-            </a:r>
-            <a:r>
-              <a:rPr lang="en-US" dirty="0" err="1" smtClean="0"/>
-              <a:t>citra</a:t>
-            </a:r>
-            <a:r>
-              <a:rPr lang="en-US" dirty="0" smtClean="0"/>
-              <a:t> </a:t>
-            </a:r>
-            <a:r>
-              <a:rPr lang="en-US" dirty="0" err="1" smtClean="0"/>
-              <a:t>tersebut</a:t>
-            </a:r>
-            <a:endParaRPr lang="en-US" dirty="0"/>
-          </a:p>
-        </p:txBody>
-      </p:sp>
-      <p:pic>
-        <p:nvPicPr>
-          <p:cNvPr id="8" name="Picture 7"/>
-          <p:cNvPicPr>
-            <a:picLocks noChangeAspect="1"/>
-          </p:cNvPicPr>
-          <p:nvPr/>
-        </p:nvPicPr>
-        <p:blipFill>
-          <a:blip r:embed="rId3"/>
-          <a:stretch>
-            <a:fillRect/>
-          </a:stretch>
-        </p:blipFill>
-        <p:spPr>
-          <a:xfrm>
-            <a:off x="609600" y="3739776"/>
-            <a:ext cx="6125635" cy="1134973"/>
-          </a:xfrm>
-          <a:prstGeom prst="rect">
-            <a:avLst/>
-          </a:prstGeom>
-        </p:spPr>
-      </p:pic>
-      <p:pic>
-        <p:nvPicPr>
-          <p:cNvPr id="9" name="Picture 8"/>
-          <p:cNvPicPr>
-            <a:picLocks noChangeAspect="1"/>
-          </p:cNvPicPr>
-          <p:nvPr/>
-        </p:nvPicPr>
-        <p:blipFill>
-          <a:blip r:embed="rId4"/>
-          <a:stretch>
-            <a:fillRect/>
-          </a:stretch>
-        </p:blipFill>
-        <p:spPr>
-          <a:xfrm>
-            <a:off x="629359" y="5346225"/>
-            <a:ext cx="6177362" cy="862044"/>
-          </a:xfrm>
-          <a:prstGeom prst="rect">
-            <a:avLst/>
-          </a:prstGeom>
-        </p:spPr>
-      </p:pic>
-      <p:sp>
-        <p:nvSpPr>
-          <p:cNvPr id="10" name="TextBox 9"/>
-          <p:cNvSpPr txBox="1"/>
-          <p:nvPr/>
-        </p:nvSpPr>
-        <p:spPr>
-          <a:xfrm>
-            <a:off x="7322744" y="5358636"/>
-            <a:ext cx="3902043" cy="646331"/>
-          </a:xfrm>
-          <a:prstGeom prst="rect">
-            <a:avLst/>
-          </a:prstGeom>
-          <a:noFill/>
-        </p:spPr>
-        <p:txBody>
-          <a:bodyPr wrap="square" rtlCol="0">
-            <a:spAutoFit/>
-          </a:bodyPr>
-          <a:lstStyle/>
-          <a:p>
-            <a:r>
-              <a:rPr lang="en-US" dirty="0" err="1" smtClean="0"/>
-              <a:t>Buat</a:t>
-            </a:r>
-            <a:r>
-              <a:rPr lang="en-US" dirty="0" smtClean="0"/>
-              <a:t> </a:t>
-            </a:r>
-            <a:r>
-              <a:rPr lang="en-US" i="1" dirty="0"/>
-              <a:t>structuring </a:t>
-            </a:r>
-            <a:r>
-              <a:rPr lang="en-US" i="1" dirty="0" smtClean="0"/>
-              <a:t>element</a:t>
-            </a:r>
-            <a:r>
-              <a:rPr lang="en-US" dirty="0"/>
-              <a:t> </a:t>
-            </a:r>
-            <a:r>
-              <a:rPr lang="en-US" dirty="0" err="1" smtClean="0"/>
-              <a:t>dengan</a:t>
-            </a:r>
-            <a:r>
-              <a:rPr lang="en-US" dirty="0" smtClean="0"/>
-              <a:t> </a:t>
-            </a:r>
-            <a:r>
-              <a:rPr lang="en-US" dirty="0" err="1" smtClean="0"/>
-              <a:t>fungsi</a:t>
-            </a:r>
-            <a:r>
-              <a:rPr lang="en-US" dirty="0" smtClean="0"/>
-              <a:t> </a:t>
-            </a:r>
-            <a:r>
-              <a:rPr lang="en-US" dirty="0" err="1" smtClean="0"/>
-              <a:t>numpy</a:t>
-            </a:r>
-            <a:endParaRPr lang="en-US" dirty="0"/>
-          </a:p>
-        </p:txBody>
-      </p:sp>
-      <p:cxnSp>
-        <p:nvCxnSpPr>
-          <p:cNvPr id="11" name="Straight Arrow Connector 10"/>
-          <p:cNvCxnSpPr>
-            <a:endCxn id="10" idx="1"/>
-          </p:cNvCxnSpPr>
-          <p:nvPr/>
-        </p:nvCxnSpPr>
-        <p:spPr>
-          <a:xfrm flipV="1">
-            <a:off x="6763337" y="5681802"/>
-            <a:ext cx="559407" cy="57851"/>
-          </a:xfrm>
-          <a:prstGeom prst="straightConnector1">
-            <a:avLst/>
-          </a:prstGeom>
-          <a:ln w="38100">
-            <a:solidFill>
-              <a:schemeClr val="tx1"/>
-            </a:solidFill>
-            <a:tailEnd type="triangle"/>
-          </a:ln>
-        </p:spPr>
-        <p:style>
-          <a:lnRef idx="1">
-            <a:schemeClr val="accent1"/>
-          </a:lnRef>
-          <a:fillRef idx="0">
-            <a:schemeClr val="accent1"/>
-          </a:fillRef>
-          <a:effectRef idx="0">
-            <a:schemeClr val="accent1"/>
-          </a:effectRef>
-          <a:fontRef idx="minor">
-            <a:schemeClr val="tx1"/>
-          </a:fontRef>
-        </p:style>
-      </p:cxnSp>
-    </p:spTree>
-    <p:extLst>
-      <p:ext uri="{BB962C8B-B14F-4D97-AF65-F5344CB8AC3E}">
-        <p14:creationId xmlns:p14="http://schemas.microsoft.com/office/powerpoint/2010/main" val="1968255482"/>
-      </p:ext>
-    </p:extLst>
-  </p:cSld>
-  <p:clrMapOvr>
-    <a:masterClrMapping/>
-  </p:clrMapOvr>
-</p:sld>
-</file>
-
-<file path=ppt/slides/slide14.xml><?xml version="1.0" encoding="utf-8"?>
-<p:sld xmlns:a="http://schemas.openxmlformats.org/drawingml/2006/main" xmlns:r="http://schemas.openxmlformats.org/officeDocument/2006/relationships" xmlns:p="http://schemas.openxmlformats.org/presentationml/2006/main">
-  <p:cSld>
-    <p:spTree>
-      <p:nvGrpSpPr>
-        <p:cNvPr id="1" name=""/>
-        <p:cNvGrpSpPr/>
-        <p:nvPr/>
-      </p:nvGrpSpPr>
-      <p:grpSpPr>
-        <a:xfrm>
-          <a:off x="0" y="0"/>
-          <a:ext cx="0" cy="0"/>
-          <a:chOff x="0" y="0"/>
-          <a:chExt cx="0" cy="0"/>
-        </a:xfrm>
-      </p:grpSpPr>
-      <p:sp>
-        <p:nvSpPr>
-          <p:cNvPr id="2" name="Title 1"/>
-          <p:cNvSpPr>
-            <a:spLocks noGrp="1"/>
-          </p:cNvSpPr>
-          <p:nvPr>
-            <p:ph type="title"/>
-          </p:nvPr>
-        </p:nvSpPr>
-        <p:spPr/>
-        <p:txBody>
-          <a:bodyPr/>
-          <a:lstStyle/>
-          <a:p>
-            <a:r>
-              <a:rPr lang="en-US" b="1" dirty="0" err="1"/>
-              <a:t>Operasi</a:t>
-            </a:r>
-            <a:r>
-              <a:rPr lang="en-US" b="1" dirty="0"/>
-              <a:t> Opening </a:t>
-            </a:r>
-            <a:r>
-              <a:rPr lang="en-US" b="1" dirty="0" err="1"/>
-              <a:t>dan</a:t>
-            </a:r>
-            <a:r>
-              <a:rPr lang="en-US" b="1" dirty="0"/>
-              <a:t> Closing</a:t>
-            </a:r>
-            <a:endParaRPr lang="en-US" dirty="0"/>
-          </a:p>
-        </p:txBody>
-      </p:sp>
-      <p:sp>
-        <p:nvSpPr>
-          <p:cNvPr id="4" name="TextBox 3"/>
-          <p:cNvSpPr txBox="1"/>
-          <p:nvPr/>
-        </p:nvSpPr>
-        <p:spPr>
-          <a:xfrm>
-            <a:off x="609599" y="1692998"/>
-            <a:ext cx="10924516" cy="1015663"/>
-          </a:xfrm>
-          <a:prstGeom prst="rect">
-            <a:avLst/>
-          </a:prstGeom>
-          <a:noFill/>
-        </p:spPr>
-        <p:txBody>
-          <a:bodyPr wrap="square" rtlCol="0">
-            <a:spAutoFit/>
-          </a:bodyPr>
-          <a:lstStyle/>
-          <a:p>
-            <a:pPr lvl="0"/>
-            <a:r>
-              <a:rPr lang="en-US" sz="2000" dirty="0" err="1" smtClean="0"/>
-              <a:t>Lakukan</a:t>
-            </a:r>
-            <a:r>
-              <a:rPr lang="en-US" sz="2000" dirty="0" smtClean="0"/>
-              <a:t> </a:t>
-            </a:r>
-            <a:r>
-              <a:rPr lang="en-US" sz="2000" dirty="0" err="1" smtClean="0"/>
-              <a:t>operasi</a:t>
-            </a:r>
-            <a:r>
-              <a:rPr lang="en-US" sz="2000" dirty="0" smtClean="0"/>
-              <a:t> Opening </a:t>
-            </a:r>
-            <a:r>
-              <a:rPr lang="en-US" sz="2000" dirty="0" err="1" smtClean="0"/>
-              <a:t>dengan</a:t>
-            </a:r>
-            <a:r>
-              <a:rPr lang="en-US" sz="2000" dirty="0" smtClean="0"/>
-              <a:t> </a:t>
-            </a:r>
-            <a:r>
-              <a:rPr lang="en-US" sz="2000" dirty="0" err="1" smtClean="0"/>
-              <a:t>fungsi</a:t>
-            </a:r>
-            <a:r>
-              <a:rPr lang="en-US" sz="2000" dirty="0" smtClean="0"/>
-              <a:t> </a:t>
-            </a:r>
-            <a:r>
-              <a:rPr lang="en-US" sz="2000" b="1" dirty="0">
-                <a:latin typeface="Arial" panose="020B0604020202020204" pitchFamily="34" charset="0"/>
-              </a:rPr>
-              <a:t>cv2.morphologyEx</a:t>
-            </a:r>
-            <a:r>
-              <a:rPr lang="en-US" sz="2000" b="1" dirty="0">
-                <a:solidFill>
-                  <a:srgbClr val="404040"/>
-                </a:solidFill>
-                <a:latin typeface="Consolas" panose="020B0609020204030204" pitchFamily="49" charset="0"/>
-              </a:rPr>
-              <a:t>(</a:t>
-            </a:r>
-            <a:r>
-              <a:rPr lang="en-US" sz="2000" b="1" dirty="0" err="1">
-                <a:latin typeface="Arial" panose="020B0604020202020204" pitchFamily="34" charset="0"/>
-              </a:rPr>
-              <a:t>img</a:t>
-            </a:r>
-            <a:r>
-              <a:rPr lang="en-US" sz="2000" b="1" dirty="0">
-                <a:solidFill>
-                  <a:srgbClr val="404040"/>
-                </a:solidFill>
-                <a:latin typeface="Consolas" panose="020B0609020204030204" pitchFamily="49" charset="0"/>
-              </a:rPr>
-              <a:t>, </a:t>
-            </a:r>
-            <a:r>
-              <a:rPr lang="en-US" sz="2000" b="1" dirty="0">
-                <a:latin typeface="Arial" panose="020B0604020202020204" pitchFamily="34" charset="0"/>
-              </a:rPr>
-              <a:t>cv2.MORPH_CLOSE</a:t>
-            </a:r>
-            <a:r>
-              <a:rPr lang="en-US" sz="2000" b="1" dirty="0">
-                <a:solidFill>
-                  <a:srgbClr val="404040"/>
-                </a:solidFill>
-                <a:latin typeface="Consolas" panose="020B0609020204030204" pitchFamily="49" charset="0"/>
-              </a:rPr>
-              <a:t>, </a:t>
-            </a:r>
-            <a:r>
-              <a:rPr lang="en-US" sz="2000" b="1" dirty="0">
-                <a:latin typeface="Arial" panose="020B0604020202020204" pitchFamily="34" charset="0"/>
-              </a:rPr>
-              <a:t>kernel</a:t>
-            </a:r>
-            <a:r>
-              <a:rPr lang="en-US" sz="2000" b="1" dirty="0">
-                <a:solidFill>
-                  <a:srgbClr val="404040"/>
-                </a:solidFill>
-                <a:latin typeface="Consolas" panose="020B0609020204030204" pitchFamily="49" charset="0"/>
-              </a:rPr>
-              <a:t>)</a:t>
-            </a:r>
-            <a:r>
-              <a:rPr lang="en-US" sz="2000" dirty="0"/>
-              <a:t> </a:t>
-            </a:r>
-            <a:endParaRPr lang="en-US" sz="2000" dirty="0">
-              <a:latin typeface="Arial" panose="020B0604020202020204" pitchFamily="34" charset="0"/>
-            </a:endParaRPr>
-          </a:p>
-          <a:p>
-            <a:endParaRPr lang="en-US" sz="2000" b="1" dirty="0"/>
-          </a:p>
-        </p:txBody>
-      </p:sp>
-      <p:sp>
-        <p:nvSpPr>
-          <p:cNvPr id="14" name="Rectangle 1"/>
-          <p:cNvSpPr>
-            <a:spLocks noChangeArrowheads="1"/>
-          </p:cNvSpPr>
-          <p:nvPr/>
-        </p:nvSpPr>
-        <p:spPr bwMode="auto">
-          <a:xfrm>
-            <a:off x="0" y="136267"/>
-            <a:ext cx="65" cy="184666"/>
-          </a:xfrm>
-          <a:prstGeom prst="rect">
-            <a:avLst/>
-          </a:prstGeom>
-          <a:solidFill>
-            <a:srgbClr val="FCFCFC"/>
-          </a:solidFill>
-          <a:ln>
-            <a:noFill/>
-          </a:ln>
-          <a:effectLst/>
-          <a:extLst>
-            <a:ext uri="{91240B29-F687-4F45-9708-019B960494DF}">
-              <a14:hiddenLine xmlns:a14="http://schemas.microsoft.com/office/drawing/2010/main" w="9525">
-                <a:solidFill>
-                  <a:schemeClr val="tx1"/>
-                </a:solidFill>
-                <a:miter lim="800000"/>
-                <a:headEnd/>
-                <a:tailEnd/>
-              </a14:hiddenLine>
-            </a:ext>
-            <a:ext uri="{AF507438-7753-43E0-B8FC-AC1667EBCBE1}">
-              <a14:hiddenEffects xmlns:a14="http://schemas.microsoft.com/office/drawing/2010/main">
-                <a:effectLst>
-                  <a:outerShdw dist="35921" dir="2700000" algn="ctr" rotWithShape="0">
-                    <a:schemeClr val="bg2"/>
-                  </a:outerShdw>
-                </a:effectLst>
-              </a14:hiddenEffects>
-            </a:ext>
-          </a:extLst>
-        </p:spPr>
-        <p:txBody>
-          <a:bodyPr vert="horz" wrap="none" lIns="0" tIns="0" rIns="0" bIns="0" numCol="1" anchor="ctr" anchorCtr="0" compatLnSpc="1">
-            <a:prstTxWarp prst="textNoShape">
-              <a:avLst/>
-            </a:prstTxWarp>
-            <a:spAutoFit/>
-          </a:bodyPr>
-          <a:lstStyle>
-            <a:lvl1pPr eaLnBrk="0" fontAlgn="base" hangingPunct="0">
-              <a:spcBef>
-                <a:spcPct val="30000"/>
-              </a:spcBef>
-              <a:spcAft>
-                <a:spcPct val="0"/>
-              </a:spcAft>
-              <a:defRPr sz="1200">
-                <a:solidFill>
-                  <a:schemeClr val="tx1"/>
-                </a:solidFill>
-                <a:latin typeface="Arial" panose="020B0604020202020204" pitchFamily="34" charset="0"/>
-              </a:defRPr>
-            </a:lvl1pPr>
-            <a:lvl2pPr eaLnBrk="0" fontAlgn="base" hangingPunct="0">
-              <a:spcBef>
-                <a:spcPct val="30000"/>
-              </a:spcBef>
-              <a:spcAft>
-                <a:spcPct val="0"/>
-              </a:spcAft>
-              <a:defRPr sz="1200">
-                <a:solidFill>
-                  <a:schemeClr val="tx1"/>
-                </a:solidFill>
-                <a:latin typeface="Arial" panose="020B0604020202020204" pitchFamily="34" charset="0"/>
-              </a:defRPr>
-            </a:lvl2pPr>
-            <a:lvl3pPr eaLnBrk="0" fontAlgn="base" hangingPunct="0">
-              <a:spcBef>
-                <a:spcPct val="30000"/>
-              </a:spcBef>
-              <a:spcAft>
-                <a:spcPct val="0"/>
-              </a:spcAft>
-              <a:defRPr sz="1200">
-                <a:solidFill>
-                  <a:schemeClr val="tx1"/>
-                </a:solidFill>
-                <a:latin typeface="Arial" panose="020B0604020202020204" pitchFamily="34" charset="0"/>
-              </a:defRPr>
-            </a:lvl3pPr>
-            <a:lvl4pPr eaLnBrk="0" fontAlgn="base" hangingPunct="0">
-              <a:spcBef>
-                <a:spcPct val="30000"/>
-              </a:spcBef>
-              <a:spcAft>
-                <a:spcPct val="0"/>
-              </a:spcAft>
-              <a:defRPr sz="1200">
-                <a:solidFill>
-                  <a:schemeClr val="tx1"/>
-                </a:solidFill>
-                <a:latin typeface="Arial" panose="020B0604020202020204" pitchFamily="34" charset="0"/>
-              </a:defRPr>
-            </a:lvl4pPr>
-            <a:lvl5pPr eaLnBrk="0" fontAlgn="base" hangingPunct="0">
-              <a:spcBef>
-                <a:spcPct val="30000"/>
-              </a:spcBef>
-              <a:spcAft>
-                <a:spcPct val="0"/>
-              </a:spcAft>
-              <a:defRPr sz="1200">
-                <a:solidFill>
-                  <a:schemeClr val="tx1"/>
-                </a:solidFill>
-                <a:latin typeface="Arial" panose="020B0604020202020204" pitchFamily="34" charset="0"/>
-              </a:defRPr>
-            </a:lvl5pPr>
-            <a:lvl6pPr eaLnBrk="0" fontAlgn="base" hangingPunct="0">
-              <a:spcBef>
-                <a:spcPct val="30000"/>
-              </a:spcBef>
-              <a:spcAft>
-                <a:spcPct val="0"/>
-              </a:spcAft>
-              <a:defRPr sz="1200">
-                <a:solidFill>
-                  <a:schemeClr val="tx1"/>
-                </a:solidFill>
-                <a:latin typeface="Arial" panose="020B0604020202020204" pitchFamily="34" charset="0"/>
-              </a:defRPr>
-            </a:lvl6pPr>
-            <a:lvl7pPr eaLnBrk="0" fontAlgn="base" hangingPunct="0">
-              <a:spcBef>
-                <a:spcPct val="30000"/>
-              </a:spcBef>
-              <a:spcAft>
-                <a:spcPct val="0"/>
-              </a:spcAft>
-              <a:defRPr sz="1200">
-                <a:solidFill>
-                  <a:schemeClr val="tx1"/>
-                </a:solidFill>
-                <a:latin typeface="Arial" panose="020B0604020202020204" pitchFamily="34" charset="0"/>
-              </a:defRPr>
-            </a:lvl7pPr>
-            <a:lvl8pPr eaLnBrk="0" fontAlgn="base" hangingPunct="0">
-              <a:spcBef>
-                <a:spcPct val="30000"/>
-              </a:spcBef>
-              <a:spcAft>
-                <a:spcPct val="0"/>
-              </a:spcAft>
-              <a:defRPr sz="1200">
-                <a:solidFill>
-                  <a:schemeClr val="tx1"/>
-                </a:solidFill>
-                <a:latin typeface="Arial" panose="020B0604020202020204" pitchFamily="34" charset="0"/>
-              </a:defRPr>
-            </a:lvl8pPr>
-            <a:lvl9pPr eaLnBrk="0" fontAlgn="base" hangingPunct="0">
-              <a:spcBef>
-                <a:spcPct val="30000"/>
-              </a:spcBef>
-              <a:spcAft>
-                <a:spcPct val="0"/>
-              </a:spcAft>
-              <a:defRPr sz="1200">
-                <a:solidFill>
-                  <a:schemeClr val="tx1"/>
-                </a:solidFill>
-                <a:latin typeface="Arial" panose="020B0604020202020204" pitchFamily="34" charset="0"/>
-              </a:defRPr>
-            </a:lvl9pPr>
-          </a:lstStyle>
-          <a:p>
-            <a:pPr marL="0" marR="0" lvl="0" indent="0" algn="l" defTabSz="914400" rtl="0" eaLnBrk="0" fontAlgn="base" latinLnBrk="0" hangingPunct="0">
-              <a:lnSpc>
-                <a:spcPct val="100000"/>
-              </a:lnSpc>
-              <a:spcBef>
-                <a:spcPct val="30000"/>
-              </a:spcBef>
-              <a:spcAft>
-                <a:spcPct val="0"/>
-              </a:spcAft>
-              <a:buClrTx/>
-              <a:buSzTx/>
-              <a:buFontTx/>
-              <a:buNone/>
-              <a:tabLst/>
-            </a:pPr>
-            <a:endParaRPr kumimoji="0" lang="en-US" sz="1200" b="0" i="0" u="none" strike="noStrike" cap="none" normalizeH="0" baseline="0" dirty="0" smtClean="0">
-              <a:ln>
-                <a:noFill/>
-              </a:ln>
-              <a:solidFill>
-                <a:schemeClr val="tx1"/>
-              </a:solidFill>
-              <a:effectLst/>
-              <a:latin typeface="Arial" panose="020B0604020202020204" pitchFamily="34" charset="0"/>
-            </a:endParaRPr>
-          </a:p>
-        </p:txBody>
-      </p:sp>
-      <p:pic>
-        <p:nvPicPr>
-          <p:cNvPr id="15" name="Picture 14"/>
-          <p:cNvPicPr>
-            <a:picLocks noChangeAspect="1"/>
-          </p:cNvPicPr>
-          <p:nvPr/>
-        </p:nvPicPr>
-        <p:blipFill>
-          <a:blip r:embed="rId2"/>
-          <a:stretch>
-            <a:fillRect/>
-          </a:stretch>
-        </p:blipFill>
-        <p:spPr>
-          <a:xfrm>
-            <a:off x="609600" y="2708661"/>
-            <a:ext cx="8461972" cy="994206"/>
-          </a:xfrm>
-          <a:prstGeom prst="rect">
-            <a:avLst/>
-          </a:prstGeom>
-        </p:spPr>
-      </p:pic>
-      <p:sp>
-        <p:nvSpPr>
-          <p:cNvPr id="16" name="Rectangle 15"/>
-          <p:cNvSpPr/>
-          <p:nvPr/>
-        </p:nvSpPr>
-        <p:spPr>
-          <a:xfrm>
-            <a:off x="4879818" y="3195873"/>
-            <a:ext cx="470780" cy="389299"/>
-          </a:xfrm>
-          <a:prstGeom prst="rect">
-            <a:avLst/>
-          </a:prstGeom>
-          <a:noFill/>
-          <a:ln>
-            <a:solidFill>
-              <a:schemeClr val="tx1"/>
-            </a:solidFill>
-          </a:ln>
-        </p:spPr>
-        <p:style>
-          <a:lnRef idx="2">
-            <a:schemeClr val="accent1">
-              <a:shade val="50000"/>
-            </a:schemeClr>
-          </a:lnRef>
-          <a:fillRef idx="1">
-            <a:schemeClr val="accent1"/>
-          </a:fillRef>
-          <a:effectRef idx="0">
-            <a:schemeClr val="accent1"/>
-          </a:effectRef>
-          <a:fontRef idx="minor">
-            <a:schemeClr val="lt1"/>
-          </a:fontRef>
-        </p:style>
-        <p:txBody>
-          <a:bodyPr rtlCol="0" anchor="ctr"/>
-          <a:lstStyle/>
-          <a:p>
-            <a:pPr algn="ctr"/>
-            <a:endParaRPr lang="en-US"/>
-          </a:p>
-        </p:txBody>
-      </p:sp>
-      <p:cxnSp>
-        <p:nvCxnSpPr>
-          <p:cNvPr id="18" name="Straight Arrow Connector 17"/>
-          <p:cNvCxnSpPr>
-            <a:stCxn id="16" idx="2"/>
-          </p:cNvCxnSpPr>
-          <p:nvPr/>
-        </p:nvCxnSpPr>
-        <p:spPr>
-          <a:xfrm flipH="1">
-            <a:off x="5106154" y="3585172"/>
-            <a:ext cx="9054" cy="488887"/>
-          </a:xfrm>
-          <a:prstGeom prst="straightConnector1">
-            <a:avLst/>
-          </a:prstGeom>
-          <a:ln w="28575">
-            <a:solidFill>
-              <a:schemeClr val="tx1"/>
-            </a:solidFill>
-            <a:tailEnd type="triangle"/>
-          </a:ln>
-        </p:spPr>
-        <p:style>
-          <a:lnRef idx="1">
-            <a:schemeClr val="accent1"/>
-          </a:lnRef>
-          <a:fillRef idx="0">
-            <a:schemeClr val="accent1"/>
-          </a:fillRef>
-          <a:effectRef idx="0">
-            <a:schemeClr val="accent1"/>
-          </a:effectRef>
-          <a:fontRef idx="minor">
-            <a:schemeClr val="tx1"/>
-          </a:fontRef>
-        </p:style>
-      </p:cxnSp>
-      <p:sp>
-        <p:nvSpPr>
-          <p:cNvPr id="20" name="TextBox 19"/>
-          <p:cNvSpPr txBox="1"/>
-          <p:nvPr/>
-        </p:nvSpPr>
-        <p:spPr>
-          <a:xfrm>
-            <a:off x="4698752" y="4146489"/>
-            <a:ext cx="814812" cy="369332"/>
-          </a:xfrm>
-          <a:prstGeom prst="rect">
-            <a:avLst/>
-          </a:prstGeom>
-          <a:noFill/>
-        </p:spPr>
-        <p:txBody>
-          <a:bodyPr wrap="square" rtlCol="0">
-            <a:spAutoFit/>
-          </a:bodyPr>
-          <a:lstStyle/>
-          <a:p>
-            <a:r>
-              <a:rPr lang="en-US" dirty="0" smtClean="0"/>
-              <a:t>image</a:t>
-            </a:r>
-            <a:endParaRPr lang="en-US" dirty="0"/>
-          </a:p>
-        </p:txBody>
-      </p:sp>
-      <p:sp>
-        <p:nvSpPr>
-          <p:cNvPr id="21" name="Rectangle 20"/>
-          <p:cNvSpPr/>
-          <p:nvPr/>
-        </p:nvSpPr>
-        <p:spPr>
-          <a:xfrm>
-            <a:off x="5513564" y="3205764"/>
-            <a:ext cx="1665834" cy="379408"/>
-          </a:xfrm>
-          <a:prstGeom prst="rect">
-            <a:avLst/>
-          </a:prstGeom>
-          <a:noFill/>
-          <a:ln>
-            <a:solidFill>
-              <a:schemeClr val="tx1"/>
-            </a:solidFill>
-          </a:ln>
-        </p:spPr>
-        <p:style>
-          <a:lnRef idx="2">
-            <a:schemeClr val="accent1">
-              <a:shade val="50000"/>
-            </a:schemeClr>
-          </a:lnRef>
-          <a:fillRef idx="1">
-            <a:schemeClr val="accent1"/>
-          </a:fillRef>
-          <a:effectRef idx="0">
-            <a:schemeClr val="accent1"/>
-          </a:effectRef>
-          <a:fontRef idx="minor">
-            <a:schemeClr val="lt1"/>
-          </a:fontRef>
-        </p:style>
-        <p:txBody>
-          <a:bodyPr rtlCol="0" anchor="ctr"/>
-          <a:lstStyle/>
-          <a:p>
-            <a:pPr algn="ctr"/>
-            <a:endParaRPr lang="en-US"/>
-          </a:p>
-        </p:txBody>
-      </p:sp>
-      <p:sp>
-        <p:nvSpPr>
-          <p:cNvPr id="26" name="TextBox 25"/>
-          <p:cNvSpPr txBox="1"/>
-          <p:nvPr/>
-        </p:nvSpPr>
-        <p:spPr>
-          <a:xfrm>
-            <a:off x="4771175" y="4736639"/>
-            <a:ext cx="4390931" cy="1200329"/>
-          </a:xfrm>
-          <a:prstGeom prst="rect">
-            <a:avLst/>
-          </a:prstGeom>
-          <a:noFill/>
-        </p:spPr>
-        <p:txBody>
-          <a:bodyPr wrap="square" rtlCol="0">
-            <a:spAutoFit/>
-          </a:bodyPr>
-          <a:lstStyle/>
-          <a:p>
-            <a:r>
-              <a:rPr lang="en-US" dirty="0" smtClean="0"/>
-              <a:t>Cv2.MORPH_OPEN </a:t>
-            </a:r>
-            <a:r>
-              <a:rPr lang="en-US" dirty="0" err="1" smtClean="0"/>
-              <a:t>untuk</a:t>
-            </a:r>
-            <a:r>
-              <a:rPr lang="en-US" dirty="0" smtClean="0"/>
-              <a:t> </a:t>
-            </a:r>
-            <a:r>
-              <a:rPr lang="en-US" dirty="0" err="1" smtClean="0"/>
-              <a:t>melakukan</a:t>
-            </a:r>
-            <a:r>
-              <a:rPr lang="en-US" dirty="0" smtClean="0"/>
-              <a:t> </a:t>
-            </a:r>
-            <a:r>
-              <a:rPr lang="en-US" dirty="0" err="1" smtClean="0"/>
-              <a:t>operasi</a:t>
-            </a:r>
-            <a:r>
-              <a:rPr lang="en-US" dirty="0" smtClean="0"/>
-              <a:t> </a:t>
-            </a:r>
-            <a:r>
-              <a:rPr lang="en-US" b="1" dirty="0" smtClean="0"/>
-              <a:t>Opening </a:t>
-            </a:r>
-            <a:r>
-              <a:rPr lang="en-US" dirty="0" err="1" smtClean="0"/>
-              <a:t>dan</a:t>
-            </a:r>
-            <a:r>
-              <a:rPr lang="en-US" dirty="0" smtClean="0"/>
-              <a:t> Cv2.MORPH_CLOSING </a:t>
-            </a:r>
-            <a:r>
-              <a:rPr lang="en-US" dirty="0" err="1" smtClean="0"/>
-              <a:t>untuk</a:t>
-            </a:r>
-            <a:r>
-              <a:rPr lang="en-US" dirty="0" smtClean="0"/>
-              <a:t> </a:t>
-            </a:r>
-            <a:r>
-              <a:rPr lang="en-US" dirty="0" err="1" smtClean="0"/>
-              <a:t>melakukan</a:t>
-            </a:r>
-            <a:r>
-              <a:rPr lang="en-US" dirty="0" smtClean="0"/>
-              <a:t> </a:t>
-            </a:r>
-            <a:r>
-              <a:rPr lang="en-US" dirty="0" err="1" smtClean="0"/>
-              <a:t>operasi</a:t>
-            </a:r>
-            <a:r>
-              <a:rPr lang="en-US" dirty="0" smtClean="0"/>
-              <a:t> </a:t>
-            </a:r>
-            <a:r>
-              <a:rPr lang="en-US" b="1" dirty="0" smtClean="0"/>
-              <a:t>Closing</a:t>
-            </a:r>
-            <a:endParaRPr lang="en-US" b="1" dirty="0"/>
-          </a:p>
-        </p:txBody>
-      </p:sp>
-      <p:cxnSp>
-        <p:nvCxnSpPr>
-          <p:cNvPr id="29" name="Elbow Connector 28"/>
-          <p:cNvCxnSpPr>
-            <a:stCxn id="21" idx="2"/>
-            <a:endCxn id="26" idx="0"/>
-          </p:cNvCxnSpPr>
-          <p:nvPr/>
-        </p:nvCxnSpPr>
-        <p:spPr>
-          <a:xfrm rot="16200000" flipH="1">
-            <a:off x="6080828" y="3850825"/>
-            <a:ext cx="1151467" cy="620160"/>
-          </a:xfrm>
-          <a:prstGeom prst="bentConnector3">
-            <a:avLst/>
-          </a:prstGeom>
-          <a:ln w="28575">
-            <a:solidFill>
-              <a:schemeClr val="tx1"/>
-            </a:solidFill>
-            <a:tailEnd type="triangle"/>
-          </a:ln>
-        </p:spPr>
-        <p:style>
-          <a:lnRef idx="1">
-            <a:schemeClr val="accent1"/>
-          </a:lnRef>
-          <a:fillRef idx="0">
-            <a:schemeClr val="accent1"/>
-          </a:fillRef>
-          <a:effectRef idx="0">
-            <a:schemeClr val="accent1"/>
-          </a:effectRef>
-          <a:fontRef idx="minor">
-            <a:schemeClr val="tx1"/>
-          </a:fontRef>
-        </p:style>
-      </p:cxnSp>
-    </p:spTree>
-    <p:extLst>
-      <p:ext uri="{BB962C8B-B14F-4D97-AF65-F5344CB8AC3E}">
-        <p14:creationId xmlns:p14="http://schemas.microsoft.com/office/powerpoint/2010/main" val="955712597"/>
-      </p:ext>
-    </p:extLst>
-  </p:cSld>
-  <p:clrMapOvr>
-    <a:masterClrMapping/>
-  </p:clrMapOvr>
-</p:sld>
-</file>
-
-<file path=ppt/slides/slide15.xml><?xml version="1.0" encoding="utf-8"?>
-<p:sld xmlns:a="http://schemas.openxmlformats.org/drawingml/2006/main" xmlns:r="http://schemas.openxmlformats.org/officeDocument/2006/relationships" xmlns:p="http://schemas.openxmlformats.org/presentationml/2006/main">
-  <p:cSld>
-    <p:spTree>
-      <p:nvGrpSpPr>
-        <p:cNvPr id="1" name=""/>
-        <p:cNvGrpSpPr/>
-        <p:nvPr/>
-      </p:nvGrpSpPr>
-      <p:grpSpPr>
-        <a:xfrm>
-          <a:off x="0" y="0"/>
-          <a:ext cx="0" cy="0"/>
-          <a:chOff x="0" y="0"/>
-          <a:chExt cx="0" cy="0"/>
-        </a:xfrm>
-      </p:grpSpPr>
-      <p:sp>
-        <p:nvSpPr>
-          <p:cNvPr id="2" name="Title 1"/>
-          <p:cNvSpPr>
-            <a:spLocks noGrp="1"/>
-          </p:cNvSpPr>
-          <p:nvPr>
             <p:ph type="ctrTitle"/>
           </p:nvPr>
         </p:nvSpPr>
@@ -8069,7 +5313,7 @@
               <a:rPr lang="en-US" dirty="0">
                 <a:hlinkClick r:id="rId2"/>
               </a:rPr>
-              <a:t>https://github.com/rizalarfani/Pengolahan-Citra-Digital-PCD-/blob/master/Latihan/Morphological%20Image%20Proccessing.ipynb</a:t>
+              <a:t>https://github.com/rizalarfani/Pengolahan-Citra-Digital-PCD-/blob/master/Latihan/Spiting%20vidio%20per%20frame.ipynb</a:t>
             </a:r>
             <a:endParaRPr lang="en-US" dirty="0"/>
           </a:p>
@@ -8153,414 +5397,687 @@
             <p:ph type="title"/>
           </p:nvPr>
         </p:nvSpPr>
-        <p:spPr/>
+        <p:spPr>
+          <a:xfrm>
+            <a:off x="609600" y="-18106"/>
+            <a:ext cx="10744200" cy="1228436"/>
+          </a:xfrm>
+        </p:spPr>
         <p:txBody>
           <a:bodyPr/>
           <a:lstStyle/>
           <a:p>
             <a:r>
-              <a:rPr lang="en-US" b="1" dirty="0" err="1" smtClean="0"/>
-              <a:t>Operasi</a:t>
-            </a:r>
-            <a:r>
-              <a:rPr lang="en-US" b="1" dirty="0" smtClean="0"/>
+              <a:rPr lang="en-US" b="1" dirty="0" err="1" smtClean="0">
+                <a:latin typeface="+mn-lt"/>
+              </a:rPr>
+              <a:t>Sudut</a:t>
+            </a:r>
+            <a:r>
+              <a:rPr lang="en-US" b="1" dirty="0" smtClean="0">
+                <a:latin typeface="+mn-lt"/>
+              </a:rPr>
               <a:t> </a:t>
             </a:r>
             <a:r>
-              <a:rPr lang="en-US" b="1" dirty="0" err="1" smtClean="0"/>
-              <a:t>Morfologi</a:t>
-            </a:r>
-            <a:endParaRPr lang="en-US" b="1" dirty="0"/>
-          </a:p>
-        </p:txBody>
-      </p:sp>
-      <p:sp>
-        <p:nvSpPr>
-          <p:cNvPr id="3" name="TextBox 2"/>
-          <p:cNvSpPr txBox="1"/>
+              <a:rPr lang="en-US" b="1" dirty="0" err="1" smtClean="0">
+                <a:latin typeface="+mn-lt"/>
+              </a:rPr>
+              <a:t>pengabilan</a:t>
+            </a:r>
+            <a:r>
+              <a:rPr lang="en-US" b="1" dirty="0">
+                <a:latin typeface="+mn-lt"/>
+              </a:rPr>
+              <a:t> </a:t>
+            </a:r>
+            <a:r>
+              <a:rPr lang="en-US" b="1" dirty="0" err="1" smtClean="0">
+                <a:latin typeface="+mn-lt"/>
+              </a:rPr>
+              <a:t>citra</a:t>
+            </a:r>
+            <a:endParaRPr lang="en-US" b="1" dirty="0">
+              <a:latin typeface="+mn-lt"/>
+            </a:endParaRPr>
+          </a:p>
+        </p:txBody>
+      </p:sp>
+      <p:sp>
+        <p:nvSpPr>
+          <p:cNvPr id="3" name="Rectangle 2"/>
+          <p:cNvSpPr/>
           <p:nvPr/>
         </p:nvSpPr>
         <p:spPr>
           <a:xfrm>
-            <a:off x="742384" y="1765426"/>
-            <a:ext cx="8428777" cy="923330"/>
-          </a:xfrm>
-          <a:prstGeom prst="rect">
-            <a:avLst/>
-          </a:prstGeom>
-          <a:noFill/>
-        </p:spPr>
-        <p:txBody>
-          <a:bodyPr wrap="square" rtlCol="0">
-            <a:spAutoFit/>
-          </a:bodyPr>
-          <a:lstStyle/>
-          <a:p>
-            <a:pPr marL="285750" indent="-285750">
-              <a:buFont typeface="Arial" panose="020B0604020202020204" pitchFamily="34" charset="0"/>
-              <a:buChar char="•"/>
-            </a:pPr>
-            <a:r>
-              <a:rPr lang="en-US" b="1" dirty="0" err="1"/>
-              <a:t>Operasi</a:t>
-            </a:r>
-            <a:r>
-              <a:rPr lang="en-US" b="1" dirty="0"/>
-              <a:t> </a:t>
-            </a:r>
-            <a:r>
-              <a:rPr lang="en-US" b="1" dirty="0" err="1" smtClean="0"/>
-              <a:t>morfologi</a:t>
-            </a:r>
-            <a:r>
-              <a:rPr lang="en-US" b="1" dirty="0" smtClean="0"/>
-              <a:t> </a:t>
-            </a:r>
-            <a:r>
-              <a:rPr lang="sv-SE" dirty="0" smtClean="0"/>
-              <a:t>merupakan </a:t>
-            </a:r>
-            <a:r>
-              <a:rPr lang="sv-SE" dirty="0"/>
-              <a:t>operasi yang umum dikenakan pada citra biner (hitam-putih) untuk mengubah struktur bentuk objek yang terkandung dalam citra. </a:t>
-            </a:r>
-            <a:endParaRPr lang="en-US" dirty="0"/>
-          </a:p>
-        </p:txBody>
-      </p:sp>
-      <p:sp>
-        <p:nvSpPr>
-          <p:cNvPr id="4" name="TextBox 3"/>
-          <p:cNvSpPr txBox="1"/>
-          <p:nvPr/>
-        </p:nvSpPr>
-        <p:spPr>
-          <a:xfrm>
-            <a:off x="742384" y="2688756"/>
-            <a:ext cx="5015619" cy="2308324"/>
-          </a:xfrm>
-          <a:prstGeom prst="rect">
-            <a:avLst/>
-          </a:prstGeom>
-          <a:noFill/>
-        </p:spPr>
-        <p:txBody>
-          <a:bodyPr wrap="square" rtlCol="0">
-            <a:spAutoFit/>
-          </a:bodyPr>
-          <a:lstStyle/>
-          <a:p>
-            <a:r>
-              <a:rPr lang="en-US" dirty="0" err="1" smtClean="0"/>
-              <a:t>Contoh</a:t>
-            </a:r>
-            <a:r>
-              <a:rPr lang="en-US" dirty="0" smtClean="0"/>
-              <a:t> </a:t>
-            </a:r>
-            <a:r>
-              <a:rPr lang="en-US" dirty="0" err="1" smtClean="0"/>
-              <a:t>aplikasi</a:t>
-            </a:r>
-            <a:r>
-              <a:rPr lang="en-US" dirty="0"/>
-              <a:t> </a:t>
-            </a:r>
-            <a:r>
-              <a:rPr lang="en-US" dirty="0" smtClean="0"/>
-              <a:t>/ </a:t>
-            </a:r>
-            <a:r>
-              <a:rPr lang="en-US" dirty="0" err="1" smtClean="0"/>
-              <a:t>operasi</a:t>
-            </a:r>
-            <a:r>
-              <a:rPr lang="en-US" dirty="0" smtClean="0"/>
-              <a:t> </a:t>
-            </a:r>
-            <a:r>
-              <a:rPr lang="en-US" dirty="0" err="1" smtClean="0"/>
-              <a:t>Morfologi</a:t>
-            </a:r>
-            <a:r>
-              <a:rPr lang="en-US" dirty="0" smtClean="0"/>
-              <a:t>: </a:t>
-            </a:r>
-          </a:p>
-          <a:p>
-            <a:pPr marL="285750" indent="-285750" fontAlgn="base">
-              <a:buFont typeface="Arial" panose="020B0604020202020204" pitchFamily="34" charset="0"/>
-              <a:buChar char="•"/>
-            </a:pPr>
-            <a:r>
-              <a:rPr lang="en-US" dirty="0" err="1" smtClean="0"/>
-              <a:t>Menutup</a:t>
-            </a:r>
-            <a:r>
-              <a:rPr lang="en-US" dirty="0" smtClean="0"/>
-              <a:t> </a:t>
-            </a:r>
-            <a:r>
-              <a:rPr lang="en-US" dirty="0" err="1"/>
-              <a:t>lubang</a:t>
-            </a:r>
-            <a:r>
-              <a:rPr lang="en-US" dirty="0"/>
-              <a:t> </a:t>
-            </a:r>
-            <a:r>
-              <a:rPr lang="en-US" dirty="0" err="1"/>
-              <a:t>pada</a:t>
-            </a:r>
-            <a:r>
-              <a:rPr lang="en-US" dirty="0"/>
-              <a:t> </a:t>
-            </a:r>
-            <a:r>
-              <a:rPr lang="en-US" dirty="0" err="1"/>
-              <a:t>citra</a:t>
-            </a:r>
-            <a:endParaRPr lang="en-US" dirty="0"/>
-          </a:p>
-          <a:p>
-            <a:pPr marL="285750" indent="-285750" fontAlgn="base">
-              <a:buFont typeface="Arial" panose="020B0604020202020204" pitchFamily="34" charset="0"/>
-              <a:buChar char="•"/>
-            </a:pPr>
-            <a:r>
-              <a:rPr lang="en-US" dirty="0" err="1"/>
-              <a:t>Memisahkan</a:t>
-            </a:r>
-            <a:r>
-              <a:rPr lang="en-US" dirty="0"/>
-              <a:t> </a:t>
-            </a:r>
-            <a:r>
-              <a:rPr lang="en-US" dirty="0" err="1"/>
-              <a:t>objek</a:t>
-            </a:r>
-            <a:endParaRPr lang="en-US" dirty="0"/>
-          </a:p>
-          <a:p>
-            <a:pPr marL="285750" indent="-285750" fontAlgn="base">
-              <a:buFont typeface="Arial" panose="020B0604020202020204" pitchFamily="34" charset="0"/>
-              <a:buChar char="•"/>
-            </a:pPr>
-            <a:r>
-              <a:rPr lang="en-US" dirty="0" err="1"/>
-              <a:t>Membentuk</a:t>
-            </a:r>
-            <a:r>
-              <a:rPr lang="en-US" dirty="0"/>
-              <a:t> filter </a:t>
-            </a:r>
-            <a:r>
-              <a:rPr lang="en-US" dirty="0" err="1"/>
-              <a:t>spasial</a:t>
-            </a:r>
-            <a:r>
-              <a:rPr lang="en-US" dirty="0"/>
-              <a:t>.</a:t>
-            </a:r>
-          </a:p>
-          <a:p>
-            <a:pPr marL="285750" indent="-285750" fontAlgn="base">
-              <a:buFont typeface="Arial" panose="020B0604020202020204" pitchFamily="34" charset="0"/>
-              <a:buChar char="•"/>
-            </a:pPr>
-            <a:r>
-              <a:rPr lang="en-US" dirty="0" err="1"/>
-              <a:t>Memperoleh</a:t>
-            </a:r>
-            <a:r>
-              <a:rPr lang="en-US" dirty="0"/>
-              <a:t> skeleton (</a:t>
-            </a:r>
-            <a:r>
-              <a:rPr lang="en-US" dirty="0" err="1"/>
-              <a:t>rangka</a:t>
-            </a:r>
-            <a:r>
-              <a:rPr lang="en-US" dirty="0"/>
-              <a:t>) </a:t>
-            </a:r>
-            <a:r>
-              <a:rPr lang="en-US" dirty="0" err="1"/>
-              <a:t>objek</a:t>
-            </a:r>
-            <a:r>
-              <a:rPr lang="en-US" dirty="0"/>
-              <a:t>.</a:t>
-            </a:r>
-          </a:p>
-          <a:p>
-            <a:pPr marL="285750" indent="-285750" fontAlgn="base">
-              <a:buFont typeface="Arial" panose="020B0604020202020204" pitchFamily="34" charset="0"/>
-              <a:buChar char="•"/>
-            </a:pPr>
-            <a:r>
-              <a:rPr lang="en-US" dirty="0" err="1"/>
-              <a:t>Menentukan</a:t>
-            </a:r>
-            <a:r>
-              <a:rPr lang="en-US" dirty="0"/>
-              <a:t> </a:t>
-            </a:r>
-            <a:r>
-              <a:rPr lang="en-US" dirty="0" err="1"/>
-              <a:t>letak</a:t>
-            </a:r>
-            <a:r>
-              <a:rPr lang="en-US" dirty="0"/>
-              <a:t> </a:t>
-            </a:r>
-            <a:r>
-              <a:rPr lang="en-US" dirty="0" err="1"/>
-              <a:t>objek</a:t>
-            </a:r>
-            <a:r>
-              <a:rPr lang="en-US" dirty="0"/>
-              <a:t> di </a:t>
-            </a:r>
-            <a:r>
-              <a:rPr lang="en-US" dirty="0" err="1"/>
-              <a:t>dalam</a:t>
-            </a:r>
-            <a:r>
-              <a:rPr lang="en-US" dirty="0"/>
-              <a:t> </a:t>
-            </a:r>
-            <a:r>
-              <a:rPr lang="en-US" dirty="0" err="1"/>
-              <a:t>citra</a:t>
-            </a:r>
-            <a:r>
-              <a:rPr lang="en-US" dirty="0"/>
-              <a:t>.</a:t>
-            </a:r>
-          </a:p>
-          <a:p>
-            <a:pPr marL="285750" indent="-285750" fontAlgn="base">
-              <a:buFont typeface="Arial" panose="020B0604020202020204" pitchFamily="34" charset="0"/>
-              <a:buChar char="•"/>
-            </a:pPr>
-            <a:r>
-              <a:rPr lang="en-US" dirty="0" err="1"/>
-              <a:t>Memperoleh</a:t>
-            </a:r>
-            <a:r>
-              <a:rPr lang="en-US" dirty="0"/>
-              <a:t> </a:t>
-            </a:r>
-            <a:r>
-              <a:rPr lang="en-US" dirty="0" err="1"/>
-              <a:t>bentuk</a:t>
-            </a:r>
-            <a:r>
-              <a:rPr lang="en-US" dirty="0"/>
-              <a:t> </a:t>
-            </a:r>
-            <a:r>
-              <a:rPr lang="en-US" dirty="0" err="1"/>
-              <a:t>struktur</a:t>
-            </a:r>
-            <a:r>
-              <a:rPr lang="en-US" dirty="0"/>
-              <a:t> </a:t>
-            </a:r>
-            <a:r>
-              <a:rPr lang="en-US" dirty="0" err="1"/>
-              <a:t>objek</a:t>
-            </a:r>
-            <a:r>
-              <a:rPr lang="en-US" dirty="0"/>
-              <a:t>.</a:t>
-            </a:r>
-          </a:p>
-          <a:p>
-            <a:endParaRPr lang="en-US" dirty="0"/>
-          </a:p>
-        </p:txBody>
-      </p:sp>
-      <p:sp>
-        <p:nvSpPr>
-          <p:cNvPr id="6" name="Rectangle 5"/>
-          <p:cNvSpPr/>
-          <p:nvPr/>
-        </p:nvSpPr>
-        <p:spPr>
-          <a:xfrm>
-            <a:off x="5972408" y="3244334"/>
-            <a:ext cx="247184" cy="369332"/>
+            <a:off x="609600" y="1634661"/>
+            <a:ext cx="9711350" cy="2246769"/>
           </a:xfrm>
           <a:prstGeom prst="rect">
             <a:avLst/>
           </a:prstGeom>
         </p:spPr>
         <p:txBody>
-          <a:bodyPr wrap="none">
+          <a:bodyPr wrap="square">
             <a:spAutoFit/>
           </a:bodyPr>
           <a:lstStyle/>
           <a:p>
-            <a:r>
-              <a:rPr lang="en-US" dirty="0"/>
-              <a:t> </a:t>
-            </a:r>
-          </a:p>
-        </p:txBody>
-      </p:sp>
-      <p:pic>
-        <p:nvPicPr>
-          <p:cNvPr id="1028" name="Picture 4" descr="https://lh5.googleusercontent.com/_rv531h6yanfQB3ZWacYk7bYAQxzMtJXisAMQ9uNyZ-_zW1j1k3Can0DJupc9hcGz91Ry2vmfsU0csrc9P7Jrz-D0-5k75Uzj9zGHE59IMJlptn-2pmBP_smpaYNAeoOlf2EBrs7"/>
-          <p:cNvPicPr>
-            <a:picLocks noChangeAspect="1" noChangeArrowheads="1"/>
-          </p:cNvPicPr>
-          <p:nvPr/>
-        </p:nvPicPr>
-        <p:blipFill>
-          <a:blip r:embed="rId2">
-            <a:extLst>
-              <a:ext uri="{28A0092B-C50C-407E-A947-70E740481C1C}">
-                <a14:useLocalDpi xmlns:a14="http://schemas.microsoft.com/office/drawing/2010/main" val="0"/>
-              </a:ext>
-            </a:extLst>
-          </a:blip>
-          <a:srcRect/>
-          <a:stretch>
-            <a:fillRect/>
-          </a:stretch>
-        </p:blipFill>
-        <p:spPr bwMode="auto">
-          <a:xfrm>
-            <a:off x="5753100" y="3031417"/>
-            <a:ext cx="5600700" cy="2771776"/>
-          </a:xfrm>
-          <a:prstGeom prst="rect">
-            <a:avLst/>
-          </a:prstGeom>
-          <a:noFill/>
-          <a:extLst>
-            <a:ext uri="{909E8E84-426E-40DD-AFC4-6F175D3DCCD1}">
-              <a14:hiddenFill xmlns:a14="http://schemas.microsoft.com/office/drawing/2010/main">
+            <a:pPr marL="514350" indent="-514350">
+              <a:buFont typeface="+mj-lt"/>
+              <a:buAutoNum type="arabicPeriod"/>
+            </a:pPr>
+            <a:r>
+              <a:rPr lang="en-US" sz="2800" i="1" dirty="0" err="1" smtClean="0">
                 <a:solidFill>
-                  <a:srgbClr val="FFFFFF"/>
+                  <a:srgbClr val="D24726"/>
                 </a:solidFill>
-              </a14:hiddenFill>
-            </a:ext>
-          </a:extLst>
-        </p:spPr>
-      </p:pic>
+                <a:latin typeface="Arial" panose="020B0604020202020204" pitchFamily="34" charset="0"/>
+                <a:cs typeface="Arial" panose="020B0604020202020204" pitchFamily="34" charset="0"/>
+              </a:rPr>
+              <a:t>Subyektif</a:t>
+            </a:r>
+            <a:r>
+              <a:rPr lang="en-US" sz="2800" dirty="0" smtClean="0">
+                <a:latin typeface="Arial" panose="020B0604020202020204" pitchFamily="34" charset="0"/>
+                <a:cs typeface="Arial" panose="020B0604020202020204" pitchFamily="34" charset="0"/>
+              </a:rPr>
+              <a:t> : </a:t>
+            </a:r>
+            <a:r>
+              <a:rPr lang="en-US" sz="2800" dirty="0" err="1" smtClean="0">
+                <a:latin typeface="Arial" panose="020B0604020202020204" pitchFamily="34" charset="0"/>
+                <a:cs typeface="Arial" panose="020B0604020202020204" pitchFamily="34" charset="0"/>
+              </a:rPr>
+              <a:t>kamera</a:t>
+            </a:r>
+            <a:r>
+              <a:rPr lang="en-US" sz="2800" dirty="0" smtClean="0">
+                <a:latin typeface="Arial" panose="020B0604020202020204" pitchFamily="34" charset="0"/>
+                <a:cs typeface="Arial" panose="020B0604020202020204" pitchFamily="34" charset="0"/>
+              </a:rPr>
+              <a:t> </a:t>
+            </a:r>
+            <a:r>
+              <a:rPr lang="en-US" sz="2800" dirty="0" err="1">
+                <a:latin typeface="Arial" panose="020B0604020202020204" pitchFamily="34" charset="0"/>
+                <a:cs typeface="Arial" panose="020B0604020202020204" pitchFamily="34" charset="0"/>
+              </a:rPr>
+              <a:t>dari</a:t>
+            </a:r>
+            <a:r>
+              <a:rPr lang="en-US" sz="2800" dirty="0">
+                <a:latin typeface="Arial" panose="020B0604020202020204" pitchFamily="34" charset="0"/>
+                <a:cs typeface="Arial" panose="020B0604020202020204" pitchFamily="34" charset="0"/>
+              </a:rPr>
+              <a:t> </a:t>
+            </a:r>
+            <a:r>
+              <a:rPr lang="en-US" sz="2800" dirty="0" err="1">
+                <a:latin typeface="Arial" panose="020B0604020202020204" pitchFamily="34" charset="0"/>
+                <a:cs typeface="Arial" panose="020B0604020202020204" pitchFamily="34" charset="0"/>
+              </a:rPr>
+              <a:t>sudut</a:t>
+            </a:r>
+            <a:r>
+              <a:rPr lang="en-US" sz="2800" dirty="0">
+                <a:latin typeface="Arial" panose="020B0604020202020204" pitchFamily="34" charset="0"/>
+                <a:cs typeface="Arial" panose="020B0604020202020204" pitchFamily="34" charset="0"/>
+              </a:rPr>
+              <a:t> </a:t>
+            </a:r>
+            <a:r>
+              <a:rPr lang="en-US" sz="2800" dirty="0" err="1">
+                <a:latin typeface="Arial" panose="020B0604020202020204" pitchFamily="34" charset="0"/>
+                <a:cs typeface="Arial" panose="020B0604020202020204" pitchFamily="34" charset="0"/>
+              </a:rPr>
+              <a:t>pandang</a:t>
+            </a:r>
+            <a:r>
+              <a:rPr lang="en-US" sz="2800" dirty="0">
+                <a:latin typeface="Arial" panose="020B0604020202020204" pitchFamily="34" charset="0"/>
+                <a:cs typeface="Arial" panose="020B0604020202020204" pitchFamily="34" charset="0"/>
+              </a:rPr>
+              <a:t> </a:t>
+            </a:r>
+            <a:r>
+              <a:rPr lang="en-US" sz="2800" dirty="0" err="1">
+                <a:latin typeface="Arial" panose="020B0604020202020204" pitchFamily="34" charset="0"/>
+                <a:cs typeface="Arial" panose="020B0604020202020204" pitchFamily="34" charset="0"/>
+              </a:rPr>
+              <a:t>penonton</a:t>
+            </a:r>
+            <a:r>
+              <a:rPr lang="en-US" sz="2800" dirty="0">
+                <a:latin typeface="Arial" panose="020B0604020202020204" pitchFamily="34" charset="0"/>
+                <a:cs typeface="Arial" panose="020B0604020202020204" pitchFamily="34" charset="0"/>
+              </a:rPr>
+              <a:t> yang </a:t>
+            </a:r>
+            <a:r>
+              <a:rPr lang="en-US" sz="2800" dirty="0" err="1">
+                <a:latin typeface="Arial" panose="020B0604020202020204" pitchFamily="34" charset="0"/>
+                <a:cs typeface="Arial" panose="020B0604020202020204" pitchFamily="34" charset="0"/>
+              </a:rPr>
+              <a:t>dilibatkan</a:t>
+            </a:r>
+            <a:endParaRPr lang="en-US" sz="2800" dirty="0" smtClean="0">
+              <a:latin typeface="Arial" panose="020B0604020202020204" pitchFamily="34" charset="0"/>
+              <a:cs typeface="Arial" panose="020B0604020202020204" pitchFamily="34" charset="0"/>
+            </a:endParaRPr>
+          </a:p>
+          <a:p>
+            <a:pPr marL="514350" indent="-514350">
+              <a:buFont typeface="+mj-lt"/>
+              <a:buAutoNum type="arabicPeriod"/>
+            </a:pPr>
+            <a:r>
+              <a:rPr lang="en-US" sz="2800" i="1" dirty="0" err="1" smtClean="0">
+                <a:solidFill>
+                  <a:srgbClr val="D24726"/>
+                </a:solidFill>
+                <a:effectLst/>
+                <a:latin typeface="Arial" panose="020B0604020202020204" pitchFamily="34" charset="0"/>
+                <a:ea typeface="Times New Roman" panose="02020603050405020304" pitchFamily="18" charset="0"/>
+                <a:cs typeface="Arial" panose="020B0604020202020204" pitchFamily="34" charset="0"/>
+              </a:rPr>
+              <a:t>Obyektif</a:t>
+            </a:r>
+            <a:r>
+              <a:rPr lang="en-US" sz="2800" i="1" dirty="0" smtClean="0">
+                <a:solidFill>
+                  <a:srgbClr val="D24726"/>
+                </a:solidFill>
+                <a:effectLst/>
+                <a:latin typeface="Arial" panose="020B0604020202020204" pitchFamily="34" charset="0"/>
+                <a:ea typeface="Times New Roman" panose="02020603050405020304" pitchFamily="18" charset="0"/>
+                <a:cs typeface="Arial" panose="020B0604020202020204" pitchFamily="34" charset="0"/>
+              </a:rPr>
+              <a:t> </a:t>
+            </a:r>
+            <a:r>
+              <a:rPr lang="en-US" sz="2800" dirty="0" smtClean="0">
+                <a:effectLst/>
+                <a:latin typeface="Arial" panose="020B0604020202020204" pitchFamily="34" charset="0"/>
+                <a:ea typeface="Times New Roman" panose="02020603050405020304" pitchFamily="18" charset="0"/>
+                <a:cs typeface="Arial" panose="020B0604020202020204" pitchFamily="34" charset="0"/>
+              </a:rPr>
+              <a:t>: </a:t>
+            </a:r>
+            <a:r>
+              <a:rPr lang="en-US" sz="2800" dirty="0" err="1">
+                <a:latin typeface="Arial" panose="020B0604020202020204" pitchFamily="34" charset="0"/>
+                <a:cs typeface="Arial" panose="020B0604020202020204" pitchFamily="34" charset="0"/>
+              </a:rPr>
+              <a:t>kamera</a:t>
+            </a:r>
+            <a:r>
+              <a:rPr lang="en-US" sz="2800" dirty="0">
+                <a:latin typeface="Arial" panose="020B0604020202020204" pitchFamily="34" charset="0"/>
+                <a:cs typeface="Arial" panose="020B0604020202020204" pitchFamily="34" charset="0"/>
+              </a:rPr>
+              <a:t> </a:t>
+            </a:r>
+            <a:r>
+              <a:rPr lang="en-US" sz="2800" dirty="0" err="1">
+                <a:latin typeface="Arial" panose="020B0604020202020204" pitchFamily="34" charset="0"/>
+                <a:cs typeface="Arial" panose="020B0604020202020204" pitchFamily="34" charset="0"/>
+              </a:rPr>
+              <a:t>dari</a:t>
+            </a:r>
+            <a:r>
+              <a:rPr lang="en-US" sz="2800" dirty="0">
+                <a:latin typeface="Arial" panose="020B0604020202020204" pitchFamily="34" charset="0"/>
+                <a:cs typeface="Arial" panose="020B0604020202020204" pitchFamily="34" charset="0"/>
+              </a:rPr>
+              <a:t> </a:t>
+            </a:r>
+            <a:r>
+              <a:rPr lang="en-US" sz="2800" dirty="0" err="1">
+                <a:latin typeface="Arial" panose="020B0604020202020204" pitchFamily="34" charset="0"/>
+                <a:cs typeface="Arial" panose="020B0604020202020204" pitchFamily="34" charset="0"/>
+              </a:rPr>
+              <a:t>sudut</a:t>
+            </a:r>
+            <a:r>
+              <a:rPr lang="en-US" sz="2800" dirty="0">
+                <a:latin typeface="Arial" panose="020B0604020202020204" pitchFamily="34" charset="0"/>
+                <a:cs typeface="Arial" panose="020B0604020202020204" pitchFamily="34" charset="0"/>
+              </a:rPr>
+              <a:t> </a:t>
+            </a:r>
+            <a:r>
+              <a:rPr lang="en-US" sz="2800" dirty="0" err="1">
+                <a:latin typeface="Arial" panose="020B0604020202020204" pitchFamily="34" charset="0"/>
+                <a:cs typeface="Arial" panose="020B0604020202020204" pitchFamily="34" charset="0"/>
+              </a:rPr>
+              <a:t>pandang</a:t>
+            </a:r>
+            <a:r>
+              <a:rPr lang="en-US" sz="2800" dirty="0">
+                <a:latin typeface="Arial" panose="020B0604020202020204" pitchFamily="34" charset="0"/>
+                <a:cs typeface="Arial" panose="020B0604020202020204" pitchFamily="34" charset="0"/>
+              </a:rPr>
+              <a:t> </a:t>
+            </a:r>
+            <a:r>
+              <a:rPr lang="en-US" sz="2800" dirty="0" err="1">
+                <a:latin typeface="Arial" panose="020B0604020202020204" pitchFamily="34" charset="0"/>
+                <a:cs typeface="Arial" panose="020B0604020202020204" pitchFamily="34" charset="0"/>
+              </a:rPr>
+              <a:t>penonton</a:t>
+            </a:r>
+            <a:r>
+              <a:rPr lang="en-US" sz="2800" dirty="0">
+                <a:latin typeface="Arial" panose="020B0604020202020204" pitchFamily="34" charset="0"/>
+                <a:cs typeface="Arial" panose="020B0604020202020204" pitchFamily="34" charset="0"/>
+              </a:rPr>
+              <a:t> outsider, </a:t>
+            </a:r>
+            <a:r>
+              <a:rPr lang="en-US" sz="2800" dirty="0" err="1">
+                <a:latin typeface="Arial" panose="020B0604020202020204" pitchFamily="34" charset="0"/>
+                <a:cs typeface="Arial" panose="020B0604020202020204" pitchFamily="34" charset="0"/>
+              </a:rPr>
+              <a:t>tidak</a:t>
+            </a:r>
+            <a:r>
+              <a:rPr lang="en-US" sz="2800" dirty="0">
+                <a:latin typeface="Arial" panose="020B0604020202020204" pitchFamily="34" charset="0"/>
+                <a:cs typeface="Arial" panose="020B0604020202020204" pitchFamily="34" charset="0"/>
+              </a:rPr>
+              <a:t> </a:t>
+            </a:r>
+            <a:r>
+              <a:rPr lang="en-US" sz="2800" dirty="0" err="1">
+                <a:latin typeface="Arial" panose="020B0604020202020204" pitchFamily="34" charset="0"/>
+                <a:cs typeface="Arial" panose="020B0604020202020204" pitchFamily="34" charset="0"/>
+              </a:rPr>
+              <a:t>dari</a:t>
+            </a:r>
+            <a:r>
+              <a:rPr lang="en-US" sz="2800" dirty="0">
+                <a:latin typeface="Arial" panose="020B0604020202020204" pitchFamily="34" charset="0"/>
+                <a:cs typeface="Arial" panose="020B0604020202020204" pitchFamily="34" charset="0"/>
+              </a:rPr>
+              <a:t> </a:t>
+            </a:r>
+            <a:r>
+              <a:rPr lang="en-US" sz="2800" dirty="0" err="1">
+                <a:latin typeface="Arial" panose="020B0604020202020204" pitchFamily="34" charset="0"/>
+                <a:cs typeface="Arial" panose="020B0604020202020204" pitchFamily="34" charset="0"/>
+              </a:rPr>
+              <a:t>sudut</a:t>
+            </a:r>
+            <a:r>
+              <a:rPr lang="en-US" sz="2800" dirty="0">
+                <a:latin typeface="Arial" panose="020B0604020202020204" pitchFamily="34" charset="0"/>
+                <a:cs typeface="Arial" panose="020B0604020202020204" pitchFamily="34" charset="0"/>
+              </a:rPr>
+              <a:t> </a:t>
+            </a:r>
+            <a:r>
+              <a:rPr lang="en-US" sz="2800" dirty="0" err="1">
+                <a:latin typeface="Arial" panose="020B0604020202020204" pitchFamily="34" charset="0"/>
+                <a:cs typeface="Arial" panose="020B0604020202020204" pitchFamily="34" charset="0"/>
+              </a:rPr>
+              <a:t>pandang</a:t>
+            </a:r>
+            <a:r>
+              <a:rPr lang="en-US" sz="2800" dirty="0">
+                <a:latin typeface="Arial" panose="020B0604020202020204" pitchFamily="34" charset="0"/>
+                <a:cs typeface="Arial" panose="020B0604020202020204" pitchFamily="34" charset="0"/>
+              </a:rPr>
+              <a:t> </a:t>
+            </a:r>
+            <a:r>
+              <a:rPr lang="en-US" sz="2800" dirty="0" err="1">
+                <a:latin typeface="Arial" panose="020B0604020202020204" pitchFamily="34" charset="0"/>
+                <a:cs typeface="Arial" panose="020B0604020202020204" pitchFamily="34" charset="0"/>
+              </a:rPr>
+              <a:t>pemain</a:t>
+            </a:r>
+            <a:r>
+              <a:rPr lang="en-US" sz="2800" dirty="0">
+                <a:latin typeface="Arial" panose="020B0604020202020204" pitchFamily="34" charset="0"/>
+                <a:cs typeface="Arial" panose="020B0604020202020204" pitchFamily="34" charset="0"/>
+              </a:rPr>
+              <a:t> </a:t>
+            </a:r>
+            <a:r>
+              <a:rPr lang="en-US" sz="2800" dirty="0" err="1">
+                <a:latin typeface="Arial" panose="020B0604020202020204" pitchFamily="34" charset="0"/>
+                <a:cs typeface="Arial" panose="020B0604020202020204" pitchFamily="34" charset="0"/>
+              </a:rPr>
+              <a:t>tertentu</a:t>
+            </a:r>
+            <a:endParaRPr lang="en-US" sz="2800" dirty="0" smtClean="0">
+              <a:effectLst/>
+              <a:latin typeface="Arial" panose="020B0604020202020204" pitchFamily="34" charset="0"/>
+              <a:ea typeface="Times New Roman" panose="02020603050405020304" pitchFamily="18" charset="0"/>
+              <a:cs typeface="Arial" panose="020B0604020202020204" pitchFamily="34" charset="0"/>
+            </a:endParaRPr>
+          </a:p>
+          <a:p>
+            <a:pPr marL="514350" indent="-514350">
+              <a:buFont typeface="+mj-lt"/>
+              <a:buAutoNum type="arabicPeriod"/>
+            </a:pPr>
+            <a:r>
+              <a:rPr lang="en-US" sz="2800" i="1" dirty="0" smtClean="0">
+                <a:solidFill>
+                  <a:srgbClr val="D24726"/>
+                </a:solidFill>
+                <a:latin typeface="Arial" panose="020B0604020202020204" pitchFamily="34" charset="0"/>
+                <a:ea typeface="Times New Roman" panose="02020603050405020304" pitchFamily="18" charset="0"/>
+                <a:cs typeface="Arial" panose="020B0604020202020204" pitchFamily="34" charset="0"/>
+              </a:rPr>
+              <a:t>Point of view </a:t>
+            </a:r>
+            <a:r>
+              <a:rPr lang="en-US" sz="2800" dirty="0" smtClean="0">
+                <a:latin typeface="Arial" panose="020B0604020202020204" pitchFamily="34" charset="0"/>
+                <a:ea typeface="Times New Roman" panose="02020603050405020304" pitchFamily="18" charset="0"/>
+                <a:cs typeface="Arial" panose="020B0604020202020204" pitchFamily="34" charset="0"/>
+              </a:rPr>
+              <a:t>: </a:t>
+            </a:r>
+            <a:r>
+              <a:rPr lang="en-US" sz="2800" dirty="0" err="1">
+                <a:latin typeface="Arial" panose="020B0604020202020204" pitchFamily="34" charset="0"/>
+                <a:cs typeface="Arial" panose="020B0604020202020204" pitchFamily="34" charset="0"/>
+              </a:rPr>
+              <a:t>gabungan</a:t>
+            </a:r>
+            <a:r>
+              <a:rPr lang="en-US" sz="2800" dirty="0">
+                <a:latin typeface="Arial" panose="020B0604020202020204" pitchFamily="34" charset="0"/>
+                <a:cs typeface="Arial" panose="020B0604020202020204" pitchFamily="34" charset="0"/>
+              </a:rPr>
+              <a:t> </a:t>
+            </a:r>
+            <a:r>
+              <a:rPr lang="en-US" sz="2800" dirty="0" err="1">
+                <a:latin typeface="Arial" panose="020B0604020202020204" pitchFamily="34" charset="0"/>
+                <a:cs typeface="Arial" panose="020B0604020202020204" pitchFamily="34" charset="0"/>
+              </a:rPr>
+              <a:t>antara</a:t>
+            </a:r>
+            <a:r>
+              <a:rPr lang="en-US" sz="2800" dirty="0">
+                <a:latin typeface="Arial" panose="020B0604020202020204" pitchFamily="34" charset="0"/>
+                <a:cs typeface="Arial" panose="020B0604020202020204" pitchFamily="34" charset="0"/>
+              </a:rPr>
+              <a:t> </a:t>
+            </a:r>
+            <a:r>
+              <a:rPr lang="en-US" sz="2800" dirty="0" err="1">
+                <a:latin typeface="Arial" panose="020B0604020202020204" pitchFamily="34" charset="0"/>
+                <a:cs typeface="Arial" panose="020B0604020202020204" pitchFamily="34" charset="0"/>
+              </a:rPr>
+              <a:t>obyektif</a:t>
+            </a:r>
+            <a:r>
+              <a:rPr lang="en-US" sz="2800" dirty="0">
+                <a:latin typeface="Arial" panose="020B0604020202020204" pitchFamily="34" charset="0"/>
+                <a:cs typeface="Arial" panose="020B0604020202020204" pitchFamily="34" charset="0"/>
+              </a:rPr>
+              <a:t> </a:t>
+            </a:r>
+            <a:r>
+              <a:rPr lang="en-US" sz="2800" dirty="0" err="1">
+                <a:latin typeface="Arial" panose="020B0604020202020204" pitchFamily="34" charset="0"/>
+                <a:cs typeface="Arial" panose="020B0604020202020204" pitchFamily="34" charset="0"/>
+              </a:rPr>
+              <a:t>dan</a:t>
+            </a:r>
+            <a:r>
+              <a:rPr lang="en-US" sz="2800" dirty="0">
+                <a:latin typeface="Arial" panose="020B0604020202020204" pitchFamily="34" charset="0"/>
+                <a:cs typeface="Arial" panose="020B0604020202020204" pitchFamily="34" charset="0"/>
+              </a:rPr>
+              <a:t> </a:t>
+            </a:r>
+            <a:r>
+              <a:rPr lang="en-US" sz="2800" dirty="0" err="1">
+                <a:latin typeface="Arial" panose="020B0604020202020204" pitchFamily="34" charset="0"/>
+                <a:cs typeface="Arial" panose="020B0604020202020204" pitchFamily="34" charset="0"/>
+              </a:rPr>
+              <a:t>subyektif</a:t>
+            </a:r>
+            <a:endParaRPr lang="en-US" sz="2800" dirty="0">
+              <a:effectLst/>
+              <a:latin typeface="Arial" panose="020B0604020202020204" pitchFamily="34" charset="0"/>
+              <a:ea typeface="Times New Roman" panose="02020603050405020304" pitchFamily="18" charset="0"/>
+              <a:cs typeface="Arial" panose="020B0604020202020204" pitchFamily="34" charset="0"/>
+            </a:endParaRPr>
+          </a:p>
+        </p:txBody>
+      </p:sp>
     </p:spTree>
     <p:extLst>
       <p:ext uri="{BB962C8B-B14F-4D97-AF65-F5344CB8AC3E}">
-        <p14:creationId xmlns:p14="http://schemas.microsoft.com/office/powerpoint/2010/main" val="1760299932"/>
+        <p14:creationId xmlns:p14="http://schemas.microsoft.com/office/powerpoint/2010/main" val="747906036"/>
       </p:ext>
     </p:extLst>
   </p:cSld>
   <p:clrMapOvr>
     <a:masterClrMapping/>
   </p:clrMapOvr>
+  <p:timing>
+    <p:tnLst>
+      <p:par>
+        <p:cTn id="1" dur="indefinite" restart="never" nodeType="tmRoot">
+          <p:childTnLst>
+            <p:seq concurrent="1" nextAc="seek">
+              <p:cTn id="2" dur="indefinite" nodeType="mainSeq">
+                <p:childTnLst>
+                  <p:par>
+                    <p:cTn id="3" fill="hold">
+                      <p:stCondLst>
+                        <p:cond delay="indefinite"/>
+                      </p:stCondLst>
+                      <p:childTnLst>
+                        <p:par>
+                          <p:cTn id="4" fill="hold">
+                            <p:stCondLst>
+                              <p:cond delay="0"/>
+                            </p:stCondLst>
+                            <p:childTnLst>
+                              <p:par>
+                                <p:cTn id="5" presetID="22" presetClass="entr" presetSubtype="8" fill="hold" nodeType="clickEffect">
+                                  <p:stCondLst>
+                                    <p:cond delay="0"/>
+                                  </p:stCondLst>
+                                  <p:childTnLst>
+                                    <p:set>
+                                      <p:cBhvr>
+                                        <p:cTn id="6" dur="1" fill="hold">
+                                          <p:stCondLst>
+                                            <p:cond delay="0"/>
+                                          </p:stCondLst>
+                                        </p:cTn>
+                                        <p:tgtEl>
+                                          <p:spTgt spid="3">
+                                            <p:txEl>
+                                              <p:pRg st="0" end="0"/>
+                                            </p:txEl>
+                                          </p:spTgt>
+                                        </p:tgtEl>
+                                        <p:attrNameLst>
+                                          <p:attrName>style.visibility</p:attrName>
+                                        </p:attrNameLst>
+                                      </p:cBhvr>
+                                      <p:to>
+                                        <p:strVal val="visible"/>
+                                      </p:to>
+                                    </p:set>
+                                    <p:animEffect transition="in" filter="wipe(left)">
+                                      <p:cBhvr>
+                                        <p:cTn id="7" dur="500"/>
+                                        <p:tgtEl>
+                                          <p:spTgt spid="3">
+                                            <p:txEl>
+                                              <p:pRg st="0" end="0"/>
+                                            </p:txEl>
+                                          </p:spTgt>
+                                        </p:tgtEl>
+                                      </p:cBhvr>
+                                    </p:animEffect>
+                                  </p:childTnLst>
+                                </p:cTn>
+                              </p:par>
+                            </p:childTnLst>
+                          </p:cTn>
+                        </p:par>
+                      </p:childTnLst>
+                    </p:cTn>
+                  </p:par>
+                  <p:par>
+                    <p:cTn id="8" fill="hold">
+                      <p:stCondLst>
+                        <p:cond delay="indefinite"/>
+                      </p:stCondLst>
+                      <p:childTnLst>
+                        <p:par>
+                          <p:cTn id="9" fill="hold">
+                            <p:stCondLst>
+                              <p:cond delay="0"/>
+                            </p:stCondLst>
+                            <p:childTnLst>
+                              <p:par>
+                                <p:cTn id="10" presetID="22" presetClass="entr" presetSubtype="8" fill="hold" nodeType="clickEffect">
+                                  <p:stCondLst>
+                                    <p:cond delay="0"/>
+                                  </p:stCondLst>
+                                  <p:childTnLst>
+                                    <p:set>
+                                      <p:cBhvr>
+                                        <p:cTn id="11" dur="1" fill="hold">
+                                          <p:stCondLst>
+                                            <p:cond delay="0"/>
+                                          </p:stCondLst>
+                                        </p:cTn>
+                                        <p:tgtEl>
+                                          <p:spTgt spid="3">
+                                            <p:txEl>
+                                              <p:pRg st="1" end="1"/>
+                                            </p:txEl>
+                                          </p:spTgt>
+                                        </p:tgtEl>
+                                        <p:attrNameLst>
+                                          <p:attrName>style.visibility</p:attrName>
+                                        </p:attrNameLst>
+                                      </p:cBhvr>
+                                      <p:to>
+                                        <p:strVal val="visible"/>
+                                      </p:to>
+                                    </p:set>
+                                    <p:animEffect transition="in" filter="wipe(left)">
+                                      <p:cBhvr>
+                                        <p:cTn id="12" dur="500"/>
+                                        <p:tgtEl>
+                                          <p:spTgt spid="3">
+                                            <p:txEl>
+                                              <p:pRg st="1" end="1"/>
+                                            </p:txEl>
+                                          </p:spTgt>
+                                        </p:tgtEl>
+                                      </p:cBhvr>
+                                    </p:animEffect>
+                                  </p:childTnLst>
+                                </p:cTn>
+                              </p:par>
+                            </p:childTnLst>
+                          </p:cTn>
+                        </p:par>
+                      </p:childTnLst>
+                    </p:cTn>
+                  </p:par>
+                  <p:par>
+                    <p:cTn id="13" fill="hold">
+                      <p:stCondLst>
+                        <p:cond delay="indefinite"/>
+                      </p:stCondLst>
+                      <p:childTnLst>
+                        <p:par>
+                          <p:cTn id="14" fill="hold">
+                            <p:stCondLst>
+                              <p:cond delay="0"/>
+                            </p:stCondLst>
+                            <p:childTnLst>
+                              <p:par>
+                                <p:cTn id="15" presetID="22" presetClass="entr" presetSubtype="8" fill="hold" nodeType="clickEffect">
+                                  <p:stCondLst>
+                                    <p:cond delay="0"/>
+                                  </p:stCondLst>
+                                  <p:childTnLst>
+                                    <p:set>
+                                      <p:cBhvr>
+                                        <p:cTn id="16" dur="1" fill="hold">
+                                          <p:stCondLst>
+                                            <p:cond delay="0"/>
+                                          </p:stCondLst>
+                                        </p:cTn>
+                                        <p:tgtEl>
+                                          <p:spTgt spid="3">
+                                            <p:txEl>
+                                              <p:pRg st="2" end="2"/>
+                                            </p:txEl>
+                                          </p:spTgt>
+                                        </p:tgtEl>
+                                        <p:attrNameLst>
+                                          <p:attrName>style.visibility</p:attrName>
+                                        </p:attrNameLst>
+                                      </p:cBhvr>
+                                      <p:to>
+                                        <p:strVal val="visible"/>
+                                      </p:to>
+                                    </p:set>
+                                    <p:animEffect transition="in" filter="wipe(left)">
+                                      <p:cBhvr>
+                                        <p:cTn id="17" dur="500"/>
+                                        <p:tgtEl>
+                                          <p:spTgt spid="3">
+                                            <p:txEl>
+                                              <p:pRg st="2" end="2"/>
+                                            </p:txEl>
+                                          </p:spTgt>
+                                        </p:tgtEl>
+                                      </p:cBhvr>
+                                    </p:animEffect>
+                                  </p:childTnLst>
+                                </p:cTn>
+                              </p:par>
+                            </p:childTnLst>
+                          </p:cTn>
+                        </p:par>
+                      </p:childTnLst>
+                    </p:cTn>
+                  </p:par>
+                </p:childTnLst>
+              </p:cTn>
+              <p:prevCondLst>
+                <p:cond evt="onPrev" delay="0">
+                  <p:tgtEl>
+                    <p:sldTgt/>
+                  </p:tgtEl>
+                </p:cond>
+              </p:prevCondLst>
+              <p:nextCondLst>
+                <p:cond evt="onNext" delay="0">
+                  <p:tgtEl>
+                    <p:sldTgt/>
+                  </p:tgtEl>
+                </p:cond>
+              </p:nextCondLst>
+            </p:seq>
+          </p:childTnLst>
+        </p:cTn>
+      </p:par>
+    </p:tnLst>
+  </p:timing>
 </p:sld>
 </file>
 
@@ -8597,31 +6114,151 @@
           <a:lstStyle/>
           <a:p>
             <a:r>
-              <a:rPr lang="en-US" b="1" dirty="0" err="1"/>
-              <a:t>Operasi</a:t>
-            </a:r>
-            <a:r>
-              <a:rPr lang="en-US" b="1" dirty="0"/>
+              <a:rPr lang="en-US" b="1" dirty="0" err="1" smtClean="0">
+                <a:latin typeface="+mn-lt"/>
+              </a:rPr>
+              <a:t>Sudut</a:t>
+            </a:r>
+            <a:r>
+              <a:rPr lang="en-US" b="1" dirty="0" smtClean="0">
+                <a:latin typeface="+mn-lt"/>
+              </a:rPr>
               <a:t> </a:t>
             </a:r>
             <a:r>
-              <a:rPr lang="en-US" b="1" dirty="0" err="1"/>
-              <a:t>Morfologi</a:t>
-            </a:r>
-            <a:endParaRPr lang="en-US" dirty="0"/>
-          </a:p>
-        </p:txBody>
-      </p:sp>
-      <p:sp>
-        <p:nvSpPr>
-          <p:cNvPr id="3" name="TextBox 2"/>
+              <a:rPr lang="en-US" b="1" dirty="0" err="1" smtClean="0">
+                <a:latin typeface="+mn-lt"/>
+              </a:rPr>
+              <a:t>Kamera</a:t>
+            </a:r>
+            <a:r>
+              <a:rPr lang="en-US" b="1" dirty="0" smtClean="0">
+                <a:latin typeface="+mn-lt"/>
+              </a:rPr>
+              <a:t> </a:t>
+            </a:r>
+            <a:r>
+              <a:rPr lang="en-US" b="1" dirty="0" err="1" smtClean="0">
+                <a:latin typeface="+mn-lt"/>
+              </a:rPr>
+              <a:t>Obyektif</a:t>
+            </a:r>
+            <a:endParaRPr lang="en-US" b="1" dirty="0">
+              <a:latin typeface="+mn-lt"/>
+            </a:endParaRPr>
+          </a:p>
+        </p:txBody>
+      </p:sp>
+      <p:sp>
+        <p:nvSpPr>
+          <p:cNvPr id="4" name="Rectangle 3"/>
+          <p:cNvSpPr/>
+          <p:nvPr/>
+        </p:nvSpPr>
+        <p:spPr>
+          <a:xfrm>
+            <a:off x="899311" y="2764598"/>
+            <a:ext cx="3164562" cy="2246769"/>
+          </a:xfrm>
+          <a:prstGeom prst="rect">
+            <a:avLst/>
+          </a:prstGeom>
+        </p:spPr>
+        <p:txBody>
+          <a:bodyPr wrap="square">
+            <a:spAutoFit/>
+          </a:bodyPr>
+          <a:lstStyle/>
+          <a:p>
+            <a:pPr marL="514350" indent="-514350" algn="just">
+              <a:buFont typeface="+mj-lt"/>
+              <a:buAutoNum type="arabicPeriod"/>
+            </a:pPr>
+            <a:r>
+              <a:rPr lang="en-US" sz="2800" dirty="0" smtClean="0">
+                <a:latin typeface="Arial" panose="020B0604020202020204" pitchFamily="34" charset="0"/>
+                <a:ea typeface="Times New Roman" panose="02020603050405020304" pitchFamily="18" charset="0"/>
+                <a:cs typeface="Times New Roman" panose="02020603050405020304" pitchFamily="18" charset="0"/>
+              </a:rPr>
+              <a:t>Bird eye view</a:t>
+            </a:r>
+          </a:p>
+          <a:p>
+            <a:pPr marL="514350" indent="-514350" algn="just">
+              <a:buFont typeface="+mj-lt"/>
+              <a:buAutoNum type="arabicPeriod"/>
+            </a:pPr>
+            <a:r>
+              <a:rPr lang="en-US" sz="2800" dirty="0" smtClean="0">
+                <a:effectLst/>
+                <a:latin typeface="Arial" panose="020B0604020202020204" pitchFamily="34" charset="0"/>
+                <a:ea typeface="Times New Roman" panose="02020603050405020304" pitchFamily="18" charset="0"/>
+                <a:cs typeface="Times New Roman" panose="02020603050405020304" pitchFamily="18" charset="0"/>
+              </a:rPr>
+              <a:t>High angle</a:t>
+            </a:r>
+          </a:p>
+          <a:p>
+            <a:pPr marL="514350" indent="-514350" algn="just">
+              <a:buFont typeface="+mj-lt"/>
+              <a:buAutoNum type="arabicPeriod"/>
+            </a:pPr>
+            <a:r>
+              <a:rPr lang="en-US" sz="2800" dirty="0" smtClean="0">
+                <a:latin typeface="Arial" panose="020B0604020202020204" pitchFamily="34" charset="0"/>
+                <a:ea typeface="Times New Roman" panose="02020603050405020304" pitchFamily="18" charset="0"/>
+                <a:cs typeface="Times New Roman" panose="02020603050405020304" pitchFamily="18" charset="0"/>
+              </a:rPr>
+              <a:t>Low angle</a:t>
+            </a:r>
+          </a:p>
+          <a:p>
+            <a:pPr marL="514350" indent="-514350" algn="just">
+              <a:buFont typeface="+mj-lt"/>
+              <a:buAutoNum type="arabicPeriod"/>
+            </a:pPr>
+            <a:r>
+              <a:rPr lang="en-US" sz="2800" dirty="0" smtClean="0">
+                <a:effectLst/>
+                <a:latin typeface="Arial" panose="020B0604020202020204" pitchFamily="34" charset="0"/>
+                <a:ea typeface="Times New Roman" panose="02020603050405020304" pitchFamily="18" charset="0"/>
+                <a:cs typeface="Times New Roman" panose="02020603050405020304" pitchFamily="18" charset="0"/>
+              </a:rPr>
+              <a:t>Eye level </a:t>
+            </a:r>
+          </a:p>
+          <a:p>
+            <a:pPr marL="514350" indent="-514350" algn="just">
+              <a:buFont typeface="+mj-lt"/>
+              <a:buAutoNum type="arabicPeriod"/>
+            </a:pPr>
+            <a:r>
+              <a:rPr lang="en-US" sz="2800" dirty="0" smtClean="0">
+                <a:latin typeface="Arial" panose="020B0604020202020204" pitchFamily="34" charset="0"/>
+                <a:ea typeface="Times New Roman" panose="02020603050405020304" pitchFamily="18" charset="0"/>
+                <a:cs typeface="Times New Roman" panose="02020603050405020304" pitchFamily="18" charset="0"/>
+              </a:rPr>
+              <a:t>Frog eye</a:t>
+            </a:r>
+            <a:endParaRPr lang="en-US" sz="2800" dirty="0">
+              <a:effectLst/>
+              <a:latin typeface="Calibri" panose="020F0502020204030204" pitchFamily="34" charset="0"/>
+              <a:ea typeface="Times New Roman" panose="02020603050405020304" pitchFamily="18" charset="0"/>
+              <a:cs typeface="Times New Roman" panose="02020603050405020304" pitchFamily="18" charset="0"/>
+            </a:endParaRPr>
+          </a:p>
+        </p:txBody>
+      </p:sp>
+      <p:sp>
+        <p:nvSpPr>
+          <p:cNvPr id="5" name="TextBox 4"/>
           <p:cNvSpPr txBox="1"/>
           <p:nvPr/>
         </p:nvSpPr>
         <p:spPr>
           <a:xfrm>
-            <a:off x="609600" y="1692998"/>
-            <a:ext cx="9931651" cy="369332"/>
+            <a:off x="609600" y="1696007"/>
+            <a:ext cx="8419723" cy="954107"/>
           </a:xfrm>
           <a:prstGeom prst="rect">
             <a:avLst/>
@@ -8635,276 +6272,160 @@
           <a:lstStyle/>
           <a:p>
             <a:r>
-              <a:rPr lang="en-US" dirty="0" err="1"/>
-              <a:t>Operasi</a:t>
-            </a:r>
-            <a:r>
-              <a:rPr lang="en-US" dirty="0"/>
+              <a:rPr lang="en-US" sz="2800" dirty="0" smtClean="0"/>
+              <a:t>Ada </a:t>
+            </a:r>
+            <a:r>
+              <a:rPr lang="en-US" sz="2800" dirty="0" err="1" smtClean="0"/>
+              <a:t>beberapa</a:t>
+            </a:r>
+            <a:r>
+              <a:rPr lang="en-US" sz="2800" dirty="0" smtClean="0"/>
+              <a:t> macam2 </a:t>
+            </a:r>
+            <a:r>
+              <a:rPr lang="en-US" sz="2800" dirty="0" err="1" smtClean="0"/>
+              <a:t>pengambilan</a:t>
+            </a:r>
+            <a:r>
+              <a:rPr lang="en-US" sz="2800" dirty="0" smtClean="0"/>
               <a:t> </a:t>
             </a:r>
             <a:r>
-              <a:rPr lang="en-US" dirty="0" err="1"/>
-              <a:t>morfologi</a:t>
-            </a:r>
-            <a:r>
-              <a:rPr lang="en-US" dirty="0"/>
+              <a:rPr lang="en-US" sz="2800" dirty="0" err="1" smtClean="0"/>
+              <a:t>dari</a:t>
+            </a:r>
+            <a:r>
+              <a:rPr lang="en-US" sz="2800" dirty="0" smtClean="0"/>
               <a:t> </a:t>
             </a:r>
             <a:r>
-              <a:rPr lang="en-US" dirty="0" err="1"/>
-              <a:t>umumnya</a:t>
-            </a:r>
-            <a:r>
-              <a:rPr lang="en-US" dirty="0"/>
+              <a:rPr lang="en-US" sz="2800" dirty="0" err="1" smtClean="0"/>
+              <a:t>sudut</a:t>
+            </a:r>
+            <a:r>
+              <a:rPr lang="en-US" sz="2800" dirty="0" smtClean="0"/>
               <a:t> </a:t>
             </a:r>
             <a:r>
-              <a:rPr lang="en-US" dirty="0" err="1"/>
-              <a:t>melibatkan</a:t>
-            </a:r>
-            <a:r>
-              <a:rPr lang="en-US" dirty="0"/>
-              <a:t> 2 (</a:t>
-            </a:r>
-            <a:r>
-              <a:rPr lang="en-US" dirty="0" err="1"/>
-              <a:t>dua</a:t>
-            </a:r>
-            <a:r>
-              <a:rPr lang="en-US" dirty="0"/>
-              <a:t>) </a:t>
-            </a:r>
-            <a:r>
-              <a:rPr lang="en-US" dirty="0" err="1"/>
-              <a:t>masukan</a:t>
-            </a:r>
-            <a:r>
-              <a:rPr lang="en-US" dirty="0"/>
-              <a:t>:</a:t>
-            </a:r>
-          </a:p>
-        </p:txBody>
-      </p:sp>
-      <p:sp>
-        <p:nvSpPr>
-          <p:cNvPr id="4" name="TextBox 3"/>
-          <p:cNvSpPr txBox="1"/>
-          <p:nvPr/>
-        </p:nvSpPr>
-        <p:spPr>
-          <a:xfrm>
-            <a:off x="941561" y="2199992"/>
-            <a:ext cx="6274051" cy="1200329"/>
-          </a:xfrm>
-          <a:prstGeom prst="rect">
-            <a:avLst/>
-          </a:prstGeom>
-          <a:noFill/>
-        </p:spPr>
-        <p:txBody>
-          <a:bodyPr wrap="square" rtlCol="0">
-            <a:spAutoFit/>
-          </a:bodyPr>
-          <a:lstStyle/>
-          <a:p>
-            <a:pPr marL="285750" indent="-285750" fontAlgn="base">
-              <a:buFont typeface="Arial" panose="020B0604020202020204" pitchFamily="34" charset="0"/>
-              <a:buChar char="•"/>
-            </a:pPr>
-            <a:r>
-              <a:rPr lang="en-US" dirty="0"/>
-              <a:t>Citra </a:t>
-            </a:r>
-            <a:r>
-              <a:rPr lang="en-US" dirty="0" err="1"/>
-              <a:t>masukan</a:t>
-            </a:r>
-            <a:r>
-              <a:rPr lang="en-US" dirty="0"/>
-              <a:t> yang </a:t>
-            </a:r>
-            <a:r>
-              <a:rPr lang="en-US" dirty="0" err="1"/>
-              <a:t>akan</a:t>
-            </a:r>
-            <a:r>
-              <a:rPr lang="en-US" dirty="0"/>
+              <a:rPr lang="en-US" sz="2800" dirty="0" err="1" smtClean="0"/>
+              <a:t>kamera</a:t>
+            </a:r>
+            <a:r>
+              <a:rPr lang="en-US" sz="2800" dirty="0" smtClean="0"/>
               <a:t> </a:t>
             </a:r>
             <a:r>
-              <a:rPr lang="en-US" dirty="0" err="1"/>
-              <a:t>dikenai</a:t>
-            </a:r>
-            <a:r>
-              <a:rPr lang="en-US" dirty="0"/>
-              <a:t> </a:t>
-            </a:r>
-            <a:r>
-              <a:rPr lang="en-US" dirty="0" err="1"/>
-              <a:t>operasi</a:t>
-            </a:r>
-            <a:r>
-              <a:rPr lang="en-US" dirty="0"/>
-              <a:t> </a:t>
-            </a:r>
-            <a:r>
-              <a:rPr lang="en-US" dirty="0" err="1"/>
-              <a:t>morfologi</a:t>
-            </a:r>
-            <a:endParaRPr lang="en-US" dirty="0"/>
-          </a:p>
-          <a:p>
-            <a:pPr marL="285750" indent="-285750" fontAlgn="base">
-              <a:buFont typeface="Arial" panose="020B0604020202020204" pitchFamily="34" charset="0"/>
-              <a:buChar char="•"/>
-            </a:pPr>
-            <a:r>
-              <a:rPr lang="en-US" dirty="0"/>
-              <a:t>Kernel </a:t>
-            </a:r>
-            <a:r>
-              <a:rPr lang="en-US" dirty="0" err="1"/>
-              <a:t>atau</a:t>
-            </a:r>
-            <a:r>
-              <a:rPr lang="en-US" dirty="0"/>
-              <a:t> </a:t>
-            </a:r>
-            <a:r>
-              <a:rPr lang="en-US" i="1" dirty="0"/>
-              <a:t>structuring element </a:t>
-            </a:r>
-            <a:r>
-              <a:rPr lang="en-US" dirty="0" err="1"/>
-              <a:t>dengan</a:t>
-            </a:r>
-            <a:r>
-              <a:rPr lang="en-US" dirty="0"/>
-              <a:t> </a:t>
-            </a:r>
-            <a:r>
-              <a:rPr lang="en-US" dirty="0" err="1"/>
-              <a:t>sebuah</a:t>
-            </a:r>
-            <a:r>
-              <a:rPr lang="en-US" dirty="0"/>
-              <a:t> </a:t>
-            </a:r>
-            <a:r>
-              <a:rPr lang="en-US" dirty="0" err="1"/>
-              <a:t>titik</a:t>
-            </a:r>
-            <a:r>
-              <a:rPr lang="en-US" dirty="0"/>
-              <a:t> </a:t>
-            </a:r>
-            <a:r>
-              <a:rPr lang="en-US" dirty="0" err="1"/>
-              <a:t>pusat</a:t>
-            </a:r>
-            <a:r>
-              <a:rPr lang="en-US" dirty="0"/>
-              <a:t> (</a:t>
-            </a:r>
-            <a:r>
-              <a:rPr lang="en-US" i="1" dirty="0"/>
-              <a:t>hotspot</a:t>
-            </a:r>
-            <a:r>
-              <a:rPr lang="en-US" dirty="0"/>
-              <a:t>)</a:t>
-            </a:r>
-          </a:p>
-          <a:p>
-            <a:endParaRPr lang="en-US" dirty="0"/>
-          </a:p>
-        </p:txBody>
-      </p:sp>
-      <p:pic>
-        <p:nvPicPr>
-          <p:cNvPr id="2050" name="Picture 2" descr="https://lh5.googleusercontent.com/Cp18a7zY1IyyL292xuftMDh38EfebvY3T7q3Qf0MMM3lisWeBi6ueo-L6_ADH9kxuFFqoBADZWGDe9gGkMl3cGhrG3hETnMkytF8rPG9qVpC7n6PGoxQFcvPNysE_UqjONn1kFoX"/>
-          <p:cNvPicPr>
-            <a:picLocks noChangeAspect="1" noChangeArrowheads="1"/>
-          </p:cNvPicPr>
-          <p:nvPr/>
-        </p:nvPicPr>
-        <p:blipFill>
-          <a:blip r:embed="rId2">
-            <a:extLst>
-              <a:ext uri="{28A0092B-C50C-407E-A947-70E740481C1C}">
-                <a14:useLocalDpi xmlns:a14="http://schemas.microsoft.com/office/drawing/2010/main" val="0"/>
-              </a:ext>
-            </a:extLst>
-          </a:blip>
-          <a:srcRect/>
-          <a:stretch>
-            <a:fillRect/>
-          </a:stretch>
-        </p:blipFill>
-        <p:spPr bwMode="auto">
-          <a:xfrm>
-            <a:off x="1222375" y="3468826"/>
-            <a:ext cx="7197725" cy="2654162"/>
-          </a:xfrm>
-          <a:prstGeom prst="rect">
-            <a:avLst/>
-          </a:prstGeom>
-          <a:noFill/>
-          <a:extLst>
-            <a:ext uri="{909E8E84-426E-40DD-AFC4-6F175D3DCCD1}">
-              <a14:hiddenFill xmlns:a14="http://schemas.microsoft.com/office/drawing/2010/main">
-                <a:solidFill>
-                  <a:srgbClr val="FFFFFF"/>
-                </a:solidFill>
-              </a14:hiddenFill>
-            </a:ext>
-          </a:extLst>
-        </p:spPr>
-      </p:pic>
-      <p:sp>
-        <p:nvSpPr>
-          <p:cNvPr id="6" name="TextBox 5"/>
-          <p:cNvSpPr txBox="1"/>
-          <p:nvPr/>
-        </p:nvSpPr>
-        <p:spPr>
-          <a:xfrm>
-            <a:off x="609600" y="3249908"/>
-            <a:ext cx="9931651" cy="369332"/>
-          </a:xfrm>
-          <a:prstGeom prst="rect">
-            <a:avLst/>
-          </a:prstGeom>
-          <a:noFill/>
-        </p:spPr>
-        <p:txBody>
-          <a:bodyPr wrap="square" rtlCol="0">
-            <a:spAutoFit/>
-          </a:bodyPr>
-          <a:lstStyle/>
-          <a:p>
-            <a:r>
-              <a:rPr lang="en-US" dirty="0" err="1" smtClean="0"/>
-              <a:t>Contoh</a:t>
-            </a:r>
-            <a:r>
-              <a:rPr lang="en-US" dirty="0" smtClean="0"/>
-              <a:t> Kernel</a:t>
-            </a:r>
-            <a:endParaRPr lang="en-US" dirty="0"/>
+              <a:rPr lang="en-US" sz="2800" dirty="0" err="1" smtClean="0"/>
+              <a:t>Obyektif</a:t>
+            </a:r>
+            <a:r>
+              <a:rPr lang="en-US" sz="2800" dirty="0" smtClean="0"/>
+              <a:t>: </a:t>
+            </a:r>
+            <a:endParaRPr lang="en-US" sz="2800" dirty="0"/>
           </a:p>
         </p:txBody>
       </p:sp>
     </p:spTree>
     <p:extLst>
       <p:ext uri="{BB962C8B-B14F-4D97-AF65-F5344CB8AC3E}">
-        <p14:creationId xmlns:p14="http://schemas.microsoft.com/office/powerpoint/2010/main" val="995754570"/>
+        <p14:creationId xmlns:p14="http://schemas.microsoft.com/office/powerpoint/2010/main" val="4087931730"/>
       </p:ext>
     </p:extLst>
   </p:cSld>
   <p:clrMapOvr>
     <a:masterClrMapping/>
   </p:clrMapOvr>
+  <p:timing>
+    <p:tnLst>
+      <p:par>
+        <p:cTn id="1" dur="indefinite" restart="never" nodeType="tmRoot">
+          <p:childTnLst>
+            <p:seq concurrent="1" nextAc="seek">
+              <p:cTn id="2" dur="indefinite" nodeType="mainSeq">
+                <p:childTnLst>
+                  <p:par>
+                    <p:cTn id="3" fill="hold">
+                      <p:stCondLst>
+                        <p:cond delay="indefinite"/>
+                        <p:cond evt="onBegin" delay="0">
+                          <p:tn val="2"/>
+                        </p:cond>
+                      </p:stCondLst>
+                      <p:childTnLst>
+                        <p:par>
+                          <p:cTn id="4" fill="hold">
+                            <p:stCondLst>
+                              <p:cond delay="0"/>
+                            </p:stCondLst>
+                            <p:childTnLst>
+                              <p:par>
+                                <p:cTn id="5" presetID="22" presetClass="entr" presetSubtype="1" fill="hold" grpId="0" nodeType="afterEffect">
+                                  <p:stCondLst>
+                                    <p:cond delay="0"/>
+                                  </p:stCondLst>
+                                  <p:childTnLst>
+                                    <p:set>
+                                      <p:cBhvr>
+                                        <p:cTn id="6" dur="1" fill="hold">
+                                          <p:stCondLst>
+                                            <p:cond delay="0"/>
+                                          </p:stCondLst>
+                                        </p:cTn>
+                                        <p:tgtEl>
+                                          <p:spTgt spid="4"/>
+                                        </p:tgtEl>
+                                        <p:attrNameLst>
+                                          <p:attrName>style.visibility</p:attrName>
+                                        </p:attrNameLst>
+                                      </p:cBhvr>
+                                      <p:to>
+                                        <p:strVal val="visible"/>
+                                      </p:to>
+                                    </p:set>
+                                    <p:animEffect transition="in" filter="wipe(up)">
+                                      <p:cBhvr>
+                                        <p:cTn id="7" dur="500"/>
+                                        <p:tgtEl>
+                                          <p:spTgt spid="4"/>
+                                        </p:tgtEl>
+                                      </p:cBhvr>
+                                    </p:animEffect>
+                                  </p:childTnLst>
+                                </p:cTn>
+                              </p:par>
+                            </p:childTnLst>
+                          </p:cTn>
+                        </p:par>
+                      </p:childTnLst>
+                    </p:cTn>
+                  </p:par>
+                </p:childTnLst>
+              </p:cTn>
+              <p:prevCondLst>
+                <p:cond evt="onPrev" delay="0">
+                  <p:tgtEl>
+                    <p:sldTgt/>
+                  </p:tgtEl>
+                </p:cond>
+              </p:prevCondLst>
+              <p:nextCondLst>
+                <p:cond evt="onNext" delay="0">
+                  <p:tgtEl>
+                    <p:sldTgt/>
+                  </p:tgtEl>
+                </p:cond>
+              </p:nextCondLst>
+            </p:seq>
+          </p:childTnLst>
+        </p:cTn>
+      </p:par>
+    </p:tnLst>
+    <p:bldLst>
+      <p:bldP spid="4" grpId="0"/>
+    </p:bldLst>
+  </p:timing>
 </p:sld>
 </file>
 
@@ -8941,197 +6462,134 @@
           <a:lstStyle/>
           <a:p>
             <a:r>
-              <a:rPr lang="en-US" b="1" dirty="0" err="1" smtClean="0"/>
-              <a:t>Operasi</a:t>
-            </a:r>
-            <a:r>
-              <a:rPr lang="en-US" b="1" dirty="0" smtClean="0"/>
-              <a:t> </a:t>
-            </a:r>
-            <a:r>
-              <a:rPr lang="en-US" b="1" dirty="0" err="1" smtClean="0"/>
-              <a:t>Dilasi</a:t>
-            </a:r>
-            <a:endParaRPr lang="en-US" b="1" dirty="0"/>
-          </a:p>
-        </p:txBody>
-      </p:sp>
-      <p:sp>
-        <p:nvSpPr>
-          <p:cNvPr id="3" name="Title 1"/>
-          <p:cNvSpPr txBox="1">
-            <a:spLocks/>
-          </p:cNvSpPr>
+              <a:rPr lang="en-US" b="1" dirty="0">
+                <a:latin typeface="+mn-lt"/>
+              </a:rPr>
+              <a:t>BIRD EYE VIEW</a:t>
+            </a:r>
+            <a:endParaRPr lang="id-ID" b="1" dirty="0">
+              <a:latin typeface="+mn-lt"/>
+            </a:endParaRPr>
+          </a:p>
+        </p:txBody>
+      </p:sp>
+      <p:sp>
+        <p:nvSpPr>
+          <p:cNvPr id="6" name="Rectangle 5"/>
+          <p:cNvSpPr/>
           <p:nvPr/>
         </p:nvSpPr>
         <p:spPr>
           <a:xfrm>
-            <a:off x="609600" y="-18106"/>
-            <a:ext cx="10744200" cy="1228436"/>
+            <a:off x="609600" y="1600622"/>
+            <a:ext cx="6688969" cy="954107"/>
           </a:xfrm>
           <a:prstGeom prst="rect">
             <a:avLst/>
           </a:prstGeom>
         </p:spPr>
         <p:txBody>
-          <a:bodyPr vert="horz" lIns="91440" tIns="45720" rIns="91440" bIns="45720" rtlCol="0" anchor="b">
-            <a:normAutofit/>
-          </a:bodyPr>
-          <a:lstStyle>
-            <a:lvl1pPr algn="l" defTabSz="914400" rtl="0" eaLnBrk="1" latinLnBrk="0" hangingPunct="1">
-              <a:spcBef>
-                <a:spcPct val="0"/>
-              </a:spcBef>
-              <a:buNone/>
-              <a:defRPr sz="3600" kern="1200">
-                <a:solidFill>
-                  <a:schemeClr val="bg1"/>
-                </a:solidFill>
-                <a:latin typeface="+mj-lt"/>
-                <a:ea typeface="+mj-ea"/>
-                <a:cs typeface="+mj-cs"/>
-              </a:defRPr>
-            </a:lvl1pPr>
-          </a:lstStyle>
-          <a:p>
-            <a:endParaRPr lang="en-US" b="1" dirty="0"/>
-          </a:p>
-        </p:txBody>
-      </p:sp>
-      <p:sp>
-        <p:nvSpPr>
-          <p:cNvPr id="4" name="TextBox 3"/>
-          <p:cNvSpPr txBox="1"/>
-          <p:nvPr/>
-        </p:nvSpPr>
-        <p:spPr>
-          <a:xfrm>
-            <a:off x="609600" y="1801639"/>
-            <a:ext cx="8709434" cy="830997"/>
-          </a:xfrm>
-          <a:prstGeom prst="rect">
-            <a:avLst/>
-          </a:prstGeom>
-          <a:noFill/>
-        </p:spPr>
-        <p:txBody>
-          <a:bodyPr wrap="square" rtlCol="0">
+          <a:bodyPr wrap="square">
             <a:spAutoFit/>
           </a:bodyPr>
           <a:lstStyle/>
           <a:p>
-            <a:pPr marL="342900" indent="-342900">
-              <a:buFont typeface="Arial" panose="020B0604020202020204" pitchFamily="34" charset="0"/>
-              <a:buChar char="•"/>
-            </a:pPr>
-            <a:r>
-              <a:rPr lang="en-US" sz="2400" dirty="0" err="1"/>
-              <a:t>Operasi</a:t>
-            </a:r>
-            <a:r>
-              <a:rPr lang="en-US" sz="2400" dirty="0"/>
+            <a:r>
+              <a:rPr lang="en-US" sz="2800" dirty="0" err="1" smtClean="0">
+                <a:latin typeface="Arial" panose="020B0604020202020204" pitchFamily="34" charset="0"/>
+                <a:ea typeface="Times New Roman" panose="02020603050405020304" pitchFamily="18" charset="0"/>
+              </a:rPr>
+              <a:t>Ketinggian</a:t>
+            </a:r>
+            <a:r>
+              <a:rPr lang="en-US" sz="2800" dirty="0" smtClean="0">
+                <a:latin typeface="Arial" panose="020B0604020202020204" pitchFamily="34" charset="0"/>
+                <a:ea typeface="Times New Roman" panose="02020603050405020304" pitchFamily="18" charset="0"/>
+              </a:rPr>
               <a:t> </a:t>
             </a:r>
             <a:r>
-              <a:rPr lang="en-US" sz="2400" dirty="0" err="1"/>
-              <a:t>dilasi</a:t>
-            </a:r>
-            <a:r>
-              <a:rPr lang="en-US" sz="2400" dirty="0"/>
+              <a:rPr lang="en-US" sz="2800" dirty="0" err="1">
+                <a:latin typeface="Arial" panose="020B0604020202020204" pitchFamily="34" charset="0"/>
+                <a:ea typeface="Times New Roman" panose="02020603050405020304" pitchFamily="18" charset="0"/>
+              </a:rPr>
+              <a:t>kamera</a:t>
+            </a:r>
+            <a:r>
+              <a:rPr lang="en-US" sz="2800" dirty="0">
+                <a:latin typeface="Arial" panose="020B0604020202020204" pitchFamily="34" charset="0"/>
+                <a:ea typeface="Times New Roman" panose="02020603050405020304" pitchFamily="18" charset="0"/>
+              </a:rPr>
               <a:t> </a:t>
             </a:r>
             <a:r>
-              <a:rPr lang="en-US" sz="2400" dirty="0" err="1"/>
-              <a:t>biasa</a:t>
-            </a:r>
-            <a:r>
-              <a:rPr lang="en-US" sz="2400" dirty="0"/>
+              <a:rPr lang="en-US" sz="2800" dirty="0" err="1">
+                <a:latin typeface="Arial" panose="020B0604020202020204" pitchFamily="34" charset="0"/>
+                <a:ea typeface="Times New Roman" panose="02020603050405020304" pitchFamily="18" charset="0"/>
+              </a:rPr>
+              <a:t>berada</a:t>
+            </a:r>
+            <a:r>
+              <a:rPr lang="en-US" sz="2800" dirty="0">
+                <a:latin typeface="Arial" panose="020B0604020202020204" pitchFamily="34" charset="0"/>
+                <a:ea typeface="Times New Roman" panose="02020603050405020304" pitchFamily="18" charset="0"/>
+              </a:rPr>
+              <a:t> di </a:t>
+            </a:r>
+            <a:r>
+              <a:rPr lang="en-US" sz="2800" dirty="0" err="1">
+                <a:latin typeface="Arial" panose="020B0604020202020204" pitchFamily="34" charset="0"/>
+                <a:ea typeface="Times New Roman" panose="02020603050405020304" pitchFamily="18" charset="0"/>
+              </a:rPr>
+              <a:t>atas</a:t>
+            </a:r>
+            <a:r>
+              <a:rPr lang="en-US" sz="2800" dirty="0">
+                <a:latin typeface="Arial" panose="020B0604020202020204" pitchFamily="34" charset="0"/>
+                <a:ea typeface="Times New Roman" panose="02020603050405020304" pitchFamily="18" charset="0"/>
+              </a:rPr>
               <a:t> </a:t>
             </a:r>
             <a:r>
-              <a:rPr lang="en-US" sz="2400" dirty="0" err="1"/>
-              <a:t>dipakai</a:t>
-            </a:r>
-            <a:r>
-              <a:rPr lang="en-US" sz="2400" dirty="0"/>
+              <a:rPr lang="en-US" sz="2800" dirty="0" err="1">
+                <a:latin typeface="Arial" panose="020B0604020202020204" pitchFamily="34" charset="0"/>
+                <a:ea typeface="Times New Roman" panose="02020603050405020304" pitchFamily="18" charset="0"/>
+              </a:rPr>
+              <a:t>ketinggian</a:t>
+            </a:r>
+            <a:r>
+              <a:rPr lang="en-US" sz="2800" dirty="0">
+                <a:latin typeface="Arial" panose="020B0604020202020204" pitchFamily="34" charset="0"/>
+                <a:ea typeface="Times New Roman" panose="02020603050405020304" pitchFamily="18" charset="0"/>
+              </a:rPr>
               <a:t> </a:t>
             </a:r>
             <a:r>
-              <a:rPr lang="en-US" sz="2400" dirty="0" err="1"/>
-              <a:t>untuk</a:t>
-            </a:r>
-            <a:r>
-              <a:rPr lang="en-US" sz="2400" dirty="0"/>
-              <a:t> </a:t>
-            </a:r>
-            <a:r>
-              <a:rPr lang="en-US" sz="2400" dirty="0" err="1"/>
-              <a:t>mendapatkan</a:t>
-            </a:r>
-            <a:r>
-              <a:rPr lang="en-US" sz="2400" dirty="0"/>
-              <a:t> </a:t>
-            </a:r>
-            <a:r>
-              <a:rPr lang="en-US" sz="2400" dirty="0" err="1"/>
-              <a:t>efek</a:t>
-            </a:r>
-            <a:r>
-              <a:rPr lang="en-US" sz="2400" dirty="0"/>
-              <a:t> </a:t>
-            </a:r>
-            <a:r>
-              <a:rPr lang="en-US" sz="2400" dirty="0" err="1"/>
-              <a:t>pelebaran</a:t>
-            </a:r>
-            <a:r>
-              <a:rPr lang="en-US" sz="2400" dirty="0"/>
-              <a:t> </a:t>
-            </a:r>
-            <a:r>
-              <a:rPr lang="en-US" sz="2400" dirty="0" err="1"/>
-              <a:t>terhadap</a:t>
-            </a:r>
-            <a:r>
-              <a:rPr lang="en-US" sz="2400" dirty="0"/>
-              <a:t> </a:t>
-            </a:r>
-            <a:r>
-              <a:rPr lang="en-US" sz="2400" dirty="0" err="1"/>
-              <a:t>piksel</a:t>
-            </a:r>
-            <a:r>
-              <a:rPr lang="en-US" sz="2400" dirty="0"/>
-              <a:t> yang </a:t>
-            </a:r>
-            <a:r>
-              <a:rPr lang="en-US" sz="2400" dirty="0" err="1"/>
-              <a:t>bernilai</a:t>
-            </a:r>
-            <a:r>
-              <a:rPr lang="en-US" sz="2400" dirty="0"/>
-              <a:t> 1.</a:t>
-            </a:r>
-            <a:endParaRPr lang="en-US" sz="2400" dirty="0"/>
+              <a:rPr lang="en-US" sz="2800" dirty="0" err="1">
+                <a:latin typeface="Arial" panose="020B0604020202020204" pitchFamily="34" charset="0"/>
+                <a:ea typeface="Times New Roman" panose="02020603050405020304" pitchFamily="18" charset="0"/>
+              </a:rPr>
+              <a:t>objek</a:t>
+            </a:r>
+            <a:r>
+              <a:rPr lang="en-US" sz="2800" dirty="0">
+                <a:latin typeface="Arial" panose="020B0604020202020204" pitchFamily="34" charset="0"/>
+                <a:ea typeface="Times New Roman" panose="02020603050405020304" pitchFamily="18" charset="0"/>
+              </a:rPr>
+              <a:t>. </a:t>
+            </a:r>
+            <a:endParaRPr lang="en-US" sz="2800" dirty="0"/>
           </a:p>
         </p:txBody>
       </p:sp>
       <p:pic>
         <p:nvPicPr>
-          <p:cNvPr id="1026" name="Picture 2" descr="https://lh6.googleusercontent.com/agpKp90xp1Hc8DP3sk0ToLP1geA3pZwS_frEhzmHKTkrtZsaZIi3dkZEQGhJEnx7UpV0NKFOiJZJ9MAsIGsEEDk2sGu6xbOJ2hQrGu7Xvzf2eJp6PgqhutqLhPlt1SUHAnvF94hX"/>
-          <p:cNvPicPr>
-            <a:picLocks noChangeAspect="1" noChangeArrowheads="1"/>
-          </p:cNvPicPr>
+          <p:cNvPr id="7" name="Picture 6" descr="http://yorkphotoblog.files.wordpress.com/2013/01/birds-eye.jpg"/>
+          <p:cNvPicPr/>
           <p:nvPr/>
         </p:nvPicPr>
         <p:blipFill>
-          <a:blip r:embed="rId2">
-            <a:extLst>
-              <a:ext uri="{28A0092B-C50C-407E-A947-70E740481C1C}">
-                <a14:useLocalDpi xmlns:a14="http://schemas.microsoft.com/office/drawing/2010/main" val="0"/>
-              </a:ext>
-            </a:extLst>
-          </a:blip>
+          <a:blip r:embed="rId2" cstate="print"/>
           <a:srcRect/>
           <a:stretch>
             <a:fillRect/>
@@ -9139,123 +6597,161 @@
         </p:blipFill>
         <p:spPr bwMode="auto">
           <a:xfrm>
-            <a:off x="1079029" y="2743200"/>
-            <a:ext cx="3776907" cy="3782989"/>
+            <a:off x="672788" y="2691524"/>
+            <a:ext cx="6562591" cy="3048373"/>
           </a:xfrm>
           <a:prstGeom prst="rect">
             <a:avLst/>
           </a:prstGeom>
           <a:noFill/>
-          <a:extLst>
-            <a:ext uri="{909E8E84-426E-40DD-AFC4-6F175D3DCCD1}">
-              <a14:hiddenFill xmlns:a14="http://schemas.microsoft.com/office/drawing/2010/main">
-                <a:solidFill>
-                  <a:srgbClr val="FFFFFF"/>
-                </a:solidFill>
-              </a14:hiddenFill>
-            </a:ext>
-          </a:extLst>
+          <a:ln w="9525">
+            <a:noFill/>
+            <a:miter lim="800000"/>
+            <a:headEnd/>
+            <a:tailEnd/>
+          </a:ln>
         </p:spPr>
       </p:pic>
-      <p:sp>
-        <p:nvSpPr>
-          <p:cNvPr id="5" name="Rectangle 4"/>
-          <p:cNvSpPr/>
-          <p:nvPr/>
-        </p:nvSpPr>
-        <p:spPr>
-          <a:xfrm>
-            <a:off x="5389830" y="3455873"/>
-            <a:ext cx="1342553" cy="646331"/>
-          </a:xfrm>
-          <a:prstGeom prst="rect">
-            <a:avLst/>
-          </a:prstGeom>
-        </p:spPr>
-        <p:txBody>
-          <a:bodyPr wrap="square">
-            <a:spAutoFit/>
-          </a:bodyPr>
-          <a:lstStyle/>
-          <a:p>
-            <a:r>
-              <a:rPr lang="en-US" sz="3600" dirty="0">
-                <a:solidFill>
-                  <a:srgbClr val="000000"/>
-                </a:solidFill>
-                <a:latin typeface="Arial" panose="020B0604020202020204" pitchFamily="34" charset="0"/>
-              </a:rPr>
-              <a:t>A⊕</a:t>
-            </a:r>
-            <a:r>
-              <a:rPr lang="en-US" sz="3600" dirty="0" smtClean="0">
-                <a:solidFill>
-                  <a:srgbClr val="000000"/>
-                </a:solidFill>
-                <a:latin typeface="Arial" panose="020B0604020202020204" pitchFamily="34" charset="0"/>
-              </a:rPr>
-              <a:t>B</a:t>
-            </a:r>
-            <a:endParaRPr lang="en-US" sz="3600" dirty="0"/>
-          </a:p>
-        </p:txBody>
-      </p:sp>
-      <p:sp>
-        <p:nvSpPr>
-          <p:cNvPr id="6" name="TextBox 5"/>
-          <p:cNvSpPr txBox="1"/>
-          <p:nvPr/>
-        </p:nvSpPr>
-        <p:spPr>
-          <a:xfrm>
-            <a:off x="5389830" y="2975005"/>
-            <a:ext cx="3929204" cy="461665"/>
-          </a:xfrm>
-          <a:prstGeom prst="rect">
-            <a:avLst/>
-          </a:prstGeom>
-          <a:noFill/>
-        </p:spPr>
-        <p:txBody>
-          <a:bodyPr wrap="square" rtlCol="0">
-            <a:spAutoFit/>
-          </a:bodyPr>
-          <a:lstStyle/>
-          <a:p>
-            <a:r>
-              <a:rPr lang="en-US" sz="2400" dirty="0" err="1" smtClean="0"/>
-              <a:t>Simbol</a:t>
-            </a:r>
-            <a:r>
-              <a:rPr lang="en-US" sz="2400" dirty="0" smtClean="0"/>
-              <a:t> </a:t>
-            </a:r>
-            <a:r>
-              <a:rPr lang="en-US" sz="2400" dirty="0" err="1" smtClean="0"/>
-              <a:t>Operasi</a:t>
-            </a:r>
-            <a:r>
-              <a:rPr lang="en-US" sz="2400" dirty="0" smtClean="0"/>
-              <a:t> </a:t>
-            </a:r>
-            <a:r>
-              <a:rPr lang="en-US" sz="2400" dirty="0" err="1" smtClean="0"/>
-              <a:t>Dilasi</a:t>
-            </a:r>
-            <a:endParaRPr lang="en-US" sz="2400" dirty="0"/>
-          </a:p>
-        </p:txBody>
-      </p:sp>
     </p:spTree>
     <p:extLst>
       <p:ext uri="{BB962C8B-B14F-4D97-AF65-F5344CB8AC3E}">
-        <p14:creationId xmlns:p14="http://schemas.microsoft.com/office/powerpoint/2010/main" val="2526449143"/>
+        <p14:creationId xmlns:p14="http://schemas.microsoft.com/office/powerpoint/2010/main" val="894180670"/>
       </p:ext>
     </p:extLst>
   </p:cSld>
   <p:clrMapOvr>
     <a:masterClrMapping/>
   </p:clrMapOvr>
+  <p:timing>
+    <p:tnLst>
+      <p:par>
+        <p:cTn id="1" dur="indefinite" restart="never" nodeType="tmRoot">
+          <p:childTnLst>
+            <p:seq concurrent="1" nextAc="seek">
+              <p:cTn id="2" dur="indefinite" nodeType="mainSeq">
+                <p:childTnLst>
+                  <p:par>
+                    <p:cTn id="3" fill="hold">
+                      <p:stCondLst>
+                        <p:cond delay="indefinite"/>
+                      </p:stCondLst>
+                      <p:childTnLst>
+                        <p:par>
+                          <p:cTn id="4" fill="hold">
+                            <p:stCondLst>
+                              <p:cond delay="0"/>
+                            </p:stCondLst>
+                            <p:childTnLst>
+                              <p:par>
+                                <p:cTn id="5" presetID="22" presetClass="entr" presetSubtype="8" fill="hold" grpId="0" nodeType="clickEffect">
+                                  <p:stCondLst>
+                                    <p:cond delay="0"/>
+                                  </p:stCondLst>
+                                  <p:childTnLst>
+                                    <p:set>
+                                      <p:cBhvr>
+                                        <p:cTn id="6" dur="1" fill="hold">
+                                          <p:stCondLst>
+                                            <p:cond delay="0"/>
+                                          </p:stCondLst>
+                                        </p:cTn>
+                                        <p:tgtEl>
+                                          <p:spTgt spid="6"/>
+                                        </p:tgtEl>
+                                        <p:attrNameLst>
+                                          <p:attrName>style.visibility</p:attrName>
+                                        </p:attrNameLst>
+                                      </p:cBhvr>
+                                      <p:to>
+                                        <p:strVal val="visible"/>
+                                      </p:to>
+                                    </p:set>
+                                    <p:animEffect transition="in" filter="wipe(left)">
+                                      <p:cBhvr>
+                                        <p:cTn id="7" dur="500"/>
+                                        <p:tgtEl>
+                                          <p:spTgt spid="6"/>
+                                        </p:tgtEl>
+                                      </p:cBhvr>
+                                    </p:animEffect>
+                                  </p:childTnLst>
+                                </p:cTn>
+                              </p:par>
+                            </p:childTnLst>
+                          </p:cTn>
+                        </p:par>
+                        <p:par>
+                          <p:cTn id="8" fill="hold">
+                            <p:stCondLst>
+                              <p:cond delay="500"/>
+                            </p:stCondLst>
+                            <p:childTnLst>
+                              <p:par>
+                                <p:cTn id="9" presetID="22" presetClass="entr" presetSubtype="1" fill="hold" nodeType="afterEffect">
+                                  <p:stCondLst>
+                                    <p:cond delay="0"/>
+                                  </p:stCondLst>
+                                  <p:childTnLst>
+                                    <p:set>
+                                      <p:cBhvr>
+                                        <p:cTn id="10" dur="1" fill="hold">
+                                          <p:stCondLst>
+                                            <p:cond delay="0"/>
+                                          </p:stCondLst>
+                                        </p:cTn>
+                                        <p:tgtEl>
+                                          <p:spTgt spid="7"/>
+                                        </p:tgtEl>
+                                        <p:attrNameLst>
+                                          <p:attrName>style.visibility</p:attrName>
+                                        </p:attrNameLst>
+                                      </p:cBhvr>
+                                      <p:to>
+                                        <p:strVal val="visible"/>
+                                      </p:to>
+                                    </p:set>
+                                    <p:animEffect transition="in" filter="wipe(up)">
+                                      <p:cBhvr>
+                                        <p:cTn id="11" dur="500"/>
+                                        <p:tgtEl>
+                                          <p:spTgt spid="7"/>
+                                        </p:tgtEl>
+                                      </p:cBhvr>
+                                    </p:animEffect>
+                                  </p:childTnLst>
+                                </p:cTn>
+                              </p:par>
+                            </p:childTnLst>
+                          </p:cTn>
+                        </p:par>
+                      </p:childTnLst>
+                    </p:cTn>
+                  </p:par>
+                </p:childTnLst>
+              </p:cTn>
+              <p:prevCondLst>
+                <p:cond evt="onPrev" delay="0">
+                  <p:tgtEl>
+                    <p:sldTgt/>
+                  </p:tgtEl>
+                </p:cond>
+              </p:prevCondLst>
+              <p:nextCondLst>
+                <p:cond evt="onNext" delay="0">
+                  <p:tgtEl>
+                    <p:sldTgt/>
+                  </p:tgtEl>
+                </p:cond>
+              </p:nextCondLst>
+            </p:seq>
+          </p:childTnLst>
+        </p:cTn>
+      </p:par>
+    </p:tnLst>
+    <p:bldLst>
+      <p:bldP spid="6" grpId="0"/>
+    </p:bldLst>
+  </p:timing>
 </p:sld>
 </file>
 
@@ -9292,504 +6788,388 @@
           <a:lstStyle/>
           <a:p>
             <a:r>
-              <a:rPr lang="en-US" b="1" dirty="0" err="1"/>
-              <a:t>Operasi</a:t>
-            </a:r>
-            <a:r>
-              <a:rPr lang="en-US" b="1" dirty="0"/>
-              <a:t> </a:t>
-            </a:r>
-            <a:r>
-              <a:rPr lang="en-US" b="1" dirty="0" err="1"/>
-              <a:t>Dilasi</a:t>
-            </a:r>
-            <a:endParaRPr lang="en-US" dirty="0"/>
-          </a:p>
-        </p:txBody>
-      </p:sp>
-      <p:pic>
-        <p:nvPicPr>
-          <p:cNvPr id="3" name="Picture 2"/>
-          <p:cNvPicPr>
-            <a:picLocks noChangeAspect="1"/>
-          </p:cNvPicPr>
+              <a:rPr lang="en-US" b="1" dirty="0">
+                <a:latin typeface="+mn-lt"/>
+                <a:ea typeface="Times New Roman" panose="02020603050405020304" pitchFamily="18" charset="0"/>
+                <a:cs typeface="Times New Roman" panose="02020603050405020304" pitchFamily="18" charset="0"/>
+              </a:rPr>
+              <a:t>Low </a:t>
+            </a:r>
+            <a:r>
+              <a:rPr lang="en-US" b="1" dirty="0" smtClean="0">
+                <a:latin typeface="+mn-lt"/>
+                <a:ea typeface="Times New Roman" panose="02020603050405020304" pitchFamily="18" charset="0"/>
+                <a:cs typeface="Times New Roman" panose="02020603050405020304" pitchFamily="18" charset="0"/>
+              </a:rPr>
+              <a:t>angle</a:t>
+            </a:r>
+            <a:endParaRPr lang="id-ID" b="1" dirty="0">
+              <a:latin typeface="+mn-lt"/>
+            </a:endParaRPr>
+          </a:p>
+        </p:txBody>
+      </p:sp>
+      <p:sp>
+        <p:nvSpPr>
+          <p:cNvPr id="5" name="Rectangle 4"/>
+          <p:cNvSpPr/>
           <p:nvPr/>
-        </p:nvPicPr>
-        <p:blipFill>
-          <a:blip r:embed="rId2"/>
-          <a:stretch>
-            <a:fillRect/>
-          </a:stretch>
-        </p:blipFill>
+        </p:nvSpPr>
         <p:spPr>
           <a:xfrm>
-            <a:off x="609600" y="1699913"/>
-            <a:ext cx="5797285" cy="1568387"/>
+            <a:off x="526642" y="1477812"/>
+            <a:ext cx="8074149" cy="892552"/>
           </a:xfrm>
           <a:prstGeom prst="rect">
             <a:avLst/>
           </a:prstGeom>
         </p:spPr>
-      </p:pic>
-      <p:cxnSp>
-        <p:nvCxnSpPr>
-          <p:cNvPr id="5" name="Straight Arrow Connector 4"/>
-          <p:cNvCxnSpPr>
-            <a:stCxn id="3" idx="3"/>
-            <a:endCxn id="6" idx="1"/>
-          </p:cNvCxnSpPr>
+        <p:txBody>
+          <a:bodyPr wrap="square">
+            <a:spAutoFit/>
+          </a:bodyPr>
+          <a:lstStyle/>
+          <a:p>
+            <a:r>
+              <a:rPr lang="en-US" sz="2600" dirty="0" err="1">
+                <a:latin typeface="Arial" panose="020B0604020202020204" pitchFamily="34" charset="0"/>
+                <a:cs typeface="Arial" panose="020B0604020202020204" pitchFamily="34" charset="0"/>
+              </a:rPr>
+              <a:t>Sudut</a:t>
+            </a:r>
+            <a:r>
+              <a:rPr lang="en-US" sz="2600" dirty="0">
+                <a:latin typeface="Arial" panose="020B0604020202020204" pitchFamily="34" charset="0"/>
+                <a:cs typeface="Arial" panose="020B0604020202020204" pitchFamily="34" charset="0"/>
+              </a:rPr>
+              <a:t> </a:t>
+            </a:r>
+            <a:r>
+              <a:rPr lang="en-US" sz="2600" dirty="0" err="1">
+                <a:latin typeface="Arial" panose="020B0604020202020204" pitchFamily="34" charset="0"/>
+                <a:cs typeface="Arial" panose="020B0604020202020204" pitchFamily="34" charset="0"/>
+              </a:rPr>
+              <a:t>pengambilan</a:t>
+            </a:r>
+            <a:r>
+              <a:rPr lang="en-US" sz="2600" dirty="0">
+                <a:latin typeface="Arial" panose="020B0604020202020204" pitchFamily="34" charset="0"/>
+                <a:cs typeface="Arial" panose="020B0604020202020204" pitchFamily="34" charset="0"/>
+              </a:rPr>
+              <a:t> </a:t>
+            </a:r>
+            <a:r>
+              <a:rPr lang="en-US" sz="2600" dirty="0" err="1">
+                <a:latin typeface="Arial" panose="020B0604020202020204" pitchFamily="34" charset="0"/>
+                <a:cs typeface="Arial" panose="020B0604020202020204" pitchFamily="34" charset="0"/>
+              </a:rPr>
+              <a:t>dari</a:t>
+            </a:r>
+            <a:r>
+              <a:rPr lang="en-US" sz="2600" dirty="0">
+                <a:latin typeface="Arial" panose="020B0604020202020204" pitchFamily="34" charset="0"/>
+                <a:cs typeface="Arial" panose="020B0604020202020204" pitchFamily="34" charset="0"/>
+              </a:rPr>
+              <a:t> </a:t>
+            </a:r>
+            <a:r>
+              <a:rPr lang="en-US" sz="2600" dirty="0" err="1">
+                <a:latin typeface="Arial" panose="020B0604020202020204" pitchFamily="34" charset="0"/>
+                <a:cs typeface="Arial" panose="020B0604020202020204" pitchFamily="34" charset="0"/>
+              </a:rPr>
+              <a:t>arah</a:t>
+            </a:r>
+            <a:r>
+              <a:rPr lang="en-US" sz="2600" dirty="0">
+                <a:latin typeface="Arial" panose="020B0604020202020204" pitchFamily="34" charset="0"/>
+                <a:cs typeface="Arial" panose="020B0604020202020204" pitchFamily="34" charset="0"/>
+              </a:rPr>
+              <a:t> </a:t>
+            </a:r>
+            <a:r>
+              <a:rPr lang="en-US" sz="2600" dirty="0" err="1">
+                <a:latin typeface="Arial" panose="020B0604020202020204" pitchFamily="34" charset="0"/>
+                <a:cs typeface="Arial" panose="020B0604020202020204" pitchFamily="34" charset="0"/>
+              </a:rPr>
+              <a:t>bawah</a:t>
+            </a:r>
+            <a:r>
+              <a:rPr lang="en-US" sz="2600" dirty="0">
+                <a:latin typeface="Arial" panose="020B0604020202020204" pitchFamily="34" charset="0"/>
+                <a:cs typeface="Arial" panose="020B0604020202020204" pitchFamily="34" charset="0"/>
+              </a:rPr>
+              <a:t> </a:t>
+            </a:r>
+            <a:r>
+              <a:rPr lang="en-US" sz="2600" dirty="0" err="1">
+                <a:latin typeface="Arial" panose="020B0604020202020204" pitchFamily="34" charset="0"/>
+                <a:cs typeface="Arial" panose="020B0604020202020204" pitchFamily="34" charset="0"/>
+              </a:rPr>
+              <a:t>objek</a:t>
+            </a:r>
+            <a:r>
+              <a:rPr lang="en-US" sz="2600" dirty="0">
+                <a:latin typeface="Arial" panose="020B0604020202020204" pitchFamily="34" charset="0"/>
+                <a:cs typeface="Arial" panose="020B0604020202020204" pitchFamily="34" charset="0"/>
+              </a:rPr>
+              <a:t> </a:t>
+            </a:r>
+            <a:r>
+              <a:rPr lang="en-US" sz="2600" dirty="0" err="1">
+                <a:latin typeface="Arial" panose="020B0604020202020204" pitchFamily="34" charset="0"/>
+                <a:cs typeface="Arial" panose="020B0604020202020204" pitchFamily="34" charset="0"/>
+              </a:rPr>
+              <a:t>sehingga</a:t>
+            </a:r>
+            <a:r>
+              <a:rPr lang="en-US" sz="2600" dirty="0">
+                <a:latin typeface="Arial" panose="020B0604020202020204" pitchFamily="34" charset="0"/>
+                <a:cs typeface="Arial" panose="020B0604020202020204" pitchFamily="34" charset="0"/>
+              </a:rPr>
+              <a:t> </a:t>
+            </a:r>
+            <a:r>
+              <a:rPr lang="en-US" sz="2600" dirty="0" err="1">
+                <a:latin typeface="Arial" panose="020B0604020202020204" pitchFamily="34" charset="0"/>
+                <a:cs typeface="Arial" panose="020B0604020202020204" pitchFamily="34" charset="0"/>
+              </a:rPr>
+              <a:t>mengesankan</a:t>
+            </a:r>
+            <a:r>
+              <a:rPr lang="en-US" sz="2600" dirty="0">
+                <a:latin typeface="Arial" panose="020B0604020202020204" pitchFamily="34" charset="0"/>
+                <a:cs typeface="Arial" panose="020B0604020202020204" pitchFamily="34" charset="0"/>
+              </a:rPr>
+              <a:t> </a:t>
+            </a:r>
+            <a:r>
+              <a:rPr lang="en-US" sz="2600" dirty="0" err="1">
+                <a:latin typeface="Arial" panose="020B0604020202020204" pitchFamily="34" charset="0"/>
+                <a:cs typeface="Arial" panose="020B0604020202020204" pitchFamily="34" charset="0"/>
+              </a:rPr>
+              <a:t>objek</a:t>
+            </a:r>
+            <a:r>
+              <a:rPr lang="en-US" sz="2600" dirty="0">
+                <a:latin typeface="Arial" panose="020B0604020202020204" pitchFamily="34" charset="0"/>
+                <a:cs typeface="Arial" panose="020B0604020202020204" pitchFamily="34" charset="0"/>
+              </a:rPr>
+              <a:t> </a:t>
+            </a:r>
+            <a:r>
+              <a:rPr lang="en-US" sz="2600" dirty="0" err="1">
+                <a:latin typeface="Arial" panose="020B0604020202020204" pitchFamily="34" charset="0"/>
+                <a:cs typeface="Arial" panose="020B0604020202020204" pitchFamily="34" charset="0"/>
+              </a:rPr>
+              <a:t>jadi</a:t>
+            </a:r>
+            <a:r>
+              <a:rPr lang="en-US" sz="2600" dirty="0">
+                <a:latin typeface="Arial" panose="020B0604020202020204" pitchFamily="34" charset="0"/>
+                <a:cs typeface="Arial" panose="020B0604020202020204" pitchFamily="34" charset="0"/>
+              </a:rPr>
+              <a:t> </a:t>
+            </a:r>
+            <a:r>
+              <a:rPr lang="en-US" sz="2600" dirty="0" err="1">
+                <a:latin typeface="Arial" panose="020B0604020202020204" pitchFamily="34" charset="0"/>
+                <a:cs typeface="Arial" panose="020B0604020202020204" pitchFamily="34" charset="0"/>
+              </a:rPr>
+              <a:t>terlihat</a:t>
+            </a:r>
+            <a:r>
+              <a:rPr lang="en-US" sz="2600" dirty="0">
+                <a:latin typeface="Arial" panose="020B0604020202020204" pitchFamily="34" charset="0"/>
+                <a:cs typeface="Arial" panose="020B0604020202020204" pitchFamily="34" charset="0"/>
+              </a:rPr>
+              <a:t> </a:t>
+            </a:r>
+            <a:r>
+              <a:rPr lang="en-US" sz="2600" dirty="0" err="1">
+                <a:latin typeface="Arial" panose="020B0604020202020204" pitchFamily="34" charset="0"/>
+                <a:cs typeface="Arial" panose="020B0604020202020204" pitchFamily="34" charset="0"/>
+              </a:rPr>
+              <a:t>besar</a:t>
+            </a:r>
+            <a:endParaRPr lang="en-US" sz="2600" dirty="0">
+              <a:latin typeface="Arial" panose="020B0604020202020204" pitchFamily="34" charset="0"/>
+              <a:cs typeface="Arial" panose="020B0604020202020204" pitchFamily="34" charset="0"/>
+            </a:endParaRPr>
+          </a:p>
+        </p:txBody>
+      </p:sp>
+      <p:pic>
+        <p:nvPicPr>
+          <p:cNvPr id="8" name="Picture 7" descr="http://1.bp.blogspot.com/-rgMWLwykEFo/T-GPHKnyapI/AAAAAAAAAHI/DSWhTN9iR-8/s1600/low_wide.jpg"/>
+          <p:cNvPicPr/>
           <p:nvPr/>
-        </p:nvCxnSpPr>
-        <p:spPr>
-          <a:xfrm flipV="1">
-            <a:off x="6406885" y="2414516"/>
-            <a:ext cx="1044872" cy="69591"/>
-          </a:xfrm>
-          <a:prstGeom prst="straightConnector1">
-            <a:avLst/>
-          </a:prstGeom>
-          <a:ln w="38100">
-            <a:solidFill>
-              <a:schemeClr val="tx1"/>
-            </a:solidFill>
-            <a:tailEnd type="triangle"/>
-          </a:ln>
-        </p:spPr>
-        <p:style>
-          <a:lnRef idx="1">
-            <a:schemeClr val="accent1"/>
-          </a:lnRef>
-          <a:fillRef idx="0">
-            <a:schemeClr val="accent1"/>
-          </a:fillRef>
-          <a:effectRef idx="0">
-            <a:schemeClr val="accent1"/>
-          </a:effectRef>
-          <a:fontRef idx="minor">
-            <a:schemeClr val="tx1"/>
-          </a:fontRef>
-        </p:style>
-      </p:cxnSp>
-      <p:sp>
-        <p:nvSpPr>
-          <p:cNvPr id="6" name="TextBox 5"/>
-          <p:cNvSpPr txBox="1"/>
-          <p:nvPr/>
-        </p:nvSpPr>
-        <p:spPr>
+        </p:nvPicPr>
+        <p:blipFill>
+          <a:blip r:embed="rId2"/>
+          <a:srcRect/>
+          <a:stretch>
+            <a:fillRect/>
+          </a:stretch>
+        </p:blipFill>
+        <p:spPr bwMode="auto">
           <a:xfrm>
-            <a:off x="7451757" y="2091350"/>
-            <a:ext cx="3902043" cy="646331"/>
+            <a:off x="609600" y="2619739"/>
+            <a:ext cx="3875029" cy="3409869"/>
           </a:xfrm>
           <a:prstGeom prst="rect">
             <a:avLst/>
           </a:prstGeom>
           <a:noFill/>
-        </p:spPr>
-        <p:txBody>
-          <a:bodyPr wrap="square" rtlCol="0">
-            <a:spAutoFit/>
-          </a:bodyPr>
-          <a:lstStyle/>
-          <a:p>
-            <a:r>
-              <a:rPr lang="en-US" dirty="0" smtClean="0"/>
-              <a:t>Import </a:t>
-            </a:r>
-            <a:r>
-              <a:rPr lang="en-US" dirty="0" err="1" smtClean="0"/>
-              <a:t>pustakan</a:t>
-            </a:r>
-            <a:r>
-              <a:rPr lang="en-US" dirty="0" smtClean="0"/>
-              <a:t> yang </a:t>
-            </a:r>
-            <a:r>
-              <a:rPr lang="en-US" dirty="0" err="1" smtClean="0"/>
-              <a:t>diinginkan</a:t>
-            </a:r>
-            <a:r>
-              <a:rPr lang="en-US" dirty="0" smtClean="0"/>
-              <a:t>,</a:t>
-            </a:r>
-          </a:p>
-          <a:p>
-            <a:r>
-              <a:rPr lang="en-US" dirty="0" smtClean="0"/>
-              <a:t>Dan </a:t>
-            </a:r>
-            <a:r>
-              <a:rPr lang="en-US" dirty="0" err="1" smtClean="0"/>
-              <a:t>membaca</a:t>
-            </a:r>
-            <a:r>
-              <a:rPr lang="en-US" dirty="0" smtClean="0"/>
-              <a:t> </a:t>
-            </a:r>
-            <a:r>
-              <a:rPr lang="en-US" dirty="0" err="1" smtClean="0"/>
-              <a:t>gambar</a:t>
-            </a:r>
-            <a:endParaRPr lang="en-US" dirty="0"/>
-          </a:p>
-        </p:txBody>
-      </p:sp>
-      <p:cxnSp>
-        <p:nvCxnSpPr>
-          <p:cNvPr id="8" name="Straight Arrow Connector 7"/>
-          <p:cNvCxnSpPr>
-            <a:endCxn id="9" idx="1"/>
-          </p:cNvCxnSpPr>
-          <p:nvPr/>
-        </p:nvCxnSpPr>
-        <p:spPr>
-          <a:xfrm>
-            <a:off x="6806721" y="4359583"/>
-            <a:ext cx="399837" cy="75188"/>
-          </a:xfrm>
-          <a:prstGeom prst="straightConnector1">
-            <a:avLst/>
-          </a:prstGeom>
-          <a:ln w="38100">
+          <a:ln w="9525">
             <a:solidFill>
               <a:schemeClr val="tx1"/>
             </a:solidFill>
-            <a:tailEnd type="triangle"/>
+            <a:miter lim="800000"/>
+            <a:headEnd/>
+            <a:tailEnd/>
           </a:ln>
         </p:spPr>
-        <p:style>
-          <a:lnRef idx="1">
-            <a:schemeClr val="accent1"/>
-          </a:lnRef>
-          <a:fillRef idx="0">
-            <a:schemeClr val="accent1"/>
-          </a:fillRef>
-          <a:effectRef idx="0">
-            <a:schemeClr val="accent1"/>
-          </a:effectRef>
-          <a:fontRef idx="minor">
-            <a:schemeClr val="tx1"/>
-          </a:fontRef>
-        </p:style>
-      </p:cxnSp>
-      <p:sp>
-        <p:nvSpPr>
-          <p:cNvPr id="9" name="TextBox 8"/>
-          <p:cNvSpPr txBox="1"/>
-          <p:nvPr/>
-        </p:nvSpPr>
-        <p:spPr>
-          <a:xfrm>
-            <a:off x="7206558" y="4111605"/>
-            <a:ext cx="3902043" cy="646331"/>
-          </a:xfrm>
-          <a:prstGeom prst="rect">
-            <a:avLst/>
-          </a:prstGeom>
-          <a:noFill/>
-        </p:spPr>
-        <p:txBody>
-          <a:bodyPr wrap="square" rtlCol="0">
-            <a:spAutoFit/>
-          </a:bodyPr>
-          <a:lstStyle/>
-          <a:p>
-            <a:r>
-              <a:rPr lang="en-US" dirty="0" err="1" smtClean="0"/>
-              <a:t>Ubah</a:t>
-            </a:r>
-            <a:r>
-              <a:rPr lang="en-US" dirty="0" smtClean="0"/>
-              <a:t> </a:t>
-            </a:r>
-            <a:r>
-              <a:rPr lang="en-US" dirty="0" err="1" smtClean="0"/>
-              <a:t>citra</a:t>
-            </a:r>
-            <a:r>
-              <a:rPr lang="en-US" dirty="0" smtClean="0"/>
-              <a:t> </a:t>
-            </a:r>
-            <a:r>
-              <a:rPr lang="en-US" dirty="0" err="1" smtClean="0"/>
-              <a:t>menjadi</a:t>
-            </a:r>
-            <a:r>
-              <a:rPr lang="en-US" dirty="0" smtClean="0"/>
-              <a:t> </a:t>
-            </a:r>
-            <a:r>
-              <a:rPr lang="en-US" dirty="0" err="1" smtClean="0"/>
-              <a:t>keabu</a:t>
-            </a:r>
-            <a:r>
-              <a:rPr lang="en-US" dirty="0" smtClean="0"/>
-              <a:t> –</a:t>
-            </a:r>
-            <a:r>
-              <a:rPr lang="en-US" dirty="0" err="1" smtClean="0"/>
-              <a:t>abu</a:t>
-            </a:r>
-            <a:r>
-              <a:rPr lang="en-US" dirty="0" smtClean="0"/>
-              <a:t> </a:t>
-            </a:r>
-            <a:r>
-              <a:rPr lang="en-US" dirty="0" err="1" smtClean="0"/>
-              <a:t>dan</a:t>
-            </a:r>
-            <a:r>
-              <a:rPr lang="en-US" dirty="0" smtClean="0"/>
-              <a:t> </a:t>
-            </a:r>
-            <a:r>
-              <a:rPr lang="en-US" dirty="0" err="1" smtClean="0"/>
-              <a:t>lihat</a:t>
-            </a:r>
-            <a:r>
-              <a:rPr lang="en-US" dirty="0" smtClean="0"/>
-              <a:t> </a:t>
-            </a:r>
-            <a:r>
-              <a:rPr lang="en-US" dirty="0" err="1" smtClean="0"/>
-              <a:t>ukuran</a:t>
-            </a:r>
-            <a:r>
-              <a:rPr lang="en-US" dirty="0" smtClean="0"/>
-              <a:t> </a:t>
-            </a:r>
-            <a:r>
-              <a:rPr lang="en-US" dirty="0" err="1" smtClean="0"/>
-              <a:t>citra</a:t>
-            </a:r>
-            <a:r>
-              <a:rPr lang="en-US" dirty="0" smtClean="0"/>
-              <a:t> </a:t>
-            </a:r>
-            <a:r>
-              <a:rPr lang="en-US" dirty="0" err="1" smtClean="0"/>
-              <a:t>tersebut</a:t>
-            </a:r>
-            <a:endParaRPr lang="en-US" dirty="0"/>
-          </a:p>
-        </p:txBody>
-      </p:sp>
-      <p:pic>
-        <p:nvPicPr>
-          <p:cNvPr id="10" name="Picture 9"/>
-          <p:cNvPicPr>
-            <a:picLocks noChangeAspect="1"/>
-          </p:cNvPicPr>
-          <p:nvPr/>
-        </p:nvPicPr>
-        <p:blipFill>
-          <a:blip r:embed="rId3"/>
-          <a:stretch>
-            <a:fillRect/>
-          </a:stretch>
-        </p:blipFill>
-        <p:spPr>
-          <a:xfrm>
-            <a:off x="609600" y="3739776"/>
-            <a:ext cx="6125635" cy="1134973"/>
-          </a:xfrm>
-          <a:prstGeom prst="rect">
-            <a:avLst/>
-          </a:prstGeom>
-        </p:spPr>
       </p:pic>
-      <p:pic>
-        <p:nvPicPr>
-          <p:cNvPr id="13" name="Picture 12"/>
-          <p:cNvPicPr>
-            <a:picLocks noChangeAspect="1"/>
-          </p:cNvPicPr>
-          <p:nvPr/>
-        </p:nvPicPr>
-        <p:blipFill>
-          <a:blip r:embed="rId4"/>
-          <a:stretch>
-            <a:fillRect/>
-          </a:stretch>
-        </p:blipFill>
-        <p:spPr>
-          <a:xfrm>
-            <a:off x="629359" y="5346225"/>
-            <a:ext cx="6177362" cy="862044"/>
-          </a:xfrm>
-          <a:prstGeom prst="rect">
-            <a:avLst/>
-          </a:prstGeom>
-        </p:spPr>
-      </p:pic>
-      <p:sp>
-        <p:nvSpPr>
-          <p:cNvPr id="14" name="TextBox 13"/>
-          <p:cNvSpPr txBox="1"/>
-          <p:nvPr/>
-        </p:nvSpPr>
-        <p:spPr>
-          <a:xfrm>
-            <a:off x="7322744" y="5358636"/>
-            <a:ext cx="3902043" cy="646331"/>
-          </a:xfrm>
-          <a:prstGeom prst="rect">
-            <a:avLst/>
-          </a:prstGeom>
-          <a:noFill/>
-        </p:spPr>
-        <p:txBody>
-          <a:bodyPr wrap="square" rtlCol="0">
-            <a:spAutoFit/>
-          </a:bodyPr>
-          <a:lstStyle/>
-          <a:p>
-            <a:r>
-              <a:rPr lang="en-US" dirty="0" err="1" smtClean="0"/>
-              <a:t>Buat</a:t>
-            </a:r>
-            <a:r>
-              <a:rPr lang="en-US" dirty="0" smtClean="0"/>
-              <a:t> </a:t>
-            </a:r>
-            <a:r>
-              <a:rPr lang="en-US" i="1" dirty="0"/>
-              <a:t>structuring </a:t>
-            </a:r>
-            <a:r>
-              <a:rPr lang="en-US" i="1" dirty="0" smtClean="0"/>
-              <a:t>element</a:t>
-            </a:r>
-            <a:r>
-              <a:rPr lang="en-US" dirty="0"/>
-              <a:t> </a:t>
-            </a:r>
-            <a:r>
-              <a:rPr lang="en-US" dirty="0" err="1" smtClean="0"/>
-              <a:t>dengan</a:t>
-            </a:r>
-            <a:r>
-              <a:rPr lang="en-US" dirty="0" smtClean="0"/>
-              <a:t> </a:t>
-            </a:r>
-            <a:r>
-              <a:rPr lang="en-US" dirty="0" err="1" smtClean="0"/>
-              <a:t>fungsi</a:t>
-            </a:r>
-            <a:r>
-              <a:rPr lang="en-US" dirty="0" smtClean="0"/>
-              <a:t> </a:t>
-            </a:r>
-            <a:r>
-              <a:rPr lang="en-US" dirty="0" err="1" smtClean="0"/>
-              <a:t>numpy</a:t>
-            </a:r>
-            <a:endParaRPr lang="en-US" dirty="0"/>
-          </a:p>
-        </p:txBody>
-      </p:sp>
-      <p:cxnSp>
-        <p:nvCxnSpPr>
-          <p:cNvPr id="15" name="Straight Arrow Connector 14"/>
-          <p:cNvCxnSpPr>
-            <a:endCxn id="14" idx="1"/>
-          </p:cNvCxnSpPr>
-          <p:nvPr/>
-        </p:nvCxnSpPr>
-        <p:spPr>
-          <a:xfrm flipV="1">
-            <a:off x="6763337" y="5681802"/>
-            <a:ext cx="559407" cy="57851"/>
-          </a:xfrm>
-          <a:prstGeom prst="straightConnector1">
-            <a:avLst/>
-          </a:prstGeom>
-          <a:ln w="38100">
-            <a:solidFill>
-              <a:schemeClr val="tx1"/>
-            </a:solidFill>
-            <a:tailEnd type="triangle"/>
-          </a:ln>
-        </p:spPr>
-        <p:style>
-          <a:lnRef idx="1">
-            <a:schemeClr val="accent1"/>
-          </a:lnRef>
-          <a:fillRef idx="0">
-            <a:schemeClr val="accent1"/>
-          </a:fillRef>
-          <a:effectRef idx="0">
-            <a:schemeClr val="accent1"/>
-          </a:effectRef>
-          <a:fontRef idx="minor">
-            <a:schemeClr val="tx1"/>
-          </a:fontRef>
-        </p:style>
-      </p:cxnSp>
-      <p:sp>
-        <p:nvSpPr>
-          <p:cNvPr id="17" name="Title 1"/>
-          <p:cNvSpPr txBox="1">
-            <a:spLocks/>
-          </p:cNvSpPr>
-          <p:nvPr/>
-        </p:nvSpPr>
-        <p:spPr>
-          <a:xfrm>
-            <a:off x="609600" y="-18106"/>
-            <a:ext cx="10744200" cy="1228436"/>
-          </a:xfrm>
-          <a:prstGeom prst="rect">
-            <a:avLst/>
-          </a:prstGeom>
-        </p:spPr>
-        <p:txBody>
-          <a:bodyPr vert="horz" lIns="91440" tIns="45720" rIns="91440" bIns="45720" rtlCol="0" anchor="b">
-            <a:normAutofit/>
-          </a:bodyPr>
-          <a:lstStyle>
-            <a:lvl1pPr algn="l" defTabSz="914400" rtl="0" eaLnBrk="1" latinLnBrk="0" hangingPunct="1">
-              <a:spcBef>
-                <a:spcPct val="0"/>
-              </a:spcBef>
-              <a:buNone/>
-              <a:defRPr sz="3600" kern="1200">
-                <a:solidFill>
-                  <a:schemeClr val="bg1"/>
-                </a:solidFill>
-                <a:latin typeface="+mj-lt"/>
-                <a:ea typeface="+mj-ea"/>
-                <a:cs typeface="+mj-cs"/>
-              </a:defRPr>
-            </a:lvl1pPr>
-          </a:lstStyle>
-          <a:p>
-            <a:r>
-              <a:rPr lang="en-US" b="1" dirty="0" err="1" smtClean="0"/>
-              <a:t>Operasi</a:t>
-            </a:r>
-            <a:r>
-              <a:rPr lang="en-US" b="1" dirty="0" smtClean="0"/>
-              <a:t> </a:t>
-            </a:r>
-            <a:r>
-              <a:rPr lang="en-US" b="1" dirty="0" err="1" smtClean="0"/>
-              <a:t>Dilasi</a:t>
-            </a:r>
-            <a:endParaRPr lang="en-US" dirty="0"/>
-          </a:p>
-        </p:txBody>
-      </p:sp>
     </p:spTree>
     <p:extLst>
       <p:ext uri="{BB962C8B-B14F-4D97-AF65-F5344CB8AC3E}">
-        <p14:creationId xmlns:p14="http://schemas.microsoft.com/office/powerpoint/2010/main" val="3380074160"/>
+        <p14:creationId xmlns:p14="http://schemas.microsoft.com/office/powerpoint/2010/main" val="1169341483"/>
       </p:ext>
     </p:extLst>
   </p:cSld>
   <p:clrMapOvr>
     <a:masterClrMapping/>
   </p:clrMapOvr>
+  <p:timing>
+    <p:tnLst>
+      <p:par>
+        <p:cTn id="1" dur="indefinite" restart="never" nodeType="tmRoot">
+          <p:childTnLst>
+            <p:seq concurrent="1" nextAc="seek">
+              <p:cTn id="2" dur="indefinite" nodeType="mainSeq">
+                <p:childTnLst>
+                  <p:par>
+                    <p:cTn id="3" fill="hold">
+                      <p:stCondLst>
+                        <p:cond delay="indefinite"/>
+                      </p:stCondLst>
+                      <p:childTnLst>
+                        <p:par>
+                          <p:cTn id="4" fill="hold">
+                            <p:stCondLst>
+                              <p:cond delay="0"/>
+                            </p:stCondLst>
+                            <p:childTnLst>
+                              <p:par>
+                                <p:cTn id="5" presetID="22" presetClass="entr" presetSubtype="8" fill="hold" grpId="0" nodeType="clickEffect">
+                                  <p:stCondLst>
+                                    <p:cond delay="0"/>
+                                  </p:stCondLst>
+                                  <p:childTnLst>
+                                    <p:set>
+                                      <p:cBhvr>
+                                        <p:cTn id="6" dur="1" fill="hold">
+                                          <p:stCondLst>
+                                            <p:cond delay="0"/>
+                                          </p:stCondLst>
+                                        </p:cTn>
+                                        <p:tgtEl>
+                                          <p:spTgt spid="5"/>
+                                        </p:tgtEl>
+                                        <p:attrNameLst>
+                                          <p:attrName>style.visibility</p:attrName>
+                                        </p:attrNameLst>
+                                      </p:cBhvr>
+                                      <p:to>
+                                        <p:strVal val="visible"/>
+                                      </p:to>
+                                    </p:set>
+                                    <p:animEffect transition="in" filter="wipe(left)">
+                                      <p:cBhvr>
+                                        <p:cTn id="7" dur="500"/>
+                                        <p:tgtEl>
+                                          <p:spTgt spid="5"/>
+                                        </p:tgtEl>
+                                      </p:cBhvr>
+                                    </p:animEffect>
+                                  </p:childTnLst>
+                                </p:cTn>
+                              </p:par>
+                            </p:childTnLst>
+                          </p:cTn>
+                        </p:par>
+                        <p:par>
+                          <p:cTn id="8" fill="hold">
+                            <p:stCondLst>
+                              <p:cond delay="500"/>
+                            </p:stCondLst>
+                            <p:childTnLst>
+                              <p:par>
+                                <p:cTn id="9" presetID="22" presetClass="entr" presetSubtype="1" fill="hold" nodeType="afterEffect">
+                                  <p:stCondLst>
+                                    <p:cond delay="0"/>
+                                  </p:stCondLst>
+                                  <p:childTnLst>
+                                    <p:set>
+                                      <p:cBhvr>
+                                        <p:cTn id="10" dur="1" fill="hold">
+                                          <p:stCondLst>
+                                            <p:cond delay="0"/>
+                                          </p:stCondLst>
+                                        </p:cTn>
+                                        <p:tgtEl>
+                                          <p:spTgt spid="8"/>
+                                        </p:tgtEl>
+                                        <p:attrNameLst>
+                                          <p:attrName>style.visibility</p:attrName>
+                                        </p:attrNameLst>
+                                      </p:cBhvr>
+                                      <p:to>
+                                        <p:strVal val="visible"/>
+                                      </p:to>
+                                    </p:set>
+                                    <p:animEffect transition="in" filter="wipe(up)">
+                                      <p:cBhvr>
+                                        <p:cTn id="11" dur="500"/>
+                                        <p:tgtEl>
+                                          <p:spTgt spid="8"/>
+                                        </p:tgtEl>
+                                      </p:cBhvr>
+                                    </p:animEffect>
+                                  </p:childTnLst>
+                                </p:cTn>
+                              </p:par>
+                            </p:childTnLst>
+                          </p:cTn>
+                        </p:par>
+                      </p:childTnLst>
+                    </p:cTn>
+                  </p:par>
+                </p:childTnLst>
+              </p:cTn>
+              <p:prevCondLst>
+                <p:cond evt="onPrev" delay="0">
+                  <p:tgtEl>
+                    <p:sldTgt/>
+                  </p:tgtEl>
+                </p:cond>
+              </p:prevCondLst>
+              <p:nextCondLst>
+                <p:cond evt="onNext" delay="0">
+                  <p:tgtEl>
+                    <p:sldTgt/>
+                  </p:tgtEl>
+                </p:cond>
+              </p:nextCondLst>
+            </p:seq>
+          </p:childTnLst>
+        </p:cTn>
+      </p:par>
+    </p:tnLst>
+    <p:bldLst>
+      <p:bldP spid="5" grpId="0"/>
+    </p:bldLst>
+  </p:timing>
 </p:sld>
 </file>
 
@@ -9826,516 +7206,297 @@
           <a:lstStyle/>
           <a:p>
             <a:r>
-              <a:rPr lang="en-US" b="1" dirty="0" err="1"/>
-              <a:t>Operasi</a:t>
-            </a:r>
-            <a:r>
-              <a:rPr lang="en-US" b="1" dirty="0"/>
-              <a:t> </a:t>
-            </a:r>
-            <a:r>
-              <a:rPr lang="en-US" b="1" dirty="0" err="1" smtClean="0"/>
-              <a:t>Dilasi</a:t>
-            </a:r>
-            <a:endParaRPr lang="en-US" dirty="0"/>
-          </a:p>
-        </p:txBody>
-      </p:sp>
-      <p:pic>
-        <p:nvPicPr>
-          <p:cNvPr id="3" name="Picture 2"/>
-          <p:cNvPicPr>
-            <a:picLocks noChangeAspect="1"/>
-          </p:cNvPicPr>
+              <a:rPr lang="en-US" b="1" dirty="0">
+                <a:latin typeface="Arial" panose="020B0604020202020204" pitchFamily="34" charset="0"/>
+                <a:ea typeface="Times New Roman" panose="02020603050405020304" pitchFamily="18" charset="0"/>
+                <a:cs typeface="Times New Roman" panose="02020603050405020304" pitchFamily="18" charset="0"/>
+              </a:rPr>
+              <a:t>Eye level</a:t>
+            </a:r>
+            <a:endParaRPr lang="id-ID" b="1" dirty="0">
+              <a:latin typeface="+mn-lt"/>
+            </a:endParaRPr>
+          </a:p>
+        </p:txBody>
+      </p:sp>
+      <p:sp>
+        <p:nvSpPr>
+          <p:cNvPr id="6" name="Rectangle 5"/>
+          <p:cNvSpPr/>
           <p:nvPr/>
-        </p:nvPicPr>
-        <p:blipFill>
-          <a:blip r:embed="rId2"/>
-          <a:stretch>
-            <a:fillRect/>
-          </a:stretch>
-        </p:blipFill>
+        </p:nvSpPr>
         <p:spPr>
           <a:xfrm>
-            <a:off x="609599" y="2408487"/>
-            <a:ext cx="6503645" cy="1167631"/>
+            <a:off x="609600" y="1774647"/>
+            <a:ext cx="5995568" cy="892552"/>
           </a:xfrm>
           <a:prstGeom prst="rect">
             <a:avLst/>
           </a:prstGeom>
         </p:spPr>
-      </p:pic>
-      <p:sp>
-        <p:nvSpPr>
-          <p:cNvPr id="4" name="TextBox 3"/>
-          <p:cNvSpPr txBox="1"/>
+        <p:txBody>
+          <a:bodyPr wrap="square">
+            <a:spAutoFit/>
+          </a:bodyPr>
+          <a:lstStyle/>
+          <a:p>
+            <a:r>
+              <a:rPr lang="en-US" sz="2600" dirty="0" err="1">
+                <a:latin typeface="Arial" panose="020B0604020202020204" pitchFamily="34" charset="0"/>
+                <a:cs typeface="Arial" panose="020B0604020202020204" pitchFamily="34" charset="0"/>
+              </a:rPr>
+              <a:t>Sudut</a:t>
+            </a:r>
+            <a:r>
+              <a:rPr lang="en-US" sz="2600" dirty="0">
+                <a:latin typeface="Arial" panose="020B0604020202020204" pitchFamily="34" charset="0"/>
+                <a:cs typeface="Arial" panose="020B0604020202020204" pitchFamily="34" charset="0"/>
+              </a:rPr>
+              <a:t> </a:t>
+            </a:r>
+            <a:r>
+              <a:rPr lang="en-US" sz="2600" dirty="0" err="1">
+                <a:latin typeface="Arial" panose="020B0604020202020204" pitchFamily="34" charset="0"/>
+                <a:cs typeface="Arial" panose="020B0604020202020204" pitchFamily="34" charset="0"/>
+              </a:rPr>
+              <a:t>pengambilan</a:t>
+            </a:r>
+            <a:r>
+              <a:rPr lang="en-US" sz="2600" dirty="0">
+                <a:latin typeface="Arial" panose="020B0604020202020204" pitchFamily="34" charset="0"/>
+                <a:cs typeface="Arial" panose="020B0604020202020204" pitchFamily="34" charset="0"/>
+              </a:rPr>
+              <a:t> </a:t>
+            </a:r>
+            <a:r>
+              <a:rPr lang="en-US" sz="2600" dirty="0" err="1">
+                <a:latin typeface="Arial" panose="020B0604020202020204" pitchFamily="34" charset="0"/>
+                <a:cs typeface="Arial" panose="020B0604020202020204" pitchFamily="34" charset="0"/>
+              </a:rPr>
+              <a:t>gambar</a:t>
+            </a:r>
+            <a:r>
+              <a:rPr lang="en-US" sz="2600" dirty="0">
+                <a:latin typeface="Arial" panose="020B0604020202020204" pitchFamily="34" charset="0"/>
+                <a:cs typeface="Arial" panose="020B0604020202020204" pitchFamily="34" charset="0"/>
+              </a:rPr>
+              <a:t> </a:t>
+            </a:r>
+            <a:r>
+              <a:rPr lang="en-US" sz="2600" dirty="0" err="1">
+                <a:latin typeface="Arial" panose="020B0604020202020204" pitchFamily="34" charset="0"/>
+                <a:cs typeface="Arial" panose="020B0604020202020204" pitchFamily="34" charset="0"/>
+              </a:rPr>
+              <a:t>sejajar</a:t>
+            </a:r>
+            <a:r>
+              <a:rPr lang="en-US" sz="2600" dirty="0">
+                <a:latin typeface="Arial" panose="020B0604020202020204" pitchFamily="34" charset="0"/>
+                <a:cs typeface="Arial" panose="020B0604020202020204" pitchFamily="34" charset="0"/>
+              </a:rPr>
+              <a:t> </a:t>
+            </a:r>
+            <a:r>
+              <a:rPr lang="en-US" sz="2600" dirty="0" err="1">
+                <a:latin typeface="Arial" panose="020B0604020202020204" pitchFamily="34" charset="0"/>
+                <a:cs typeface="Arial" panose="020B0604020202020204" pitchFamily="34" charset="0"/>
+              </a:rPr>
+              <a:t>dengan</a:t>
+            </a:r>
+            <a:r>
+              <a:rPr lang="en-US" sz="2600" dirty="0">
+                <a:latin typeface="Arial" panose="020B0604020202020204" pitchFamily="34" charset="0"/>
+                <a:cs typeface="Arial" panose="020B0604020202020204" pitchFamily="34" charset="0"/>
+              </a:rPr>
+              <a:t> </a:t>
+            </a:r>
+            <a:r>
+              <a:rPr lang="en-US" sz="2600" dirty="0" err="1">
+                <a:latin typeface="Arial" panose="020B0604020202020204" pitchFamily="34" charset="0"/>
+                <a:cs typeface="Arial" panose="020B0604020202020204" pitchFamily="34" charset="0"/>
+              </a:rPr>
+              <a:t>objek</a:t>
+            </a:r>
+            <a:r>
+              <a:rPr lang="en-US" sz="2600" dirty="0">
+                <a:latin typeface="Arial" panose="020B0604020202020204" pitchFamily="34" charset="0"/>
+                <a:cs typeface="Arial" panose="020B0604020202020204" pitchFamily="34" charset="0"/>
+              </a:rPr>
+              <a:t>.</a:t>
+            </a:r>
+          </a:p>
+        </p:txBody>
+      </p:sp>
+      <p:pic>
+        <p:nvPicPr>
+          <p:cNvPr id="7" name="Picture 6" descr="http://letthekids.com/wp-content/uploads/2013/01/siouscaphotography1.jpg"/>
+          <p:cNvPicPr/>
           <p:nvPr/>
-        </p:nvSpPr>
-        <p:spPr>
+        </p:nvPicPr>
+        <p:blipFill>
+          <a:blip r:embed="rId2"/>
+          <a:srcRect/>
+          <a:stretch>
+            <a:fillRect/>
+          </a:stretch>
+        </p:blipFill>
+        <p:spPr bwMode="auto">
           <a:xfrm>
-            <a:off x="609599" y="1692998"/>
-            <a:ext cx="10607645" cy="461665"/>
+            <a:off x="609600" y="3023287"/>
+            <a:ext cx="4786346" cy="2643206"/>
           </a:xfrm>
           <a:prstGeom prst="rect">
             <a:avLst/>
           </a:prstGeom>
           <a:noFill/>
-        </p:spPr>
-        <p:txBody>
-          <a:bodyPr wrap="square" rtlCol="0">
-            <a:spAutoFit/>
-          </a:bodyPr>
-          <a:lstStyle/>
-          <a:p>
-            <a:r>
-              <a:rPr lang="en-US" sz="2400" dirty="0" err="1" smtClean="0"/>
-              <a:t>Lakukan</a:t>
-            </a:r>
-            <a:r>
-              <a:rPr lang="en-US" sz="2400" dirty="0" smtClean="0"/>
-              <a:t> </a:t>
-            </a:r>
-            <a:r>
-              <a:rPr lang="en-US" sz="2400" dirty="0" err="1" smtClean="0"/>
-              <a:t>operasi</a:t>
-            </a:r>
-            <a:r>
-              <a:rPr lang="en-US" sz="2400" dirty="0" smtClean="0"/>
-              <a:t> </a:t>
-            </a:r>
-            <a:r>
-              <a:rPr lang="en-US" sz="2400" dirty="0" err="1" smtClean="0"/>
-              <a:t>dilasi</a:t>
-            </a:r>
-            <a:r>
-              <a:rPr lang="en-US" sz="2400" dirty="0" smtClean="0"/>
-              <a:t> </a:t>
-            </a:r>
-            <a:r>
-              <a:rPr lang="en-US" sz="2400" dirty="0" err="1" smtClean="0"/>
-              <a:t>dengan</a:t>
-            </a:r>
-            <a:r>
-              <a:rPr lang="en-US" sz="2400" dirty="0" smtClean="0"/>
-              <a:t> </a:t>
-            </a:r>
-            <a:r>
-              <a:rPr lang="en-US" sz="2400" dirty="0" err="1" smtClean="0"/>
-              <a:t>fungsi</a:t>
-            </a:r>
-            <a:r>
-              <a:rPr lang="en-US" sz="2400" dirty="0" smtClean="0"/>
-              <a:t> </a:t>
-            </a:r>
-            <a:r>
-              <a:rPr lang="en-US" sz="2400" b="1" dirty="0" smtClean="0"/>
-              <a:t>cv2.dilate(</a:t>
-            </a:r>
-            <a:r>
-              <a:rPr lang="en-US" sz="2400" b="1" dirty="0" err="1" smtClean="0"/>
-              <a:t>image,kernel,iterations</a:t>
-            </a:r>
-            <a:r>
-              <a:rPr lang="en-US" sz="2400" b="1" dirty="0" smtClean="0"/>
-              <a:t>)</a:t>
-            </a:r>
-            <a:endParaRPr lang="en-US" sz="2400" b="1" dirty="0"/>
-          </a:p>
-        </p:txBody>
-      </p:sp>
-      <p:sp>
-        <p:nvSpPr>
-          <p:cNvPr id="5" name="Rectangle 4"/>
-          <p:cNvSpPr/>
-          <p:nvPr/>
-        </p:nvSpPr>
-        <p:spPr>
-          <a:xfrm>
-            <a:off x="3268301" y="2992302"/>
-            <a:ext cx="470780" cy="348427"/>
-          </a:xfrm>
-          <a:prstGeom prst="rect">
-            <a:avLst/>
-          </a:prstGeom>
-          <a:noFill/>
-          <a:ln>
-            <a:solidFill>
-              <a:schemeClr val="tx1"/>
-            </a:solidFill>
+          <a:ln w="9525">
+            <a:noFill/>
+            <a:miter lim="800000"/>
+            <a:headEnd/>
+            <a:tailEnd/>
           </a:ln>
         </p:spPr>
-        <p:style>
-          <a:lnRef idx="2">
-            <a:schemeClr val="accent1">
-              <a:shade val="50000"/>
-            </a:schemeClr>
-          </a:lnRef>
-          <a:fillRef idx="1">
-            <a:schemeClr val="accent1"/>
-          </a:fillRef>
-          <a:effectRef idx="0">
-            <a:schemeClr val="accent1"/>
-          </a:effectRef>
-          <a:fontRef idx="minor">
-            <a:schemeClr val="lt1"/>
-          </a:fontRef>
-        </p:style>
-        <p:txBody>
-          <a:bodyPr rtlCol="0" anchor="ctr"/>
-          <a:lstStyle/>
-          <a:p>
-            <a:pPr algn="ctr"/>
-            <a:endParaRPr lang="en-US"/>
-          </a:p>
-        </p:txBody>
-      </p:sp>
-      <p:cxnSp>
-        <p:nvCxnSpPr>
-          <p:cNvPr id="7" name="Straight Arrow Connector 6"/>
-          <p:cNvCxnSpPr>
-            <a:stCxn id="5" idx="2"/>
-          </p:cNvCxnSpPr>
-          <p:nvPr/>
-        </p:nvCxnSpPr>
-        <p:spPr>
-          <a:xfrm flipH="1">
-            <a:off x="3494638" y="3340729"/>
-            <a:ext cx="9053" cy="597528"/>
-          </a:xfrm>
-          <a:prstGeom prst="straightConnector1">
-            <a:avLst/>
-          </a:prstGeom>
-          <a:ln w="28575">
-            <a:solidFill>
-              <a:schemeClr val="tx1"/>
-            </a:solidFill>
-            <a:tailEnd type="triangle"/>
-          </a:ln>
-        </p:spPr>
-        <p:style>
-          <a:lnRef idx="1">
-            <a:schemeClr val="accent1"/>
-          </a:lnRef>
-          <a:fillRef idx="0">
-            <a:schemeClr val="accent1"/>
-          </a:fillRef>
-          <a:effectRef idx="0">
-            <a:schemeClr val="accent1"/>
-          </a:effectRef>
-          <a:fontRef idx="minor">
-            <a:schemeClr val="tx1"/>
-          </a:fontRef>
-        </p:style>
-      </p:cxnSp>
-      <p:sp>
-        <p:nvSpPr>
-          <p:cNvPr id="8" name="TextBox 7"/>
-          <p:cNvSpPr txBox="1"/>
-          <p:nvPr/>
-        </p:nvSpPr>
-        <p:spPr>
-          <a:xfrm>
-            <a:off x="3073651" y="3917352"/>
-            <a:ext cx="860079" cy="369332"/>
-          </a:xfrm>
-          <a:prstGeom prst="rect">
-            <a:avLst/>
-          </a:prstGeom>
-          <a:noFill/>
-        </p:spPr>
-        <p:txBody>
-          <a:bodyPr wrap="square" rtlCol="0">
-            <a:spAutoFit/>
-          </a:bodyPr>
-          <a:lstStyle/>
-          <a:p>
-            <a:r>
-              <a:rPr lang="en-US" dirty="0" smtClean="0"/>
-              <a:t>Image</a:t>
-            </a:r>
-            <a:endParaRPr lang="en-US" dirty="0"/>
-          </a:p>
-        </p:txBody>
-      </p:sp>
-      <p:sp>
-        <p:nvSpPr>
-          <p:cNvPr id="9" name="Rectangle 8"/>
-          <p:cNvSpPr/>
-          <p:nvPr/>
-        </p:nvSpPr>
-        <p:spPr>
-          <a:xfrm>
-            <a:off x="3829617" y="2992302"/>
-            <a:ext cx="679010" cy="348427"/>
-          </a:xfrm>
-          <a:prstGeom prst="rect">
-            <a:avLst/>
-          </a:prstGeom>
-          <a:noFill/>
-          <a:ln>
-            <a:solidFill>
-              <a:schemeClr val="tx1"/>
-            </a:solidFill>
-          </a:ln>
-        </p:spPr>
-        <p:style>
-          <a:lnRef idx="2">
-            <a:schemeClr val="accent1">
-              <a:shade val="50000"/>
-            </a:schemeClr>
-          </a:lnRef>
-          <a:fillRef idx="1">
-            <a:schemeClr val="accent1"/>
-          </a:fillRef>
-          <a:effectRef idx="0">
-            <a:schemeClr val="accent1"/>
-          </a:effectRef>
-          <a:fontRef idx="minor">
-            <a:schemeClr val="lt1"/>
-          </a:fontRef>
-        </p:style>
-        <p:txBody>
-          <a:bodyPr rtlCol="0" anchor="ctr"/>
-          <a:lstStyle/>
-          <a:p>
-            <a:pPr algn="ctr"/>
-            <a:endParaRPr lang="en-US"/>
-          </a:p>
-        </p:txBody>
-      </p:sp>
-      <p:cxnSp>
-        <p:nvCxnSpPr>
-          <p:cNvPr id="11" name="Straight Arrow Connector 10"/>
-          <p:cNvCxnSpPr>
-            <a:stCxn id="9" idx="2"/>
-          </p:cNvCxnSpPr>
-          <p:nvPr/>
-        </p:nvCxnSpPr>
-        <p:spPr>
-          <a:xfrm flipH="1">
-            <a:off x="4160068" y="3340729"/>
-            <a:ext cx="9054" cy="597528"/>
-          </a:xfrm>
-          <a:prstGeom prst="straightConnector1">
-            <a:avLst/>
-          </a:prstGeom>
-          <a:ln w="28575">
-            <a:solidFill>
-              <a:schemeClr val="tx1"/>
-            </a:solidFill>
-            <a:tailEnd type="triangle"/>
-          </a:ln>
-        </p:spPr>
-        <p:style>
-          <a:lnRef idx="1">
-            <a:schemeClr val="accent1"/>
-          </a:lnRef>
-          <a:fillRef idx="0">
-            <a:schemeClr val="accent1"/>
-          </a:fillRef>
-          <a:effectRef idx="0">
-            <a:schemeClr val="accent1"/>
-          </a:effectRef>
-          <a:fontRef idx="minor">
-            <a:schemeClr val="tx1"/>
-          </a:fontRef>
-        </p:style>
-      </p:cxnSp>
-      <p:sp>
-        <p:nvSpPr>
-          <p:cNvPr id="13" name="Rectangle 12"/>
-          <p:cNvSpPr/>
-          <p:nvPr/>
-        </p:nvSpPr>
-        <p:spPr>
-          <a:xfrm>
-            <a:off x="3829617" y="3981587"/>
-            <a:ext cx="1326517" cy="646331"/>
-          </a:xfrm>
-          <a:prstGeom prst="rect">
-            <a:avLst/>
-          </a:prstGeom>
-        </p:spPr>
-        <p:txBody>
-          <a:bodyPr wrap="none">
-            <a:spAutoFit/>
-          </a:bodyPr>
-          <a:lstStyle/>
-          <a:p>
-            <a:pPr algn="ctr"/>
-            <a:r>
-              <a:rPr lang="en-US" i="1" dirty="0"/>
-              <a:t>structuring </a:t>
-            </a:r>
-            <a:endParaRPr lang="en-US" i="1" dirty="0" smtClean="0"/>
-          </a:p>
-          <a:p>
-            <a:pPr algn="ctr"/>
-            <a:r>
-              <a:rPr lang="en-US" i="1" dirty="0" smtClean="0"/>
-              <a:t>element</a:t>
-            </a:r>
-            <a:endParaRPr lang="en-US" dirty="0"/>
-          </a:p>
-        </p:txBody>
-      </p:sp>
-      <p:sp>
-        <p:nvSpPr>
-          <p:cNvPr id="14" name="Rectangle 13"/>
-          <p:cNvSpPr/>
-          <p:nvPr/>
-        </p:nvSpPr>
-        <p:spPr>
-          <a:xfrm>
-            <a:off x="4599162" y="2933322"/>
-            <a:ext cx="1548142" cy="425513"/>
-          </a:xfrm>
-          <a:prstGeom prst="rect">
-            <a:avLst/>
-          </a:prstGeom>
-          <a:noFill/>
-          <a:ln>
-            <a:solidFill>
-              <a:schemeClr val="tx1"/>
-            </a:solidFill>
-          </a:ln>
-        </p:spPr>
-        <p:style>
-          <a:lnRef idx="2">
-            <a:schemeClr val="accent1">
-              <a:shade val="50000"/>
-            </a:schemeClr>
-          </a:lnRef>
-          <a:fillRef idx="1">
-            <a:schemeClr val="accent1"/>
-          </a:fillRef>
-          <a:effectRef idx="0">
-            <a:schemeClr val="accent1"/>
-          </a:effectRef>
-          <a:fontRef idx="minor">
-            <a:schemeClr val="lt1"/>
-          </a:fontRef>
-        </p:style>
-        <p:txBody>
-          <a:bodyPr rtlCol="0" anchor="ctr"/>
-          <a:lstStyle/>
-          <a:p>
-            <a:pPr algn="ctr"/>
-            <a:endParaRPr lang="en-US"/>
-          </a:p>
-        </p:txBody>
-      </p:sp>
-      <p:cxnSp>
-        <p:nvCxnSpPr>
-          <p:cNvPr id="16" name="Elbow Connector 15"/>
-          <p:cNvCxnSpPr/>
-          <p:nvPr/>
-        </p:nvCxnSpPr>
-        <p:spPr>
-          <a:xfrm rot="16200000" flipH="1">
-            <a:off x="5315353" y="3403134"/>
-            <a:ext cx="622752" cy="534155"/>
-          </a:xfrm>
-          <a:prstGeom prst="bentConnector3">
-            <a:avLst/>
-          </a:prstGeom>
-          <a:ln w="28575">
-            <a:solidFill>
-              <a:schemeClr val="tx1"/>
-            </a:solidFill>
-            <a:tailEnd type="triangle"/>
-          </a:ln>
-        </p:spPr>
-        <p:style>
-          <a:lnRef idx="1">
-            <a:schemeClr val="accent1"/>
-          </a:lnRef>
-          <a:fillRef idx="0">
-            <a:schemeClr val="accent1"/>
-          </a:fillRef>
-          <a:effectRef idx="0">
-            <a:schemeClr val="accent1"/>
-          </a:effectRef>
-          <a:fontRef idx="minor">
-            <a:schemeClr val="tx1"/>
-          </a:fontRef>
-        </p:style>
-      </p:cxnSp>
-      <p:sp>
-        <p:nvSpPr>
-          <p:cNvPr id="17" name="Rectangle 16"/>
-          <p:cNvSpPr/>
-          <p:nvPr/>
-        </p:nvSpPr>
-        <p:spPr>
-          <a:xfrm>
-            <a:off x="5049827" y="4042757"/>
-            <a:ext cx="2569934" cy="646331"/>
-          </a:xfrm>
-          <a:prstGeom prst="rect">
-            <a:avLst/>
-          </a:prstGeom>
-        </p:spPr>
-        <p:txBody>
-          <a:bodyPr wrap="none">
-            <a:spAutoFit/>
-          </a:bodyPr>
-          <a:lstStyle/>
-          <a:p>
-            <a:pPr algn="ctr"/>
-            <a:r>
-              <a:rPr lang="en-US" dirty="0" err="1" smtClean="0"/>
-              <a:t>Melakukan</a:t>
-            </a:r>
-            <a:r>
-              <a:rPr lang="en-US" dirty="0" smtClean="0"/>
-              <a:t> </a:t>
-            </a:r>
-            <a:r>
-              <a:rPr lang="en-US" dirty="0" err="1" smtClean="0"/>
-              <a:t>perulangan</a:t>
-            </a:r>
-            <a:r>
-              <a:rPr lang="en-US" dirty="0" smtClean="0"/>
-              <a:t> </a:t>
-            </a:r>
-          </a:p>
-          <a:p>
-            <a:pPr algn="ctr"/>
-            <a:r>
-              <a:rPr lang="en-US" dirty="0" err="1" smtClean="0"/>
-              <a:t>Literasi</a:t>
-            </a:r>
-            <a:r>
-              <a:rPr lang="en-US" dirty="0" smtClean="0"/>
-              <a:t> </a:t>
-            </a:r>
-            <a:r>
-              <a:rPr lang="en-US" dirty="0" err="1" smtClean="0"/>
-              <a:t>hanya</a:t>
-            </a:r>
-            <a:r>
-              <a:rPr lang="en-US" dirty="0" smtClean="0"/>
-              <a:t> </a:t>
-            </a:r>
-            <a:r>
-              <a:rPr lang="en-US" dirty="0" err="1" smtClean="0"/>
-              <a:t>sekali</a:t>
-            </a:r>
-            <a:endParaRPr lang="en-US" dirty="0"/>
-          </a:p>
-        </p:txBody>
-      </p:sp>
+      </p:pic>
     </p:spTree>
     <p:extLst>
       <p:ext uri="{BB962C8B-B14F-4D97-AF65-F5344CB8AC3E}">
-        <p14:creationId xmlns:p14="http://schemas.microsoft.com/office/powerpoint/2010/main" val="1673352651"/>
+        <p14:creationId xmlns:p14="http://schemas.microsoft.com/office/powerpoint/2010/main" val="434991875"/>
       </p:ext>
     </p:extLst>
   </p:cSld>
   <p:clrMapOvr>
     <a:masterClrMapping/>
   </p:clrMapOvr>
+  <p:timing>
+    <p:tnLst>
+      <p:par>
+        <p:cTn id="1" dur="indefinite" restart="never" nodeType="tmRoot">
+          <p:childTnLst>
+            <p:seq concurrent="1" nextAc="seek">
+              <p:cTn id="2" dur="indefinite" nodeType="mainSeq">
+                <p:childTnLst>
+                  <p:par>
+                    <p:cTn id="3" fill="hold">
+                      <p:stCondLst>
+                        <p:cond delay="indefinite"/>
+                      </p:stCondLst>
+                      <p:childTnLst>
+                        <p:par>
+                          <p:cTn id="4" fill="hold">
+                            <p:stCondLst>
+                              <p:cond delay="0"/>
+                            </p:stCondLst>
+                            <p:childTnLst>
+                              <p:par>
+                                <p:cTn id="5" presetID="22" presetClass="entr" presetSubtype="8" fill="hold" grpId="0" nodeType="clickEffect">
+                                  <p:stCondLst>
+                                    <p:cond delay="0"/>
+                                  </p:stCondLst>
+                                  <p:childTnLst>
+                                    <p:set>
+                                      <p:cBhvr>
+                                        <p:cTn id="6" dur="1" fill="hold">
+                                          <p:stCondLst>
+                                            <p:cond delay="0"/>
+                                          </p:stCondLst>
+                                        </p:cTn>
+                                        <p:tgtEl>
+                                          <p:spTgt spid="6"/>
+                                        </p:tgtEl>
+                                        <p:attrNameLst>
+                                          <p:attrName>style.visibility</p:attrName>
+                                        </p:attrNameLst>
+                                      </p:cBhvr>
+                                      <p:to>
+                                        <p:strVal val="visible"/>
+                                      </p:to>
+                                    </p:set>
+                                    <p:animEffect transition="in" filter="wipe(left)">
+                                      <p:cBhvr>
+                                        <p:cTn id="7" dur="500"/>
+                                        <p:tgtEl>
+                                          <p:spTgt spid="6"/>
+                                        </p:tgtEl>
+                                      </p:cBhvr>
+                                    </p:animEffect>
+                                  </p:childTnLst>
+                                </p:cTn>
+                              </p:par>
+                            </p:childTnLst>
+                          </p:cTn>
+                        </p:par>
+                        <p:par>
+                          <p:cTn id="8" fill="hold">
+                            <p:stCondLst>
+                              <p:cond delay="500"/>
+                            </p:stCondLst>
+                            <p:childTnLst>
+                              <p:par>
+                                <p:cTn id="9" presetID="22" presetClass="entr" presetSubtype="1" fill="hold" nodeType="afterEffect">
+                                  <p:stCondLst>
+                                    <p:cond delay="0"/>
+                                  </p:stCondLst>
+                                  <p:childTnLst>
+                                    <p:set>
+                                      <p:cBhvr>
+                                        <p:cTn id="10" dur="1" fill="hold">
+                                          <p:stCondLst>
+                                            <p:cond delay="0"/>
+                                          </p:stCondLst>
+                                        </p:cTn>
+                                        <p:tgtEl>
+                                          <p:spTgt spid="7"/>
+                                        </p:tgtEl>
+                                        <p:attrNameLst>
+                                          <p:attrName>style.visibility</p:attrName>
+                                        </p:attrNameLst>
+                                      </p:cBhvr>
+                                      <p:to>
+                                        <p:strVal val="visible"/>
+                                      </p:to>
+                                    </p:set>
+                                    <p:animEffect transition="in" filter="wipe(up)">
+                                      <p:cBhvr>
+                                        <p:cTn id="11" dur="500"/>
+                                        <p:tgtEl>
+                                          <p:spTgt spid="7"/>
+                                        </p:tgtEl>
+                                      </p:cBhvr>
+                                    </p:animEffect>
+                                  </p:childTnLst>
+                                </p:cTn>
+                              </p:par>
+                            </p:childTnLst>
+                          </p:cTn>
+                        </p:par>
+                      </p:childTnLst>
+                    </p:cTn>
+                  </p:par>
+                </p:childTnLst>
+              </p:cTn>
+              <p:prevCondLst>
+                <p:cond evt="onPrev" delay="0">
+                  <p:tgtEl>
+                    <p:sldTgt/>
+                  </p:tgtEl>
+                </p:cond>
+              </p:prevCondLst>
+              <p:nextCondLst>
+                <p:cond evt="onNext" delay="0">
+                  <p:tgtEl>
+                    <p:sldTgt/>
+                  </p:tgtEl>
+                </p:cond>
+              </p:nextCondLst>
+            </p:seq>
+          </p:childTnLst>
+        </p:cTn>
+      </p:par>
+    </p:tnLst>
+    <p:bldLst>
+      <p:bldP spid="6" grpId="0"/>
+    </p:bldLst>
+  </p:timing>
 </p:sld>
 </file>
 
@@ -10371,134 +7532,256 @@
           <a:bodyPr/>
           <a:lstStyle/>
           <a:p>
-            <a:r>
-              <a:rPr lang="en-US" b="1" dirty="0" err="1"/>
-              <a:t>Operasi</a:t>
-            </a:r>
-            <a:r>
-              <a:rPr lang="en-US" b="1" dirty="0"/>
+            <a:pPr algn="just"/>
+            <a:r>
+              <a:rPr lang="en-US" b="1" dirty="0">
+                <a:latin typeface="Arial" panose="020B0604020202020204" pitchFamily="34" charset="0"/>
+                <a:ea typeface="Times New Roman" panose="02020603050405020304" pitchFamily="18" charset="0"/>
+                <a:cs typeface="Times New Roman" panose="02020603050405020304" pitchFamily="18" charset="0"/>
+              </a:rPr>
+              <a:t>Frog eye</a:t>
+            </a:r>
+            <a:endParaRPr lang="en-US" b="1" dirty="0">
+              <a:latin typeface="Calibri" panose="020F0502020204030204" pitchFamily="34" charset="0"/>
+              <a:ea typeface="Times New Roman" panose="02020603050405020304" pitchFamily="18" charset="0"/>
+              <a:cs typeface="Times New Roman" panose="02020603050405020304" pitchFamily="18" charset="0"/>
+            </a:endParaRPr>
+          </a:p>
+        </p:txBody>
+      </p:sp>
+      <p:sp>
+        <p:nvSpPr>
+          <p:cNvPr id="5" name="Rectangle 4"/>
+          <p:cNvSpPr/>
+          <p:nvPr/>
+        </p:nvSpPr>
+        <p:spPr>
+          <a:xfrm>
+            <a:off x="609599" y="1641233"/>
+            <a:ext cx="7610947" cy="1200329"/>
+          </a:xfrm>
+          <a:prstGeom prst="rect">
+            <a:avLst/>
+          </a:prstGeom>
+        </p:spPr>
+        <p:txBody>
+          <a:bodyPr wrap="square">
+            <a:spAutoFit/>
+          </a:bodyPr>
+          <a:lstStyle/>
+          <a:p>
+            <a:r>
+              <a:rPr lang="en-US" sz="2400" dirty="0" err="1">
+                <a:latin typeface="Arial" panose="020B0604020202020204" pitchFamily="34" charset="0"/>
+                <a:cs typeface="Arial" panose="020B0604020202020204" pitchFamily="34" charset="0"/>
+              </a:rPr>
+              <a:t>Sudut</a:t>
+            </a:r>
+            <a:r>
+              <a:rPr lang="en-US" sz="2400" dirty="0">
+                <a:latin typeface="Arial" panose="020B0604020202020204" pitchFamily="34" charset="0"/>
+                <a:cs typeface="Arial" panose="020B0604020202020204" pitchFamily="34" charset="0"/>
+              </a:rPr>
               <a:t> </a:t>
             </a:r>
             <a:r>
-              <a:rPr lang="en-US" b="1" dirty="0" err="1"/>
-              <a:t>Dilasi</a:t>
-            </a:r>
-            <a:endParaRPr lang="en-US" dirty="0"/>
+              <a:rPr lang="en-US" sz="2400" dirty="0" err="1">
+                <a:latin typeface="Arial" panose="020B0604020202020204" pitchFamily="34" charset="0"/>
+                <a:cs typeface="Arial" panose="020B0604020202020204" pitchFamily="34" charset="0"/>
+              </a:rPr>
+              <a:t>pengambilan</a:t>
+            </a:r>
+            <a:r>
+              <a:rPr lang="en-US" sz="2400" dirty="0">
+                <a:latin typeface="Arial" panose="020B0604020202020204" pitchFamily="34" charset="0"/>
+                <a:cs typeface="Arial" panose="020B0604020202020204" pitchFamily="34" charset="0"/>
+              </a:rPr>
+              <a:t> </a:t>
+            </a:r>
+            <a:r>
+              <a:rPr lang="en-US" sz="2400" dirty="0" err="1">
+                <a:latin typeface="Arial" panose="020B0604020202020204" pitchFamily="34" charset="0"/>
+                <a:cs typeface="Arial" panose="020B0604020202020204" pitchFamily="34" charset="0"/>
+              </a:rPr>
+              <a:t>gambar</a:t>
+            </a:r>
+            <a:r>
+              <a:rPr lang="en-US" sz="2400" dirty="0">
+                <a:latin typeface="Arial" panose="020B0604020202020204" pitchFamily="34" charset="0"/>
+                <a:cs typeface="Arial" panose="020B0604020202020204" pitchFamily="34" charset="0"/>
+              </a:rPr>
+              <a:t> </a:t>
+            </a:r>
+            <a:r>
+              <a:rPr lang="en-US" sz="2400" dirty="0" err="1">
+                <a:latin typeface="Arial" panose="020B0604020202020204" pitchFamily="34" charset="0"/>
+                <a:cs typeface="Arial" panose="020B0604020202020204" pitchFamily="34" charset="0"/>
+              </a:rPr>
+              <a:t>dengan</a:t>
+            </a:r>
+            <a:r>
+              <a:rPr lang="en-US" sz="2400" dirty="0">
+                <a:latin typeface="Arial" panose="020B0604020202020204" pitchFamily="34" charset="0"/>
+                <a:cs typeface="Arial" panose="020B0604020202020204" pitchFamily="34" charset="0"/>
+              </a:rPr>
+              <a:t> </a:t>
+            </a:r>
+            <a:r>
+              <a:rPr lang="en-US" sz="2400" dirty="0" err="1">
+                <a:latin typeface="Arial" panose="020B0604020202020204" pitchFamily="34" charset="0"/>
+                <a:cs typeface="Arial" panose="020B0604020202020204" pitchFamily="34" charset="0"/>
+              </a:rPr>
+              <a:t>ketinggian</a:t>
+            </a:r>
+            <a:r>
+              <a:rPr lang="en-US" sz="2400" dirty="0">
+                <a:latin typeface="Arial" panose="020B0604020202020204" pitchFamily="34" charset="0"/>
+                <a:cs typeface="Arial" panose="020B0604020202020204" pitchFamily="34" charset="0"/>
+              </a:rPr>
+              <a:t> </a:t>
+            </a:r>
+            <a:r>
+              <a:rPr lang="en-US" sz="2400" dirty="0" err="1">
+                <a:latin typeface="Arial" panose="020B0604020202020204" pitchFamily="34" charset="0"/>
+                <a:cs typeface="Arial" panose="020B0604020202020204" pitchFamily="34" charset="0"/>
+              </a:rPr>
+              <a:t>kamera</a:t>
+            </a:r>
+            <a:r>
+              <a:rPr lang="en-US" sz="2400" dirty="0">
+                <a:latin typeface="Arial" panose="020B0604020202020204" pitchFamily="34" charset="0"/>
+                <a:cs typeface="Arial" panose="020B0604020202020204" pitchFamily="34" charset="0"/>
+              </a:rPr>
+              <a:t> </a:t>
+            </a:r>
+            <a:r>
+              <a:rPr lang="en-US" sz="2400" dirty="0" err="1">
+                <a:latin typeface="Arial" panose="020B0604020202020204" pitchFamily="34" charset="0"/>
+                <a:cs typeface="Arial" panose="020B0604020202020204" pitchFamily="34" charset="0"/>
+              </a:rPr>
+              <a:t>sejajar</a:t>
+            </a:r>
+            <a:r>
+              <a:rPr lang="en-US" sz="2400" dirty="0">
+                <a:latin typeface="Arial" panose="020B0604020202020204" pitchFamily="34" charset="0"/>
+                <a:cs typeface="Arial" panose="020B0604020202020204" pitchFamily="34" charset="0"/>
+              </a:rPr>
+              <a:t> </a:t>
+            </a:r>
+            <a:r>
+              <a:rPr lang="en-US" sz="2400" dirty="0" err="1">
+                <a:latin typeface="Arial" panose="020B0604020202020204" pitchFamily="34" charset="0"/>
+                <a:cs typeface="Arial" panose="020B0604020202020204" pitchFamily="34" charset="0"/>
+              </a:rPr>
+              <a:t>dengan</a:t>
+            </a:r>
+            <a:r>
+              <a:rPr lang="en-US" sz="2400" dirty="0">
+                <a:latin typeface="Arial" panose="020B0604020202020204" pitchFamily="34" charset="0"/>
+                <a:cs typeface="Arial" panose="020B0604020202020204" pitchFamily="34" charset="0"/>
+              </a:rPr>
+              <a:t> alas/</a:t>
+            </a:r>
+            <a:r>
+              <a:rPr lang="en-US" sz="2400" dirty="0" err="1">
+                <a:latin typeface="Arial" panose="020B0604020202020204" pitchFamily="34" charset="0"/>
+                <a:cs typeface="Arial" panose="020B0604020202020204" pitchFamily="34" charset="0"/>
+              </a:rPr>
+              <a:t>dasar</a:t>
+            </a:r>
+            <a:r>
+              <a:rPr lang="en-US" sz="2400" dirty="0">
+                <a:latin typeface="Arial" panose="020B0604020202020204" pitchFamily="34" charset="0"/>
+                <a:cs typeface="Arial" panose="020B0604020202020204" pitchFamily="34" charset="0"/>
+              </a:rPr>
+              <a:t> </a:t>
+            </a:r>
+            <a:r>
+              <a:rPr lang="en-US" sz="2400" dirty="0" err="1">
+                <a:latin typeface="Arial" panose="020B0604020202020204" pitchFamily="34" charset="0"/>
+                <a:cs typeface="Arial" panose="020B0604020202020204" pitchFamily="34" charset="0"/>
+              </a:rPr>
+              <a:t>kedudukan</a:t>
+            </a:r>
+            <a:r>
+              <a:rPr lang="en-US" sz="2400" dirty="0">
+                <a:latin typeface="Arial" panose="020B0604020202020204" pitchFamily="34" charset="0"/>
+                <a:cs typeface="Arial" panose="020B0604020202020204" pitchFamily="34" charset="0"/>
+              </a:rPr>
+              <a:t> </a:t>
+            </a:r>
+            <a:r>
+              <a:rPr lang="en-US" sz="2400" dirty="0" err="1">
+                <a:latin typeface="Arial" panose="020B0604020202020204" pitchFamily="34" charset="0"/>
+                <a:cs typeface="Arial" panose="020B0604020202020204" pitchFamily="34" charset="0"/>
+              </a:rPr>
+              <a:t>objek</a:t>
+            </a:r>
+            <a:r>
+              <a:rPr lang="en-US" sz="2400" dirty="0">
+                <a:latin typeface="Arial" panose="020B0604020202020204" pitchFamily="34" charset="0"/>
+                <a:cs typeface="Arial" panose="020B0604020202020204" pitchFamily="34" charset="0"/>
+              </a:rPr>
+              <a:t> </a:t>
+            </a:r>
+            <a:r>
+              <a:rPr lang="en-US" sz="2400" dirty="0" err="1">
+                <a:latin typeface="Arial" panose="020B0604020202020204" pitchFamily="34" charset="0"/>
+                <a:cs typeface="Arial" panose="020B0604020202020204" pitchFamily="34" charset="0"/>
+              </a:rPr>
+              <a:t>atau</a:t>
+            </a:r>
+            <a:r>
+              <a:rPr lang="en-US" sz="2400" dirty="0">
+                <a:latin typeface="Arial" panose="020B0604020202020204" pitchFamily="34" charset="0"/>
+                <a:cs typeface="Arial" panose="020B0604020202020204" pitchFamily="34" charset="0"/>
+              </a:rPr>
+              <a:t> </a:t>
+            </a:r>
+            <a:r>
+              <a:rPr lang="en-US" sz="2400" dirty="0" err="1">
+                <a:latin typeface="Arial" panose="020B0604020202020204" pitchFamily="34" charset="0"/>
+                <a:cs typeface="Arial" panose="020B0604020202020204" pitchFamily="34" charset="0"/>
+              </a:rPr>
+              <a:t>lebih</a:t>
+            </a:r>
+            <a:r>
+              <a:rPr lang="en-US" sz="2400" dirty="0">
+                <a:latin typeface="Arial" panose="020B0604020202020204" pitchFamily="34" charset="0"/>
+                <a:cs typeface="Arial" panose="020B0604020202020204" pitchFamily="34" charset="0"/>
+              </a:rPr>
+              <a:t> </a:t>
+            </a:r>
+            <a:r>
+              <a:rPr lang="en-US" sz="2400" dirty="0" err="1">
+                <a:latin typeface="Arial" panose="020B0604020202020204" pitchFamily="34" charset="0"/>
+                <a:cs typeface="Arial" panose="020B0604020202020204" pitchFamily="34" charset="0"/>
+              </a:rPr>
+              <a:t>rendah</a:t>
+            </a:r>
+            <a:endParaRPr lang="en-US" sz="2400" dirty="0">
+              <a:latin typeface="Arial" panose="020B0604020202020204" pitchFamily="34" charset="0"/>
+              <a:cs typeface="Arial" panose="020B0604020202020204" pitchFamily="34" charset="0"/>
+            </a:endParaRPr>
           </a:p>
         </p:txBody>
       </p:sp>
       <p:pic>
         <p:nvPicPr>
-          <p:cNvPr id="3" name="Picture 2"/>
-          <p:cNvPicPr>
-            <a:picLocks noChangeAspect="1"/>
-          </p:cNvPicPr>
+          <p:cNvPr id="8" name="Picture 7"/>
+          <p:cNvPicPr/>
           <p:nvPr/>
         </p:nvPicPr>
         <p:blipFill>
-          <a:blip r:embed="rId2"/>
+          <a:blip r:embed="rId2" cstate="print"/>
           <a:stretch>
             <a:fillRect/>
           </a:stretch>
         </p:blipFill>
         <p:spPr>
           <a:xfrm>
-            <a:off x="1646639" y="1944635"/>
-            <a:ext cx="2971719" cy="3259095"/>
-          </a:xfrm>
-          <a:prstGeom prst="rect">
-            <a:avLst/>
-          </a:prstGeom>
-        </p:spPr>
-      </p:pic>
-      <p:sp>
-        <p:nvSpPr>
-          <p:cNvPr id="5" name="TextBox 4"/>
-          <p:cNvSpPr txBox="1"/>
-          <p:nvPr/>
-        </p:nvSpPr>
-        <p:spPr>
-          <a:xfrm>
-            <a:off x="2073244" y="1575303"/>
-            <a:ext cx="2118510" cy="369332"/>
-          </a:xfrm>
-          <a:prstGeom prst="rect">
-            <a:avLst/>
-          </a:prstGeom>
-          <a:noFill/>
-        </p:spPr>
-        <p:txBody>
-          <a:bodyPr wrap="square" rtlCol="0">
-            <a:spAutoFit/>
-          </a:bodyPr>
-          <a:lstStyle/>
-          <a:p>
-            <a:pPr algn="ctr"/>
-            <a:r>
-              <a:rPr lang="en-US" dirty="0" smtClean="0"/>
-              <a:t>Citra </a:t>
-            </a:r>
-            <a:r>
-              <a:rPr lang="en-US" dirty="0" err="1" smtClean="0"/>
-              <a:t>Asli</a:t>
-            </a:r>
-            <a:endParaRPr lang="en-US" dirty="0"/>
-          </a:p>
-        </p:txBody>
-      </p:sp>
-      <p:sp>
-        <p:nvSpPr>
-          <p:cNvPr id="6" name="TextBox 5"/>
-          <p:cNvSpPr txBox="1"/>
-          <p:nvPr/>
-        </p:nvSpPr>
-        <p:spPr>
-          <a:xfrm>
-            <a:off x="6363969" y="1480946"/>
-            <a:ext cx="2118510" cy="369332"/>
-          </a:xfrm>
-          <a:prstGeom prst="rect">
-            <a:avLst/>
-          </a:prstGeom>
-          <a:noFill/>
-        </p:spPr>
-        <p:txBody>
-          <a:bodyPr wrap="square" rtlCol="0">
-            <a:spAutoFit/>
-          </a:bodyPr>
-          <a:lstStyle/>
-          <a:p>
-            <a:pPr algn="ctr"/>
-            <a:r>
-              <a:rPr lang="en-US" dirty="0" smtClean="0"/>
-              <a:t>Citra </a:t>
-            </a:r>
-            <a:r>
-              <a:rPr lang="en-US" dirty="0" err="1" smtClean="0"/>
-              <a:t>Dilasi</a:t>
-            </a:r>
-            <a:endParaRPr lang="en-US" dirty="0"/>
-          </a:p>
-        </p:txBody>
-      </p:sp>
-      <p:pic>
-        <p:nvPicPr>
-          <p:cNvPr id="7" name="Picture 6"/>
-          <p:cNvPicPr>
-            <a:picLocks noChangeAspect="1"/>
-          </p:cNvPicPr>
-          <p:nvPr/>
-        </p:nvPicPr>
-        <p:blipFill>
-          <a:blip r:embed="rId3"/>
-          <a:stretch>
-            <a:fillRect/>
-          </a:stretch>
-        </p:blipFill>
-        <p:spPr>
-          <a:xfrm>
-            <a:off x="5981700" y="1944634"/>
-            <a:ext cx="2947468" cy="3259095"/>
+            <a:off x="609599" y="3028021"/>
+            <a:ext cx="3997424" cy="2347772"/>
           </a:xfrm>
           <a:prstGeom prst="rect">
             <a:avLst/>
@@ -10508,13 +7791,143 @@
     </p:spTree>
     <p:extLst>
       <p:ext uri="{BB962C8B-B14F-4D97-AF65-F5344CB8AC3E}">
-        <p14:creationId xmlns:p14="http://schemas.microsoft.com/office/powerpoint/2010/main" val="758923160"/>
+        <p14:creationId xmlns:p14="http://schemas.microsoft.com/office/powerpoint/2010/main" val="3722491537"/>
       </p:ext>
     </p:extLst>
   </p:cSld>
   <p:clrMapOvr>
     <a:masterClrMapping/>
   </p:clrMapOvr>
+  <p:timing>
+    <p:tnLst>
+      <p:par>
+        <p:cTn id="1" dur="indefinite" restart="never" nodeType="tmRoot">
+          <p:childTnLst>
+            <p:seq concurrent="1" nextAc="seek">
+              <p:cTn id="2" dur="indefinite" nodeType="mainSeq">
+                <p:childTnLst>
+                  <p:par>
+                    <p:cTn id="3" fill="hold">
+                      <p:stCondLst>
+                        <p:cond delay="indefinite"/>
+                      </p:stCondLst>
+                      <p:childTnLst>
+                        <p:par>
+                          <p:cTn id="4" fill="hold">
+                            <p:stCondLst>
+                              <p:cond delay="0"/>
+                            </p:stCondLst>
+                            <p:childTnLst>
+                              <p:par>
+                                <p:cTn id="5" presetID="22" presetClass="entr" presetSubtype="8" fill="hold" grpId="0" nodeType="clickEffect">
+                                  <p:stCondLst>
+                                    <p:cond delay="0"/>
+                                  </p:stCondLst>
+                                  <p:childTnLst>
+                                    <p:set>
+                                      <p:cBhvr>
+                                        <p:cTn id="6" dur="1" fill="hold">
+                                          <p:stCondLst>
+                                            <p:cond delay="0"/>
+                                          </p:stCondLst>
+                                        </p:cTn>
+                                        <p:tgtEl>
+                                          <p:spTgt spid="5"/>
+                                        </p:tgtEl>
+                                        <p:attrNameLst>
+                                          <p:attrName>style.visibility</p:attrName>
+                                        </p:attrNameLst>
+                                      </p:cBhvr>
+                                      <p:to>
+                                        <p:strVal val="visible"/>
+                                      </p:to>
+                                    </p:set>
+                                    <p:animEffect transition="in" filter="wipe(left)">
+                                      <p:cBhvr>
+                                        <p:cTn id="7" dur="500"/>
+                                        <p:tgtEl>
+                                          <p:spTgt spid="5"/>
+                                        </p:tgtEl>
+                                      </p:cBhvr>
+                                    </p:animEffect>
+                                  </p:childTnLst>
+                                </p:cTn>
+                              </p:par>
+                            </p:childTnLst>
+                          </p:cTn>
+                        </p:par>
+                        <p:par>
+                          <p:cTn id="8" fill="hold">
+                            <p:stCondLst>
+                              <p:cond delay="500"/>
+                            </p:stCondLst>
+                            <p:childTnLst>
+                              <p:par>
+                                <p:cTn id="9" presetID="22" presetClass="entr" presetSubtype="1" fill="hold" nodeType="afterEffect">
+                                  <p:stCondLst>
+                                    <p:cond delay="0"/>
+                                  </p:stCondLst>
+                                  <p:childTnLst>
+                                    <p:set>
+                                      <p:cBhvr>
+                                        <p:cTn id="10" dur="1" fill="hold">
+                                          <p:stCondLst>
+                                            <p:cond delay="0"/>
+                                          </p:stCondLst>
+                                        </p:cTn>
+                                        <p:tgtEl>
+                                          <p:spTgt spid="8"/>
+                                        </p:tgtEl>
+                                        <p:attrNameLst>
+                                          <p:attrName>style.visibility</p:attrName>
+                                        </p:attrNameLst>
+                                      </p:cBhvr>
+                                      <p:to>
+                                        <p:strVal val="visible"/>
+                                      </p:to>
+                                    </p:set>
+                                    <p:animEffect transition="in" filter="wipe(up)">
+                                      <p:cBhvr>
+                                        <p:cTn id="11" dur="500"/>
+                                        <p:tgtEl>
+                                          <p:spTgt spid="8"/>
+                                        </p:tgtEl>
+                                      </p:cBhvr>
+                                    </p:animEffect>
+                                  </p:childTnLst>
+                                </p:cTn>
+                              </p:par>
+                            </p:childTnLst>
+                          </p:cTn>
+                        </p:par>
+                      </p:childTnLst>
+                    </p:cTn>
+                  </p:par>
+                </p:childTnLst>
+              </p:cTn>
+              <p:prevCondLst>
+                <p:cond evt="onPrev" delay="0">
+                  <p:tgtEl>
+                    <p:sldTgt/>
+                  </p:tgtEl>
+                </p:cond>
+              </p:prevCondLst>
+              <p:nextCondLst>
+                <p:cond evt="onNext" delay="0">
+                  <p:tgtEl>
+                    <p:sldTgt/>
+                  </p:tgtEl>
+                </p:cond>
+              </p:nextCondLst>
+            </p:seq>
+          </p:childTnLst>
+        </p:cTn>
+      </p:par>
+    </p:tnLst>
+    <p:bldLst>
+      <p:bldP spid="5" grpId="0"/>
+    </p:bldLst>
+  </p:timing>
 </p:sld>
 </file>
 
@@ -10545,302 +7958,375 @@
             <p:ph type="title"/>
           </p:nvPr>
         </p:nvSpPr>
+        <p:spPr/>
+        <p:txBody>
+          <a:bodyPr/>
+          <a:lstStyle/>
+          <a:p>
+            <a:pPr algn="just"/>
+            <a:r>
+              <a:rPr lang="en-US" b="1" dirty="0">
+                <a:latin typeface="Arial" panose="020B0604020202020204" pitchFamily="34" charset="0"/>
+                <a:ea typeface="Times New Roman" panose="02020603050405020304" pitchFamily="18" charset="0"/>
+                <a:cs typeface="Times New Roman" panose="02020603050405020304" pitchFamily="18" charset="0"/>
+              </a:rPr>
+              <a:t>Frog eye</a:t>
+            </a:r>
+            <a:endParaRPr lang="en-US" b="1" dirty="0">
+              <a:latin typeface="Calibri" panose="020F0502020204030204" pitchFamily="34" charset="0"/>
+              <a:ea typeface="Times New Roman" panose="02020603050405020304" pitchFamily="18" charset="0"/>
+              <a:cs typeface="Times New Roman" panose="02020603050405020304" pitchFamily="18" charset="0"/>
+            </a:endParaRPr>
+          </a:p>
+        </p:txBody>
+      </p:sp>
+      <p:sp>
+        <p:nvSpPr>
+          <p:cNvPr id="6" name="Rectangle 5"/>
+          <p:cNvSpPr/>
+          <p:nvPr/>
+        </p:nvSpPr>
         <p:spPr>
           <a:xfrm>
-            <a:off x="609600" y="-18106"/>
-            <a:ext cx="10744200" cy="1228436"/>
-          </a:xfrm>
-        </p:spPr>
-        <p:txBody>
-          <a:bodyPr/>
-          <a:lstStyle/>
-          <a:p>
-            <a:r>
-              <a:rPr lang="en-US" b="1" dirty="0" err="1" smtClean="0"/>
-              <a:t>Operasi</a:t>
-            </a:r>
-            <a:r>
-              <a:rPr lang="en-US" b="1" dirty="0" smtClean="0"/>
-              <a:t> </a:t>
-            </a:r>
-            <a:r>
-              <a:rPr lang="en-US" b="1" dirty="0" err="1" smtClean="0"/>
-              <a:t>Erosi</a:t>
-            </a:r>
-            <a:endParaRPr lang="en-US" b="1" dirty="0"/>
-          </a:p>
-        </p:txBody>
-      </p:sp>
-      <p:sp>
-        <p:nvSpPr>
-          <p:cNvPr id="3" name="TextBox 2"/>
-          <p:cNvSpPr txBox="1"/>
-          <p:nvPr/>
-        </p:nvSpPr>
-        <p:spPr>
-          <a:xfrm>
-            <a:off x="609600" y="1692999"/>
-            <a:ext cx="9819992" cy="830997"/>
+            <a:off x="609600" y="1710944"/>
+            <a:ext cx="7457038" cy="892552"/>
           </a:xfrm>
           <a:prstGeom prst="rect">
             <a:avLst/>
           </a:prstGeom>
-          <a:noFill/>
         </p:spPr>
         <p:txBody>
-          <a:bodyPr wrap="square" rtlCol="0">
+          <a:bodyPr wrap="square">
             <a:spAutoFit/>
           </a:bodyPr>
           <a:lstStyle/>
           <a:p>
-            <a:pPr marL="285750" indent="-285750">
-              <a:buFont typeface="Arial" panose="020B0604020202020204" pitchFamily="34" charset="0"/>
-              <a:buChar char="•"/>
-            </a:pPr>
-            <a:r>
-              <a:rPr lang="en-US" sz="2400" dirty="0" err="1"/>
-              <a:t>Operasi</a:t>
-            </a:r>
-            <a:r>
-              <a:rPr lang="en-US" sz="2400" dirty="0"/>
+            <a:r>
+              <a:rPr lang="en-US" sz="2600" dirty="0" err="1">
+                <a:latin typeface="Arial" panose="020B0604020202020204" pitchFamily="34" charset="0"/>
+                <a:cs typeface="Arial" panose="020B0604020202020204" pitchFamily="34" charset="0"/>
+              </a:rPr>
+              <a:t>Sudut</a:t>
+            </a:r>
+            <a:r>
+              <a:rPr lang="en-US" sz="2600" dirty="0">
+                <a:latin typeface="Arial" panose="020B0604020202020204" pitchFamily="34" charset="0"/>
+                <a:cs typeface="Arial" panose="020B0604020202020204" pitchFamily="34" charset="0"/>
+              </a:rPr>
               <a:t> </a:t>
             </a:r>
             <a:r>
-              <a:rPr lang="en-US" sz="2400" dirty="0" err="1"/>
-              <a:t>erosi</a:t>
-            </a:r>
-            <a:r>
-              <a:rPr lang="en-US" sz="2400" dirty="0"/>
+              <a:rPr lang="en-US" sz="2600" dirty="0" err="1">
+                <a:latin typeface="Arial" panose="020B0604020202020204" pitchFamily="34" charset="0"/>
+                <a:cs typeface="Arial" panose="020B0604020202020204" pitchFamily="34" charset="0"/>
+              </a:rPr>
+              <a:t>pengambilan</a:t>
+            </a:r>
+            <a:r>
+              <a:rPr lang="en-US" sz="2600" dirty="0">
+                <a:latin typeface="Arial" panose="020B0604020202020204" pitchFamily="34" charset="0"/>
+                <a:cs typeface="Arial" panose="020B0604020202020204" pitchFamily="34" charset="0"/>
+              </a:rPr>
               <a:t> </a:t>
             </a:r>
             <a:r>
-              <a:rPr lang="en-US" sz="2400" dirty="0" err="1"/>
-              <a:t>mempunyai</a:t>
-            </a:r>
-            <a:r>
-              <a:rPr lang="en-US" sz="2400" dirty="0"/>
+              <a:rPr lang="en-US" sz="2600" dirty="0" err="1">
+                <a:latin typeface="Arial" panose="020B0604020202020204" pitchFamily="34" charset="0"/>
+                <a:cs typeface="Arial" panose="020B0604020202020204" pitchFamily="34" charset="0"/>
+              </a:rPr>
+              <a:t>dari</a:t>
+            </a:r>
+            <a:r>
+              <a:rPr lang="en-US" sz="2600" dirty="0">
+                <a:latin typeface="Arial" panose="020B0604020202020204" pitchFamily="34" charset="0"/>
+                <a:cs typeface="Arial" panose="020B0604020202020204" pitchFamily="34" charset="0"/>
+              </a:rPr>
               <a:t> </a:t>
             </a:r>
             <a:r>
-              <a:rPr lang="en-US" sz="2400" dirty="0" err="1"/>
-              <a:t>efek</a:t>
-            </a:r>
-            <a:r>
-              <a:rPr lang="en-US" sz="2400" dirty="0"/>
+              <a:rPr lang="en-US" sz="2600" dirty="0" err="1">
+                <a:latin typeface="Arial" panose="020B0604020202020204" pitchFamily="34" charset="0"/>
+                <a:cs typeface="Arial" panose="020B0604020202020204" pitchFamily="34" charset="0"/>
+              </a:rPr>
+              <a:t>atas</a:t>
+            </a:r>
+            <a:r>
+              <a:rPr lang="en-US" sz="2600" dirty="0">
+                <a:latin typeface="Arial" panose="020B0604020202020204" pitchFamily="34" charset="0"/>
+                <a:cs typeface="Arial" panose="020B0604020202020204" pitchFamily="34" charset="0"/>
+              </a:rPr>
               <a:t> </a:t>
             </a:r>
             <a:r>
-              <a:rPr lang="en-US" sz="2400" dirty="0" err="1"/>
-              <a:t>memperkecil</a:t>
-            </a:r>
-            <a:r>
-              <a:rPr lang="en-US" sz="2400" dirty="0"/>
+              <a:rPr lang="en-US" sz="2600" dirty="0" err="1">
+                <a:latin typeface="Arial" panose="020B0604020202020204" pitchFamily="34" charset="0"/>
+                <a:cs typeface="Arial" panose="020B0604020202020204" pitchFamily="34" charset="0"/>
+              </a:rPr>
+              <a:t>objek</a:t>
+            </a:r>
+            <a:r>
+              <a:rPr lang="en-US" sz="2600" dirty="0">
+                <a:latin typeface="Arial" panose="020B0604020202020204" pitchFamily="34" charset="0"/>
+                <a:cs typeface="Arial" panose="020B0604020202020204" pitchFamily="34" charset="0"/>
+              </a:rPr>
               <a:t> </a:t>
             </a:r>
             <a:r>
-              <a:rPr lang="en-US" sz="2400" dirty="0" err="1"/>
-              <a:t>struktur</a:t>
-            </a:r>
-            <a:r>
-              <a:rPr lang="en-US" sz="2400" dirty="0"/>
+              <a:rPr lang="en-US" sz="2600" dirty="0" err="1">
+                <a:latin typeface="Arial" panose="020B0604020202020204" pitchFamily="34" charset="0"/>
+                <a:cs typeface="Arial" panose="020B0604020202020204" pitchFamily="34" charset="0"/>
+              </a:rPr>
+              <a:t>sehingga</a:t>
+            </a:r>
+            <a:r>
+              <a:rPr lang="en-US" sz="2600" dirty="0">
+                <a:latin typeface="Arial" panose="020B0604020202020204" pitchFamily="34" charset="0"/>
+                <a:cs typeface="Arial" panose="020B0604020202020204" pitchFamily="34" charset="0"/>
+              </a:rPr>
               <a:t> </a:t>
             </a:r>
             <a:r>
-              <a:rPr lang="en-US" sz="2400" dirty="0" err="1" smtClean="0"/>
-              <a:t>citra</a:t>
-            </a:r>
-            <a:endParaRPr lang="en-US" sz="2400" dirty="0" smtClean="0"/>
-          </a:p>
-          <a:p>
-            <a:pPr marL="285750" indent="-285750">
-              <a:buFont typeface="Arial" panose="020B0604020202020204" pitchFamily="34" charset="0"/>
-              <a:buChar char="•"/>
-            </a:pPr>
-            <a:r>
-              <a:rPr lang="en-US" sz="2400" dirty="0" err="1" smtClean="0"/>
-              <a:t>Atau</a:t>
-            </a:r>
-            <a:r>
-              <a:rPr lang="en-US" sz="2400" dirty="0" smtClean="0"/>
+              <a:rPr lang="en-US" sz="2600" dirty="0" err="1">
+                <a:latin typeface="Arial" panose="020B0604020202020204" pitchFamily="34" charset="0"/>
+                <a:cs typeface="Arial" panose="020B0604020202020204" pitchFamily="34" charset="0"/>
+              </a:rPr>
+              <a:t>mengesankan</a:t>
+            </a:r>
+            <a:r>
+              <a:rPr lang="en-US" sz="2600" dirty="0">
+                <a:latin typeface="Arial" panose="020B0604020202020204" pitchFamily="34" charset="0"/>
+                <a:cs typeface="Arial" panose="020B0604020202020204" pitchFamily="34" charset="0"/>
+              </a:rPr>
               <a:t> </a:t>
             </a:r>
             <a:r>
-              <a:rPr lang="en-US" sz="2400" dirty="0" err="1" smtClean="0"/>
-              <a:t>menghilangkan</a:t>
-            </a:r>
-            <a:r>
-              <a:rPr lang="en-US" sz="2400" dirty="0" smtClean="0"/>
+              <a:rPr lang="en-US" sz="2600" dirty="0" err="1">
+                <a:latin typeface="Arial" panose="020B0604020202020204" pitchFamily="34" charset="0"/>
+                <a:cs typeface="Arial" panose="020B0604020202020204" pitchFamily="34" charset="0"/>
+              </a:rPr>
+              <a:t>objek</a:t>
+            </a:r>
+            <a:r>
+              <a:rPr lang="en-US" sz="2600" dirty="0">
+                <a:latin typeface="Arial" panose="020B0604020202020204" pitchFamily="34" charset="0"/>
+                <a:cs typeface="Arial" panose="020B0604020202020204" pitchFamily="34" charset="0"/>
+              </a:rPr>
               <a:t> </a:t>
             </a:r>
             <a:r>
-              <a:rPr lang="en-US" sz="2400" dirty="0" err="1" smtClean="0"/>
-              <a:t>garis</a:t>
-            </a:r>
-            <a:r>
-              <a:rPr lang="en-US" sz="2400" dirty="0" smtClean="0"/>
-              <a:t> – </a:t>
-            </a:r>
-            <a:r>
-              <a:rPr lang="en-US" sz="2400" dirty="0" err="1" smtClean="0"/>
-              <a:t>garis</a:t>
-            </a:r>
-            <a:r>
-              <a:rPr lang="en-US" sz="2400" dirty="0" smtClean="0"/>
-              <a:t> tipis</a:t>
-            </a:r>
-            <a:endParaRPr lang="en-US" sz="2400" dirty="0"/>
+              <a:rPr lang="en-US" sz="2600" dirty="0" err="1">
+                <a:latin typeface="Arial" panose="020B0604020202020204" pitchFamily="34" charset="0"/>
+                <a:cs typeface="Arial" panose="020B0604020202020204" pitchFamily="34" charset="0"/>
+              </a:rPr>
+              <a:t>jadi</a:t>
+            </a:r>
+            <a:r>
+              <a:rPr lang="en-US" sz="2600" dirty="0">
+                <a:latin typeface="Arial" panose="020B0604020202020204" pitchFamily="34" charset="0"/>
+                <a:cs typeface="Arial" panose="020B0604020202020204" pitchFamily="34" charset="0"/>
+              </a:rPr>
+              <a:t> </a:t>
+            </a:r>
+            <a:r>
+              <a:rPr lang="en-US" sz="2600" dirty="0" err="1">
+                <a:latin typeface="Arial" panose="020B0604020202020204" pitchFamily="34" charset="0"/>
+                <a:cs typeface="Arial" panose="020B0604020202020204" pitchFamily="34" charset="0"/>
+              </a:rPr>
+              <a:t>terlihat</a:t>
+            </a:r>
+            <a:r>
+              <a:rPr lang="en-US" sz="2600" dirty="0">
+                <a:latin typeface="Arial" panose="020B0604020202020204" pitchFamily="34" charset="0"/>
+                <a:cs typeface="Arial" panose="020B0604020202020204" pitchFamily="34" charset="0"/>
+              </a:rPr>
+              <a:t> </a:t>
+            </a:r>
+            <a:r>
+              <a:rPr lang="en-US" sz="2600" dirty="0" err="1">
+                <a:latin typeface="Arial" panose="020B0604020202020204" pitchFamily="34" charset="0"/>
+                <a:cs typeface="Arial" panose="020B0604020202020204" pitchFamily="34" charset="0"/>
+              </a:rPr>
+              <a:t>kecil</a:t>
+            </a:r>
+            <a:endParaRPr lang="en-US" sz="2600" dirty="0">
+              <a:latin typeface="Arial" panose="020B0604020202020204" pitchFamily="34" charset="0"/>
+              <a:cs typeface="Arial" panose="020B0604020202020204" pitchFamily="34" charset="0"/>
+            </a:endParaRPr>
           </a:p>
         </p:txBody>
       </p:sp>
       <p:pic>
         <p:nvPicPr>
-          <p:cNvPr id="2050" name="Picture 2" descr="https://lh4.googleusercontent.com/4XdpJIYWS6AjGM5Ht_o8cDM9X7mQaVA1gboIkKeM_FSrwzNch4eMGRVZgBvfWjqffmuqPKpnLFJUWgf2qNzFICkqH4ELwqgU4KEab8Zs3GNQysXEQ99voVMremCKSNKNR-NjjSd4"/>
-          <p:cNvPicPr>
-            <a:picLocks noChangeAspect="1" noChangeArrowheads="1"/>
-          </p:cNvPicPr>
+          <p:cNvPr id="7" name="Picture 6" descr="http://us.123rf.com/450wm/piksel/piksel1202/piksel120200105/12378404-high-angle-view-of-student-writing.jpg"/>
+          <p:cNvPicPr/>
           <p:nvPr/>
         </p:nvPicPr>
         <p:blipFill>
-          <a:blip r:embed="rId2">
-            <a:extLst>
-              <a:ext uri="{28A0092B-C50C-407E-A947-70E740481C1C}">
-                <a14:useLocalDpi xmlns:a14="http://schemas.microsoft.com/office/drawing/2010/main" val="0"/>
-              </a:ext>
-            </a:extLst>
-          </a:blip>
-          <a:srcRect/>
+          <a:blip r:embed="rId2"/>
+          <a:srcRect t="12444" b="6889"/>
           <a:stretch>
             <a:fillRect/>
           </a:stretch>
         </p:blipFill>
         <p:spPr bwMode="auto">
           <a:xfrm>
-            <a:off x="970387" y="2523996"/>
-            <a:ext cx="4280623" cy="3862323"/>
+            <a:off x="609600" y="2825211"/>
+            <a:ext cx="2824105" cy="2495271"/>
           </a:xfrm>
           <a:prstGeom prst="rect">
             <a:avLst/>
           </a:prstGeom>
           <a:noFill/>
-          <a:extLst>
-            <a:ext uri="{909E8E84-426E-40DD-AFC4-6F175D3DCCD1}">
-              <a14:hiddenFill xmlns:a14="http://schemas.microsoft.com/office/drawing/2010/main">
-                <a:solidFill>
-                  <a:srgbClr val="FFFFFF"/>
-                </a:solidFill>
-              </a14:hiddenFill>
-            </a:ext>
-          </a:extLst>
+          <a:ln w="9525">
+            <a:solidFill>
+              <a:schemeClr val="tx1"/>
+            </a:solidFill>
+            <a:miter lim="800000"/>
+            <a:headEnd/>
+            <a:tailEnd/>
+          </a:ln>
         </p:spPr>
       </p:pic>
-      <p:sp>
-        <p:nvSpPr>
-          <p:cNvPr id="4" name="Rectangle 3"/>
-          <p:cNvSpPr/>
-          <p:nvPr/>
-        </p:nvSpPr>
-        <p:spPr>
-          <a:xfrm>
-            <a:off x="5519596" y="3258743"/>
-            <a:ext cx="844991" cy="461665"/>
-          </a:xfrm>
-          <a:prstGeom prst="rect">
-            <a:avLst/>
-          </a:prstGeom>
-        </p:spPr>
-        <p:txBody>
-          <a:bodyPr wrap="square">
-            <a:spAutoFit/>
-          </a:bodyPr>
-          <a:lstStyle/>
-          <a:p>
-            <a:r>
-              <a:rPr lang="en-US" sz="2400" dirty="0">
-                <a:solidFill>
-                  <a:srgbClr val="000000"/>
-                </a:solidFill>
-                <a:latin typeface="Arial" panose="020B0604020202020204" pitchFamily="34" charset="0"/>
-              </a:rPr>
-              <a:t>A</a:t>
-            </a:r>
-            <a:r>
-              <a:rPr lang="el-GR" sz="2400" dirty="0">
-                <a:solidFill>
-                  <a:srgbClr val="000000"/>
-                </a:solidFill>
-                <a:latin typeface="Arial" panose="020B0604020202020204" pitchFamily="34" charset="0"/>
-              </a:rPr>
-              <a:t>Θ</a:t>
-            </a:r>
-            <a:r>
-              <a:rPr lang="en-US" sz="2400" dirty="0" smtClean="0">
-                <a:solidFill>
-                  <a:srgbClr val="000000"/>
-                </a:solidFill>
-                <a:latin typeface="Arial" panose="020B0604020202020204" pitchFamily="34" charset="0"/>
-              </a:rPr>
-              <a:t>B</a:t>
-            </a:r>
-            <a:endParaRPr lang="en-US" sz="2400" dirty="0"/>
-          </a:p>
-        </p:txBody>
-      </p:sp>
-      <p:sp>
-        <p:nvSpPr>
-          <p:cNvPr id="6" name="TextBox 5"/>
-          <p:cNvSpPr txBox="1"/>
-          <p:nvPr/>
-        </p:nvSpPr>
-        <p:spPr>
-          <a:xfrm>
-            <a:off x="5519596" y="2797078"/>
-            <a:ext cx="3929204" cy="461665"/>
-          </a:xfrm>
-          <a:prstGeom prst="rect">
-            <a:avLst/>
-          </a:prstGeom>
-          <a:noFill/>
-        </p:spPr>
-        <p:txBody>
-          <a:bodyPr wrap="square" rtlCol="0">
-            <a:spAutoFit/>
-          </a:bodyPr>
-          <a:lstStyle/>
-          <a:p>
-            <a:r>
-              <a:rPr lang="en-US" sz="2400" dirty="0" err="1" smtClean="0"/>
-              <a:t>Simbol</a:t>
-            </a:r>
-            <a:r>
-              <a:rPr lang="en-US" sz="2400" dirty="0" smtClean="0"/>
-              <a:t> </a:t>
-            </a:r>
-            <a:r>
-              <a:rPr lang="en-US" sz="2400" dirty="0" err="1" smtClean="0"/>
-              <a:t>Operasi</a:t>
-            </a:r>
-            <a:r>
-              <a:rPr lang="en-US" sz="2400" dirty="0" smtClean="0"/>
-              <a:t> </a:t>
-            </a:r>
-            <a:r>
-              <a:rPr lang="en-US" sz="2400" dirty="0" err="1" smtClean="0"/>
-              <a:t>Dilasi</a:t>
-            </a:r>
-            <a:endParaRPr lang="en-US" sz="2400" dirty="0"/>
-          </a:p>
-        </p:txBody>
-      </p:sp>
     </p:spTree>
     <p:extLst>
       <p:ext uri="{BB962C8B-B14F-4D97-AF65-F5344CB8AC3E}">
-        <p14:creationId xmlns:p14="http://schemas.microsoft.com/office/powerpoint/2010/main" val="3454889410"/>
+        <p14:creationId xmlns:p14="http://schemas.microsoft.com/office/powerpoint/2010/main" val="1957044181"/>
       </p:ext>
     </p:extLst>
   </p:cSld>
   <p:clrMapOvr>
     <a:masterClrMapping/>
   </p:clrMapOvr>
+  <p:timing>
+    <p:tnLst>
+      <p:par>
+        <p:cTn id="1" dur="indefinite" restart="never" nodeType="tmRoot">
+          <p:childTnLst>
+            <p:seq concurrent="1" nextAc="seek">
+              <p:cTn id="2" dur="indefinite" nodeType="mainSeq">
+                <p:childTnLst>
+                  <p:par>
+                    <p:cTn id="3" fill="hold">
+                      <p:stCondLst>
+                        <p:cond delay="indefinite"/>
+                      </p:stCondLst>
+                      <p:childTnLst>
+                        <p:par>
+                          <p:cTn id="4" fill="hold">
+                            <p:stCondLst>
+                              <p:cond delay="0"/>
+                            </p:stCondLst>
+                            <p:childTnLst>
+                              <p:par>
+                                <p:cTn id="5" presetID="22" presetClass="entr" presetSubtype="8" fill="hold" grpId="0" nodeType="clickEffect">
+                                  <p:stCondLst>
+                                    <p:cond delay="0"/>
+                                  </p:stCondLst>
+                                  <p:childTnLst>
+                                    <p:set>
+                                      <p:cBhvr>
+                                        <p:cTn id="6" dur="1" fill="hold">
+                                          <p:stCondLst>
+                                            <p:cond delay="0"/>
+                                          </p:stCondLst>
+                                        </p:cTn>
+                                        <p:tgtEl>
+                                          <p:spTgt spid="6"/>
+                                        </p:tgtEl>
+                                        <p:attrNameLst>
+                                          <p:attrName>style.visibility</p:attrName>
+                                        </p:attrNameLst>
+                                      </p:cBhvr>
+                                      <p:to>
+                                        <p:strVal val="visible"/>
+                                      </p:to>
+                                    </p:set>
+                                    <p:animEffect transition="in" filter="wipe(left)">
+                                      <p:cBhvr>
+                                        <p:cTn id="7" dur="500"/>
+                                        <p:tgtEl>
+                                          <p:spTgt spid="6"/>
+                                        </p:tgtEl>
+                                      </p:cBhvr>
+                                    </p:animEffect>
+                                  </p:childTnLst>
+                                </p:cTn>
+                              </p:par>
+                            </p:childTnLst>
+                          </p:cTn>
+                        </p:par>
+                        <p:par>
+                          <p:cTn id="8" fill="hold">
+                            <p:stCondLst>
+                              <p:cond delay="500"/>
+                            </p:stCondLst>
+                            <p:childTnLst>
+                              <p:par>
+                                <p:cTn id="9" presetID="22" presetClass="entr" presetSubtype="1" fill="hold" nodeType="afterEffect">
+                                  <p:stCondLst>
+                                    <p:cond delay="0"/>
+                                  </p:stCondLst>
+                                  <p:childTnLst>
+                                    <p:set>
+                                      <p:cBhvr>
+                                        <p:cTn id="10" dur="1" fill="hold">
+                                          <p:stCondLst>
+                                            <p:cond delay="0"/>
+                                          </p:stCondLst>
+                                        </p:cTn>
+                                        <p:tgtEl>
+                                          <p:spTgt spid="7"/>
+                                        </p:tgtEl>
+                                        <p:attrNameLst>
+                                          <p:attrName>style.visibility</p:attrName>
+                                        </p:attrNameLst>
+                                      </p:cBhvr>
+                                      <p:to>
+                                        <p:strVal val="visible"/>
+                                      </p:to>
+                                    </p:set>
+                                    <p:animEffect transition="in" filter="wipe(up)">
+                                      <p:cBhvr>
+                                        <p:cTn id="11" dur="500"/>
+                                        <p:tgtEl>
+                                          <p:spTgt spid="7"/>
+                                        </p:tgtEl>
+                                      </p:cBhvr>
+                                    </p:animEffect>
+                                  </p:childTnLst>
+                                </p:cTn>
+                              </p:par>
+                            </p:childTnLst>
+                          </p:cTn>
+                        </p:par>
+                      </p:childTnLst>
+                    </p:cTn>
+                  </p:par>
+                </p:childTnLst>
+              </p:cTn>
+              <p:prevCondLst>
+                <p:cond evt="onPrev" delay="0">
+                  <p:tgtEl>
+                    <p:sldTgt/>
+                  </p:tgtEl>
+                </p:cond>
+              </p:prevCondLst>
+              <p:nextCondLst>
+                <p:cond evt="onNext" delay="0">
+                  <p:tgtEl>
+                    <p:sldTgt/>
+                  </p:tgtEl>
+                </p:cond>
+              </p:nextCondLst>
+            </p:seq>
+          </p:childTnLst>
+        </p:cTn>
+      </p:par>
+    </p:tnLst>
+    <p:bldLst>
+      <p:bldP spid="6" grpId="0"/>
+    </p:bldLst>
+  </p:timing>
 </p:sld>
 </file>
 
@@ -10877,18 +8363,26 @@
           <a:lstStyle/>
           <a:p>
             <a:r>
-              <a:rPr lang="en-US" b="1" dirty="0" err="1" smtClean="0"/>
-              <a:t>Operasi</a:t>
-            </a:r>
-            <a:r>
-              <a:rPr lang="en-US" b="1" dirty="0" smtClean="0"/>
+              <a:rPr lang="en-US" dirty="0" smtClean="0"/>
+              <a:t>Splitting video </a:t>
+            </a:r>
+            <a:r>
+              <a:rPr lang="en-US" dirty="0" err="1" smtClean="0"/>
+              <a:t>ke</a:t>
+            </a:r>
+            <a:r>
+              <a:rPr lang="en-US" dirty="0" smtClean="0"/>
               <a:t> </a:t>
             </a:r>
             <a:r>
-              <a:rPr lang="en-US" b="1" dirty="0" err="1" smtClean="0"/>
-              <a:t>Erosi</a:t>
-            </a:r>
-            <a:endParaRPr lang="en-US" b="1" dirty="0"/>
+              <a:rPr lang="en-US" dirty="0" err="1" smtClean="0"/>
+              <a:t>gambar</a:t>
+            </a:r>
+            <a:r>
+              <a:rPr lang="en-US" dirty="0" smtClean="0"/>
+              <a:t> per frame</a:t>
+            </a:r>
+            <a:endParaRPr lang="en-US" dirty="0"/>
           </a:p>
         </p:txBody>
       </p:sp>
@@ -10908,413 +8402,18 @@
         </p:blipFill>
         <p:spPr>
           <a:xfrm>
-            <a:off x="609600" y="1699913"/>
-            <a:ext cx="5797285" cy="1568387"/>
+            <a:off x="609600" y="2357299"/>
+            <a:ext cx="10578045" cy="2667374"/>
           </a:xfrm>
           <a:prstGeom prst="rect">
             <a:avLst/>
           </a:prstGeom>
         </p:spPr>
       </p:pic>
-      <p:cxnSp>
-        <p:nvCxnSpPr>
-          <p:cNvPr id="4" name="Straight Arrow Connector 3"/>
-          <p:cNvCxnSpPr>
-            <a:stCxn id="3" idx="3"/>
-            <a:endCxn id="5" idx="1"/>
-          </p:cNvCxnSpPr>
-          <p:nvPr/>
-        </p:nvCxnSpPr>
-        <p:spPr>
-          <a:xfrm flipV="1">
-            <a:off x="6406885" y="2414516"/>
-            <a:ext cx="1044872" cy="69591"/>
-          </a:xfrm>
-          <a:prstGeom prst="straightConnector1">
-            <a:avLst/>
-          </a:prstGeom>
-          <a:ln w="38100">
-            <a:solidFill>
-              <a:schemeClr val="tx1"/>
-            </a:solidFill>
-            <a:tailEnd type="triangle"/>
-          </a:ln>
-        </p:spPr>
-        <p:style>
-          <a:lnRef idx="1">
-            <a:schemeClr val="accent1"/>
-          </a:lnRef>
-          <a:fillRef idx="0">
-            <a:schemeClr val="accent1"/>
-          </a:fillRef>
-          <a:effectRef idx="0">
-            <a:schemeClr val="accent1"/>
-          </a:effectRef>
-          <a:fontRef idx="minor">
-            <a:schemeClr val="tx1"/>
-          </a:fontRef>
-        </p:style>
-      </p:cxnSp>
-      <p:sp>
-        <p:nvSpPr>
-          <p:cNvPr id="5" name="TextBox 4"/>
-          <p:cNvSpPr txBox="1"/>
-          <p:nvPr/>
-        </p:nvSpPr>
-        <p:spPr>
-          <a:xfrm>
-            <a:off x="7451757" y="2091350"/>
-            <a:ext cx="3902043" cy="646331"/>
-          </a:xfrm>
-          <a:prstGeom prst="rect">
-            <a:avLst/>
-          </a:prstGeom>
-          <a:noFill/>
-        </p:spPr>
-        <p:txBody>
-          <a:bodyPr wrap="square" rtlCol="0">
-            <a:spAutoFit/>
-          </a:bodyPr>
-          <a:lstStyle/>
-          <a:p>
-            <a:r>
-              <a:rPr lang="en-US" dirty="0" smtClean="0"/>
-              <a:t>Import </a:t>
-            </a:r>
-            <a:r>
-              <a:rPr lang="en-US" dirty="0" err="1" smtClean="0"/>
-              <a:t>pustakan</a:t>
-            </a:r>
-            <a:r>
-              <a:rPr lang="en-US" dirty="0" smtClean="0"/>
-              <a:t> yang </a:t>
-            </a:r>
-            <a:r>
-              <a:rPr lang="en-US" dirty="0" err="1" smtClean="0"/>
-              <a:t>diinginkan</a:t>
-            </a:r>
-            <a:r>
-              <a:rPr lang="en-US" dirty="0" smtClean="0"/>
-              <a:t>,</a:t>
-            </a:r>
-          </a:p>
-          <a:p>
-            <a:r>
-              <a:rPr lang="en-US" dirty="0" smtClean="0"/>
-              <a:t>Dan </a:t>
-            </a:r>
-            <a:r>
-              <a:rPr lang="en-US" dirty="0" err="1" smtClean="0"/>
-              <a:t>membaca</a:t>
-            </a:r>
-            <a:r>
-              <a:rPr lang="en-US" dirty="0" smtClean="0"/>
-              <a:t> </a:t>
-            </a:r>
-            <a:r>
-              <a:rPr lang="en-US" dirty="0" err="1" smtClean="0"/>
-              <a:t>gambar</a:t>
-            </a:r>
-            <a:endParaRPr lang="en-US" dirty="0"/>
-          </a:p>
-        </p:txBody>
-      </p:sp>
-      <p:cxnSp>
-        <p:nvCxnSpPr>
-          <p:cNvPr id="6" name="Straight Arrow Connector 5"/>
-          <p:cNvCxnSpPr>
-            <a:endCxn id="7" idx="1"/>
-          </p:cNvCxnSpPr>
-          <p:nvPr/>
-        </p:nvCxnSpPr>
-        <p:spPr>
-          <a:xfrm>
-            <a:off x="6806721" y="4359583"/>
-            <a:ext cx="399837" cy="75188"/>
-          </a:xfrm>
-          <a:prstGeom prst="straightConnector1">
-            <a:avLst/>
-          </a:prstGeom>
-          <a:ln w="38100">
-            <a:solidFill>
-              <a:schemeClr val="tx1"/>
-            </a:solidFill>
-            <a:tailEnd type="triangle"/>
-          </a:ln>
-        </p:spPr>
-        <p:style>
-          <a:lnRef idx="1">
-            <a:schemeClr val="accent1"/>
-          </a:lnRef>
-          <a:fillRef idx="0">
-            <a:schemeClr val="accent1"/>
-          </a:fillRef>
-          <a:effectRef idx="0">
-            <a:schemeClr val="accent1"/>
-          </a:effectRef>
-          <a:fontRef idx="minor">
-            <a:schemeClr val="tx1"/>
-          </a:fontRef>
-        </p:style>
-      </p:cxnSp>
-      <p:sp>
-        <p:nvSpPr>
-          <p:cNvPr id="7" name="TextBox 6"/>
-          <p:cNvSpPr txBox="1"/>
-          <p:nvPr/>
-        </p:nvSpPr>
-        <p:spPr>
-          <a:xfrm>
-            <a:off x="7206558" y="4111605"/>
-            <a:ext cx="3902043" cy="646331"/>
-          </a:xfrm>
-          <a:prstGeom prst="rect">
-            <a:avLst/>
-          </a:prstGeom>
-          <a:noFill/>
-        </p:spPr>
-        <p:txBody>
-          <a:bodyPr wrap="square" rtlCol="0">
-            <a:spAutoFit/>
-          </a:bodyPr>
-          <a:lstStyle/>
-          <a:p>
-            <a:r>
-              <a:rPr lang="en-US" dirty="0" err="1" smtClean="0"/>
-              <a:t>Ubah</a:t>
-            </a:r>
-            <a:r>
-              <a:rPr lang="en-US" dirty="0" smtClean="0"/>
-              <a:t> </a:t>
-            </a:r>
-            <a:r>
-              <a:rPr lang="en-US" dirty="0" err="1" smtClean="0"/>
-              <a:t>citra</a:t>
-            </a:r>
-            <a:r>
-              <a:rPr lang="en-US" dirty="0" smtClean="0"/>
-              <a:t> </a:t>
-            </a:r>
-            <a:r>
-              <a:rPr lang="en-US" dirty="0" err="1" smtClean="0"/>
-              <a:t>menjadi</a:t>
-            </a:r>
-            <a:r>
-              <a:rPr lang="en-US" dirty="0" smtClean="0"/>
-              <a:t> </a:t>
-            </a:r>
-            <a:r>
-              <a:rPr lang="en-US" dirty="0" err="1" smtClean="0"/>
-              <a:t>keabu</a:t>
-            </a:r>
-            <a:r>
-              <a:rPr lang="en-US" dirty="0" smtClean="0"/>
-              <a:t> –</a:t>
-            </a:r>
-            <a:r>
-              <a:rPr lang="en-US" dirty="0" err="1" smtClean="0"/>
-              <a:t>abu</a:t>
-            </a:r>
-            <a:r>
-              <a:rPr lang="en-US" dirty="0" smtClean="0"/>
-              <a:t> </a:t>
-            </a:r>
-            <a:r>
-              <a:rPr lang="en-US" dirty="0" err="1" smtClean="0"/>
-              <a:t>dan</a:t>
-            </a:r>
-            <a:r>
-              <a:rPr lang="en-US" dirty="0" smtClean="0"/>
-              <a:t> </a:t>
-            </a:r>
-            <a:r>
-              <a:rPr lang="en-US" dirty="0" err="1" smtClean="0"/>
-              <a:t>lihat</a:t>
-            </a:r>
-            <a:r>
-              <a:rPr lang="en-US" dirty="0" smtClean="0"/>
-              <a:t> </a:t>
-            </a:r>
-            <a:r>
-              <a:rPr lang="en-US" dirty="0" err="1" smtClean="0"/>
-              <a:t>ukuran</a:t>
-            </a:r>
-            <a:r>
-              <a:rPr lang="en-US" dirty="0" smtClean="0"/>
-              <a:t> </a:t>
-            </a:r>
-            <a:r>
-              <a:rPr lang="en-US" dirty="0" err="1" smtClean="0"/>
-              <a:t>citra</a:t>
-            </a:r>
-            <a:r>
-              <a:rPr lang="en-US" dirty="0" smtClean="0"/>
-              <a:t> </a:t>
-            </a:r>
-            <a:r>
-              <a:rPr lang="en-US" dirty="0" err="1" smtClean="0"/>
-              <a:t>tersebut</a:t>
-            </a:r>
-            <a:endParaRPr lang="en-US" dirty="0"/>
-          </a:p>
-        </p:txBody>
-      </p:sp>
-      <p:pic>
-        <p:nvPicPr>
-          <p:cNvPr id="8" name="Picture 7"/>
-          <p:cNvPicPr>
-            <a:picLocks noChangeAspect="1"/>
-          </p:cNvPicPr>
-          <p:nvPr/>
-        </p:nvPicPr>
-        <p:blipFill>
-          <a:blip r:embed="rId3"/>
-          <a:stretch>
-            <a:fillRect/>
-          </a:stretch>
-        </p:blipFill>
-        <p:spPr>
-          <a:xfrm>
-            <a:off x="609600" y="3739776"/>
-            <a:ext cx="6125635" cy="1134973"/>
-          </a:xfrm>
-          <a:prstGeom prst="rect">
-            <a:avLst/>
-          </a:prstGeom>
-        </p:spPr>
-      </p:pic>
-      <p:pic>
-        <p:nvPicPr>
-          <p:cNvPr id="9" name="Picture 8"/>
-          <p:cNvPicPr>
-            <a:picLocks noChangeAspect="1"/>
-          </p:cNvPicPr>
-          <p:nvPr/>
-        </p:nvPicPr>
-        <p:blipFill>
-          <a:blip r:embed="rId4"/>
-          <a:stretch>
-            <a:fillRect/>
-          </a:stretch>
-        </p:blipFill>
-        <p:spPr>
-          <a:xfrm>
-            <a:off x="629359" y="5346225"/>
-            <a:ext cx="6177362" cy="862044"/>
-          </a:xfrm>
-          <a:prstGeom prst="rect">
-            <a:avLst/>
-          </a:prstGeom>
-        </p:spPr>
-      </p:pic>
-      <p:sp>
-        <p:nvSpPr>
-          <p:cNvPr id="10" name="TextBox 9"/>
-          <p:cNvSpPr txBox="1"/>
-          <p:nvPr/>
-        </p:nvSpPr>
-        <p:spPr>
-          <a:xfrm>
-            <a:off x="7322744" y="5358636"/>
-            <a:ext cx="3902043" cy="646331"/>
-          </a:xfrm>
-          <a:prstGeom prst="rect">
-            <a:avLst/>
-          </a:prstGeom>
-          <a:noFill/>
-        </p:spPr>
-        <p:txBody>
-          <a:bodyPr wrap="square" rtlCol="0">
-            <a:spAutoFit/>
-          </a:bodyPr>
-          <a:lstStyle/>
-          <a:p>
-            <a:r>
-              <a:rPr lang="en-US" dirty="0" err="1" smtClean="0"/>
-              <a:t>Buat</a:t>
-            </a:r>
-            <a:r>
-              <a:rPr lang="en-US" dirty="0" smtClean="0"/>
-              <a:t> </a:t>
-            </a:r>
-            <a:r>
-              <a:rPr lang="en-US" i="1" dirty="0"/>
-              <a:t>structuring </a:t>
-            </a:r>
-            <a:r>
-              <a:rPr lang="en-US" i="1" dirty="0" smtClean="0"/>
-              <a:t>element</a:t>
-            </a:r>
-            <a:r>
-              <a:rPr lang="en-US" dirty="0"/>
-              <a:t> </a:t>
-            </a:r>
-            <a:r>
-              <a:rPr lang="en-US" dirty="0" err="1" smtClean="0"/>
-              <a:t>dengan</a:t>
-            </a:r>
-            <a:r>
-              <a:rPr lang="en-US" dirty="0" smtClean="0"/>
-              <a:t> </a:t>
-            </a:r>
-            <a:r>
-              <a:rPr lang="en-US" dirty="0" err="1" smtClean="0"/>
-              <a:t>fungsi</a:t>
-            </a:r>
-            <a:r>
-              <a:rPr lang="en-US" dirty="0" smtClean="0"/>
-              <a:t> </a:t>
-            </a:r>
-            <a:r>
-              <a:rPr lang="en-US" dirty="0" err="1" smtClean="0"/>
-              <a:t>numpy</a:t>
-            </a:r>
-            <a:endParaRPr lang="en-US" dirty="0"/>
-          </a:p>
-        </p:txBody>
-      </p:sp>
-      <p:cxnSp>
-        <p:nvCxnSpPr>
-          <p:cNvPr id="11" name="Straight Arrow Connector 10"/>
-          <p:cNvCxnSpPr>
-            <a:endCxn id="10" idx="1"/>
-          </p:cNvCxnSpPr>
-          <p:nvPr/>
-        </p:nvCxnSpPr>
-        <p:spPr>
-          <a:xfrm flipV="1">
-            <a:off x="6763337" y="5681802"/>
-            <a:ext cx="559407" cy="57851"/>
-          </a:xfrm>
-          <a:prstGeom prst="straightConnector1">
-            <a:avLst/>
-          </a:prstGeom>
-          <a:ln w="38100">
-            <a:solidFill>
-              <a:schemeClr val="tx1"/>
-            </a:solidFill>
-            <a:tailEnd type="triangle"/>
-          </a:ln>
-        </p:spPr>
-        <p:style>
-          <a:lnRef idx="1">
-            <a:schemeClr val="accent1"/>
-          </a:lnRef>
-          <a:fillRef idx="0">
-            <a:schemeClr val="accent1"/>
-          </a:fillRef>
-          <a:effectRef idx="0">
-            <a:schemeClr val="accent1"/>
-          </a:effectRef>
-          <a:fontRef idx="minor">
-            <a:schemeClr val="tx1"/>
-          </a:fontRef>
-        </p:style>
-      </p:cxnSp>
     </p:spTree>
     <p:extLst>
       <p:ext uri="{BB962C8B-B14F-4D97-AF65-F5344CB8AC3E}">
-        <p14:creationId xmlns:p14="http://schemas.microsoft.com/office/powerpoint/2010/main" val="2420496241"/>
+        <p14:creationId xmlns:p14="http://schemas.microsoft.com/office/powerpoint/2010/main" val="2670571905"/>
       </p:ext>
     </p:extLst>
   </p:cSld>
@@ -11787,6 +8886,15 @@
 </file>
 
 <file path=customXml/item1.xml><?xml version="1.0" encoding="utf-8"?>
+<?mso-contentType ?>
+<FormTemplates xmlns="http://schemas.microsoft.com/sharepoint/v3/contenttype/forms">
+  <Display>DocumentLibraryForm</Display>
+  <Edit>AssetEditForm</Edit>
+  <New>DocumentLibraryForm</New>
+</FormTemplates>
+</file>
+
+<file path=customXml/item2.xml><?xml version="1.0" encoding="utf-8"?>
 <p:properties xmlns:p="http://schemas.microsoft.com/office/2006/metadata/properties" xmlns:xsi="http://www.w3.org/2001/XMLSchema-instance" xmlns:pc="http://schemas.microsoft.com/office/infopath/2007/PartnerControls">
   <documentManagement>
     <DirectSourceMarket xmlns="4873beb7-5857-4685-be1f-d57550cc96cc" xsi:nil="true"/>
@@ -11910,15 +9018,6 @@
     </LocalizationTagsTaxHTField0>
   </documentManagement>
 </p:properties>
-</file>
-
-<file path=customXml/item2.xml><?xml version="1.0" encoding="utf-8"?>
-<?mso-contentType ?>
-<FormTemplates xmlns="http://schemas.microsoft.com/sharepoint/v3/contenttype/forms">
-  <Display>DocumentLibraryForm</Display>
-  <Edit>AssetEditForm</Edit>
-  <New>DocumentLibraryForm</New>
-</FormTemplates>
 </file>
 
 <file path=customXml/item3.xml><?xml version="1.0" encoding="utf-8"?>
@@ -12962,6 +10061,14 @@
 </file>
 
 <file path=customXml/itemProps1.xml><?xml version="1.0" encoding="utf-8"?>
+<ds:datastoreItem xmlns:ds="http://schemas.openxmlformats.org/officeDocument/2006/customXml" ds:itemID="{C3DEC53A-9DF1-4780-BE92-17E971B7A9ED}">
+  <ds:schemaRefs>
+    <ds:schemaRef ds:uri="http://schemas.microsoft.com/sharepoint/v3/contenttype/forms"/>
+  </ds:schemaRefs>
+</ds:datastoreItem>
+</file>
+
+<file path=customXml/itemProps2.xml><?xml version="1.0" encoding="utf-8"?>
 <ds:datastoreItem xmlns:ds="http://schemas.openxmlformats.org/officeDocument/2006/customXml" ds:itemID="{B970C04F-E7AC-41AB-9C6D-1B1BB88BFF7F}">
   <ds:schemaRefs>
     <ds:schemaRef ds:uri="http://schemas.microsoft.com/office/2006/documentManagement/types"/>
@@ -12973,14 +10080,6 @@
     <ds:schemaRef ds:uri="http://schemas.openxmlformats.org/package/2006/metadata/core-properties"/>
     <ds:schemaRef ds:uri="http://www.w3.org/XML/1998/namespace"/>
     <ds:schemaRef ds:uri="http://purl.org/dc/dcmitype/"/>
-  </ds:schemaRefs>
-</ds:datastoreItem>
-</file>
-
-<file path=customXml/itemProps2.xml><?xml version="1.0" encoding="utf-8"?>
-<ds:datastoreItem xmlns:ds="http://schemas.openxmlformats.org/officeDocument/2006/customXml" ds:itemID="{C3DEC53A-9DF1-4780-BE92-17E971B7A9ED}">
-  <ds:schemaRefs>
-    <ds:schemaRef ds:uri="http://schemas.microsoft.com/sharepoint/v3/contenttype/forms"/>
   </ds:schemaRefs>
 </ds:datastoreItem>
 </file>
